--- a/images/logo.pptx
+++ b/images/logo.pptx
@@ -126,18 +126,18 @@
   <pc:docChgLst>
     <pc:chgData name="Simon Schwab" userId="5e8e8be0-26a3-48b1-a8c0-2dbc395844a0" providerId="ADAL" clId="{2F941FE3-FF64-4F84-B49A-A887E52BA933}"/>
     <pc:docChg chg="undo custSel addSld modSld modMainMaster">
-      <pc:chgData name="Simon Schwab" userId="5e8e8be0-26a3-48b1-a8c0-2dbc395844a0" providerId="ADAL" clId="{2F941FE3-FF64-4F84-B49A-A887E52BA933}" dt="2024-12-08T12:02:53.537" v="512" actId="14100"/>
+      <pc:chgData name="Simon Schwab" userId="5e8e8be0-26a3-48b1-a8c0-2dbc395844a0" providerId="ADAL" clId="{2F941FE3-FF64-4F84-B49A-A887E52BA933}" dt="2025-03-30T08:29:37.749" v="527" actId="1036"/>
       <pc:docMkLst>
         <pc:docMk/>
       </pc:docMkLst>
       <pc:sldChg chg="addSp delSp modSp mod">
-        <pc:chgData name="Simon Schwab" userId="5e8e8be0-26a3-48b1-a8c0-2dbc395844a0" providerId="ADAL" clId="{2F941FE3-FF64-4F84-B49A-A887E52BA933}" dt="2024-12-08T10:25:45.960" v="494" actId="1076"/>
+        <pc:chgData name="Simon Schwab" userId="5e8e8be0-26a3-48b1-a8c0-2dbc395844a0" providerId="ADAL" clId="{2F941FE3-FF64-4F84-B49A-A887E52BA933}" dt="2025-03-30T08:29:37.749" v="527" actId="1036"/>
         <pc:sldMkLst>
           <pc:docMk/>
           <pc:sldMk cId="3208357589" sldId="256"/>
         </pc:sldMkLst>
         <pc:spChg chg="add mod">
-          <ac:chgData name="Simon Schwab" userId="5e8e8be0-26a3-48b1-a8c0-2dbc395844a0" providerId="ADAL" clId="{2F941FE3-FF64-4F84-B49A-A887E52BA933}" dt="2024-12-08T10:25:45.960" v="494" actId="1076"/>
+          <ac:chgData name="Simon Schwab" userId="5e8e8be0-26a3-48b1-a8c0-2dbc395844a0" providerId="ADAL" clId="{2F941FE3-FF64-4F84-B49A-A887E52BA933}" dt="2025-03-30T08:29:37.749" v="527" actId="1036"/>
           <ac:spMkLst>
             <pc:docMk/>
             <pc:sldMk cId="3208357589" sldId="256"/>
@@ -201,7 +201,7 @@
           </ac:spMkLst>
         </pc:spChg>
         <pc:spChg chg="add mod">
-          <ac:chgData name="Simon Schwab" userId="5e8e8be0-26a3-48b1-a8c0-2dbc395844a0" providerId="ADAL" clId="{2F941FE3-FF64-4F84-B49A-A887E52BA933}" dt="2024-12-08T10:25:17.347" v="489" actId="1076"/>
+          <ac:chgData name="Simon Schwab" userId="5e8e8be0-26a3-48b1-a8c0-2dbc395844a0" providerId="ADAL" clId="{2F941FE3-FF64-4F84-B49A-A887E52BA933}" dt="2025-03-30T08:29:37.749" v="527" actId="1036"/>
           <ac:spMkLst>
             <pc:docMk/>
             <pc:sldMk cId="3208357589" sldId="256"/>
@@ -1268,7 +1268,7 @@
           <a:p>
             <a:fld id="{55AD22FE-7305-40DE-AD74-B7D90DD9F565}" type="datetimeFigureOut">
               <a:rPr lang="de-CH" smtClean="0"/>
-              <a:t>08.12.2024</a:t>
+              <a:t>30.03.2025</a:t>
             </a:fld>
             <a:endParaRPr lang="de-CH"/>
           </a:p>
@@ -1438,7 +1438,7 @@
           <a:p>
             <a:fld id="{55AD22FE-7305-40DE-AD74-B7D90DD9F565}" type="datetimeFigureOut">
               <a:rPr lang="de-CH" smtClean="0"/>
-              <a:t>08.12.2024</a:t>
+              <a:t>30.03.2025</a:t>
             </a:fld>
             <a:endParaRPr lang="de-CH"/>
           </a:p>
@@ -1618,7 +1618,7 @@
           <a:p>
             <a:fld id="{55AD22FE-7305-40DE-AD74-B7D90DD9F565}" type="datetimeFigureOut">
               <a:rPr lang="de-CH" smtClean="0"/>
-              <a:t>08.12.2024</a:t>
+              <a:t>30.03.2025</a:t>
             </a:fld>
             <a:endParaRPr lang="de-CH"/>
           </a:p>
@@ -1788,7 +1788,7 @@
           <a:p>
             <a:fld id="{55AD22FE-7305-40DE-AD74-B7D90DD9F565}" type="datetimeFigureOut">
               <a:rPr lang="de-CH" smtClean="0"/>
-              <a:t>08.12.2024</a:t>
+              <a:t>30.03.2025</a:t>
             </a:fld>
             <a:endParaRPr lang="de-CH"/>
           </a:p>
@@ -2034,7 +2034,7 @@
           <a:p>
             <a:fld id="{55AD22FE-7305-40DE-AD74-B7D90DD9F565}" type="datetimeFigureOut">
               <a:rPr lang="de-CH" smtClean="0"/>
-              <a:t>08.12.2024</a:t>
+              <a:t>30.03.2025</a:t>
             </a:fld>
             <a:endParaRPr lang="de-CH"/>
           </a:p>
@@ -2266,7 +2266,7 @@
           <a:p>
             <a:fld id="{55AD22FE-7305-40DE-AD74-B7D90DD9F565}" type="datetimeFigureOut">
               <a:rPr lang="de-CH" smtClean="0"/>
-              <a:t>08.12.2024</a:t>
+              <a:t>30.03.2025</a:t>
             </a:fld>
             <a:endParaRPr lang="de-CH"/>
           </a:p>
@@ -2633,7 +2633,7 @@
           <a:p>
             <a:fld id="{55AD22FE-7305-40DE-AD74-B7D90DD9F565}" type="datetimeFigureOut">
               <a:rPr lang="de-CH" smtClean="0"/>
-              <a:t>08.12.2024</a:t>
+              <a:t>30.03.2025</a:t>
             </a:fld>
             <a:endParaRPr lang="de-CH"/>
           </a:p>
@@ -2751,7 +2751,7 @@
           <a:p>
             <a:fld id="{55AD22FE-7305-40DE-AD74-B7D90DD9F565}" type="datetimeFigureOut">
               <a:rPr lang="de-CH" smtClean="0"/>
-              <a:t>08.12.2024</a:t>
+              <a:t>30.03.2025</a:t>
             </a:fld>
             <a:endParaRPr lang="de-CH"/>
           </a:p>
@@ -2846,7 +2846,7 @@
           <a:p>
             <a:fld id="{55AD22FE-7305-40DE-AD74-B7D90DD9F565}" type="datetimeFigureOut">
               <a:rPr lang="de-CH" smtClean="0"/>
-              <a:t>08.12.2024</a:t>
+              <a:t>30.03.2025</a:t>
             </a:fld>
             <a:endParaRPr lang="de-CH"/>
           </a:p>
@@ -3123,7 +3123,7 @@
           <a:p>
             <a:fld id="{55AD22FE-7305-40DE-AD74-B7D90DD9F565}" type="datetimeFigureOut">
               <a:rPr lang="de-CH" smtClean="0"/>
-              <a:t>08.12.2024</a:t>
+              <a:t>30.03.2025</a:t>
             </a:fld>
             <a:endParaRPr lang="de-CH"/>
           </a:p>
@@ -3380,7 +3380,7 @@
           <a:p>
             <a:fld id="{55AD22FE-7305-40DE-AD74-B7D90DD9F565}" type="datetimeFigureOut">
               <a:rPr lang="de-CH" smtClean="0"/>
-              <a:t>08.12.2024</a:t>
+              <a:t>30.03.2025</a:t>
             </a:fld>
             <a:endParaRPr lang="de-CH"/>
           </a:p>
@@ -3593,7 +3593,7 @@
           <a:p>
             <a:fld id="{55AD22FE-7305-40DE-AD74-B7D90DD9F565}" type="datetimeFigureOut">
               <a:rPr lang="de-CH" smtClean="0"/>
-              <a:t>08.12.2024</a:t>
+              <a:t>30.03.2025</a:t>
             </a:fld>
             <a:endParaRPr lang="de-CH"/>
           </a:p>
@@ -4186,7 +4186,7 @@
         </p:nvSpPr>
         <p:spPr>
           <a:xfrm>
-            <a:off x="507501" y="532615"/>
+            <a:off x="507501" y="549282"/>
             <a:ext cx="779903" cy="522452"/>
           </a:xfrm>
           <a:prstGeom prst="rect">
@@ -4230,7 +4230,7 @@
         </p:nvSpPr>
         <p:spPr>
           <a:xfrm>
-            <a:off x="82027" y="202048"/>
+            <a:off x="82027" y="218715"/>
             <a:ext cx="1830116" cy="584775"/>
           </a:xfrm>
           <a:prstGeom prst="rect">

--- a/images/logo.pptx
+++ b/images/logo.pptx
@@ -2,13 +2,15 @@
 <file path=ppt/presentation.xml><?xml version="1.0" encoding="utf-8"?>
 <p:presentation xmlns:a="http://schemas.openxmlformats.org/drawingml/2006/main" xmlns:r="http://schemas.openxmlformats.org/officeDocument/2006/relationships" xmlns:p="http://schemas.openxmlformats.org/presentationml/2006/main" saveSubsetFonts="1">
   <p:sldMasterIdLst>
-    <p:sldMasterId id="2147483684" r:id="rId1"/>
+    <p:sldMasterId id="2147483696" r:id="rId1"/>
   </p:sldMasterIdLst>
   <p:sldIdLst>
     <p:sldId id="256" r:id="rId2"/>
-    <p:sldId id="257" r:id="rId3"/>
+    <p:sldId id="258" r:id="rId3"/>
+    <p:sldId id="259" r:id="rId4"/>
+    <p:sldId id="257" r:id="rId5"/>
   </p:sldIdLst>
-  <p:sldSz cx="2160588" cy="1079500"/>
+  <p:sldSz cx="3600450" cy="1044575"/>
   <p:notesSz cx="6858000" cy="9144000"/>
   <p:defaultTextStyle>
     <a:defPPr>
@@ -116,7 +118,7 @@
 <file path=ppt/revisionInfo.xml><?xml version="1.0" encoding="utf-8"?>
 <p1510:revInfo xmlns:a="http://schemas.openxmlformats.org/drawingml/2006/main" xmlns:r="http://schemas.openxmlformats.org/officeDocument/2006/relationships" xmlns:p1510="http://schemas.microsoft.com/office/powerpoint/2015/10/main">
   <p1510:revLst>
-    <p1510:client id="{2F941FE3-FF64-4F84-B49A-A887E52BA933}" v="23" dt="2024-12-08T12:01:38.304"/>
+    <p1510:client id="{2F941FE3-FF64-4F84-B49A-A887E52BA933}" v="34" dt="2025-03-30T21:22:49.919"/>
   </p1510:revLst>
 </p1510:revInfo>
 </file>
@@ -125,8 +127,8 @@
 <pc:chgInfo xmlns:a="http://schemas.openxmlformats.org/drawingml/2006/main" xmlns:r="http://schemas.openxmlformats.org/officeDocument/2006/relationships" xmlns:ac="http://schemas.microsoft.com/office/drawing/2013/main/command" xmlns:pc="http://schemas.microsoft.com/office/powerpoint/2013/main/command">
   <pc:docChgLst>
     <pc:chgData name="Simon Schwab" userId="5e8e8be0-26a3-48b1-a8c0-2dbc395844a0" providerId="ADAL" clId="{2F941FE3-FF64-4F84-B49A-A887E52BA933}"/>
-    <pc:docChg chg="undo custSel addSld modSld modMainMaster">
-      <pc:chgData name="Simon Schwab" userId="5e8e8be0-26a3-48b1-a8c0-2dbc395844a0" providerId="ADAL" clId="{2F941FE3-FF64-4F84-B49A-A887E52BA933}" dt="2025-03-30T08:29:37.749" v="527" actId="1036"/>
+    <pc:docChg chg="undo redo custSel addSld delSld modSld sldOrd modMainMaster">
+      <pc:chgData name="Simon Schwab" userId="5e8e8be0-26a3-48b1-a8c0-2dbc395844a0" providerId="ADAL" clId="{2F941FE3-FF64-4F84-B49A-A887E52BA933}" dt="2025-03-30T21:22:03.639" v="834" actId="1038"/>
       <pc:docMkLst>
         <pc:docMk/>
       </pc:docMkLst>
@@ -530,11 +532,19 @@
         </pc:inkChg>
       </pc:sldChg>
       <pc:sldChg chg="addSp delSp modSp add mod">
-        <pc:chgData name="Simon Schwab" userId="5e8e8be0-26a3-48b1-a8c0-2dbc395844a0" providerId="ADAL" clId="{2F941FE3-FF64-4F84-B49A-A887E52BA933}" dt="2024-12-08T12:02:53.537" v="512" actId="14100"/>
+        <pc:chgData name="Simon Schwab" userId="5e8e8be0-26a3-48b1-a8c0-2dbc395844a0" providerId="ADAL" clId="{2F941FE3-FF64-4F84-B49A-A887E52BA933}" dt="2025-03-30T21:21:33.579" v="824" actId="1038"/>
         <pc:sldMkLst>
           <pc:docMk/>
           <pc:sldMk cId="521519063" sldId="257"/>
         </pc:sldMkLst>
+        <pc:spChg chg="add mod">
+          <ac:chgData name="Simon Schwab" userId="5e8e8be0-26a3-48b1-a8c0-2dbc395844a0" providerId="ADAL" clId="{2F941FE3-FF64-4F84-B49A-A887E52BA933}" dt="2025-03-30T21:21:33.579" v="824" actId="1038"/>
+          <ac:spMkLst>
+            <pc:docMk/>
+            <pc:sldMk cId="521519063" sldId="257"/>
+            <ac:spMk id="2" creationId="{82E0E680-6A79-0FD0-E5DF-FE5DFB08DE5F}"/>
+          </ac:spMkLst>
+        </pc:spChg>
         <pc:spChg chg="del">
           <ac:chgData name="Simon Schwab" userId="5e8e8be0-26a3-48b1-a8c0-2dbc395844a0" providerId="ADAL" clId="{2F941FE3-FF64-4F84-B49A-A887E52BA933}" dt="2024-12-08T12:01:12.078" v="496" actId="478"/>
           <ac:spMkLst>
@@ -544,15 +554,31 @@
           </ac:spMkLst>
         </pc:spChg>
         <pc:spChg chg="add mod">
-          <ac:chgData name="Simon Schwab" userId="5e8e8be0-26a3-48b1-a8c0-2dbc395844a0" providerId="ADAL" clId="{2F941FE3-FF64-4F84-B49A-A887E52BA933}" dt="2024-12-08T12:02:53.537" v="512" actId="14100"/>
+          <ac:chgData name="Simon Schwab" userId="5e8e8be0-26a3-48b1-a8c0-2dbc395844a0" providerId="ADAL" clId="{2F941FE3-FF64-4F84-B49A-A887E52BA933}" dt="2025-03-30T20:43:41.634" v="748" actId="208"/>
           <ac:spMkLst>
             <pc:docMk/>
             <pc:sldMk cId="521519063" sldId="257"/>
             <ac:spMk id="3" creationId="{4186B8D4-D174-A8E2-0280-3E73D1665613}"/>
           </ac:spMkLst>
         </pc:spChg>
+        <pc:spChg chg="add mod">
+          <ac:chgData name="Simon Schwab" userId="5e8e8be0-26a3-48b1-a8c0-2dbc395844a0" providerId="ADAL" clId="{2F941FE3-FF64-4F84-B49A-A887E52BA933}" dt="2025-03-30T21:21:33.579" v="824" actId="1038"/>
+          <ac:spMkLst>
+            <pc:docMk/>
+            <pc:sldMk cId="521519063" sldId="257"/>
+            <ac:spMk id="4" creationId="{755FCC62-73EC-66B9-C8F7-CFD9287E77E2}"/>
+          </ac:spMkLst>
+        </pc:spChg>
+        <pc:spChg chg="add mod">
+          <ac:chgData name="Simon Schwab" userId="5e8e8be0-26a3-48b1-a8c0-2dbc395844a0" providerId="ADAL" clId="{2F941FE3-FF64-4F84-B49A-A887E52BA933}" dt="2025-03-30T20:34:41.525" v="683"/>
+          <ac:spMkLst>
+            <pc:docMk/>
+            <pc:sldMk cId="521519063" sldId="257"/>
+            <ac:spMk id="5" creationId="{804BA7BB-C96D-FF2B-874E-32A36E363BA1}"/>
+          </ac:spMkLst>
+        </pc:spChg>
         <pc:spChg chg="mod">
-          <ac:chgData name="Simon Schwab" userId="5e8e8be0-26a3-48b1-a8c0-2dbc395844a0" providerId="ADAL" clId="{2F941FE3-FF64-4F84-B49A-A887E52BA933}" dt="2024-12-08T12:01:46.119" v="504" actId="1076"/>
+          <ac:chgData name="Simon Schwab" userId="5e8e8be0-26a3-48b1-a8c0-2dbc395844a0" providerId="ADAL" clId="{2F941FE3-FF64-4F84-B49A-A887E52BA933}" dt="2025-03-30T20:40:56.696" v="736" actId="1036"/>
           <ac:spMkLst>
             <pc:docMk/>
             <pc:sldMk cId="521519063" sldId="257"/>
@@ -560,7 +586,7 @@
           </ac:spMkLst>
         </pc:spChg>
         <pc:spChg chg="mod">
-          <ac:chgData name="Simon Schwab" userId="5e8e8be0-26a3-48b1-a8c0-2dbc395844a0" providerId="ADAL" clId="{2F941FE3-FF64-4F84-B49A-A887E52BA933}" dt="2024-12-08T12:01:19.082" v="498" actId="1076"/>
+          <ac:chgData name="Simon Schwab" userId="5e8e8be0-26a3-48b1-a8c0-2dbc395844a0" providerId="ADAL" clId="{2F941FE3-FF64-4F84-B49A-A887E52BA933}" dt="2025-03-30T20:44:39.310" v="750" actId="208"/>
           <ac:spMkLst>
             <pc:docMk/>
             <pc:sldMk cId="521519063" sldId="257"/>
@@ -568,7 +594,7 @@
           </ac:spMkLst>
         </pc:spChg>
         <pc:spChg chg="mod">
-          <ac:chgData name="Simon Schwab" userId="5e8e8be0-26a3-48b1-a8c0-2dbc395844a0" providerId="ADAL" clId="{2F941FE3-FF64-4F84-B49A-A887E52BA933}" dt="2024-12-08T12:01:19.082" v="498" actId="1076"/>
+          <ac:chgData name="Simon Schwab" userId="5e8e8be0-26a3-48b1-a8c0-2dbc395844a0" providerId="ADAL" clId="{2F941FE3-FF64-4F84-B49A-A887E52BA933}" dt="2025-03-30T20:43:21.920" v="747" actId="208"/>
           <ac:spMkLst>
             <pc:docMk/>
             <pc:sldMk cId="521519063" sldId="257"/>
@@ -581,6 +607,179 @@
             <pc:docMk/>
             <pc:sldMk cId="521519063" sldId="257"/>
             <ac:spMk id="30" creationId="{2F8D2825-2CD0-C68A-B368-05E64AC69980}"/>
+          </ac:spMkLst>
+        </pc:spChg>
+      </pc:sldChg>
+      <pc:sldChg chg="addSp delSp modSp new del mod">
+        <pc:chgData name="Simon Schwab" userId="5e8e8be0-26a3-48b1-a8c0-2dbc395844a0" providerId="ADAL" clId="{2F941FE3-FF64-4F84-B49A-A887E52BA933}" dt="2025-03-30T20:28:00.441" v="642" actId="2696"/>
+        <pc:sldMkLst>
+          <pc:docMk/>
+          <pc:sldMk cId="2957627048" sldId="258"/>
+        </pc:sldMkLst>
+        <pc:spChg chg="del">
+          <ac:chgData name="Simon Schwab" userId="5e8e8be0-26a3-48b1-a8c0-2dbc395844a0" providerId="ADAL" clId="{2F941FE3-FF64-4F84-B49A-A887E52BA933}" dt="2025-03-30T20:19:54.884" v="531" actId="478"/>
+          <ac:spMkLst>
+            <pc:docMk/>
+            <pc:sldMk cId="2957627048" sldId="258"/>
+            <ac:spMk id="2" creationId="{5878740B-BA5A-9FE5-7E9F-29DD15EB30B1}"/>
+          </ac:spMkLst>
+        </pc:spChg>
+        <pc:spChg chg="mod ord">
+          <ac:chgData name="Simon Schwab" userId="5e8e8be0-26a3-48b1-a8c0-2dbc395844a0" providerId="ADAL" clId="{2F941FE3-FF64-4F84-B49A-A887E52BA933}" dt="2025-03-30T20:27:49.418" v="641" actId="1076"/>
+          <ac:spMkLst>
+            <pc:docMk/>
+            <pc:sldMk cId="2957627048" sldId="258"/>
+            <ac:spMk id="3" creationId="{A35EF1CB-49B2-871A-EAAB-E9FDCABEF3A0}"/>
+          </ac:spMkLst>
+        </pc:spChg>
+        <pc:spChg chg="add mod">
+          <ac:chgData name="Simon Schwab" userId="5e8e8be0-26a3-48b1-a8c0-2dbc395844a0" providerId="ADAL" clId="{2F941FE3-FF64-4F84-B49A-A887E52BA933}" dt="2025-03-30T20:26:36.834" v="623" actId="1076"/>
+          <ac:spMkLst>
+            <pc:docMk/>
+            <pc:sldMk cId="2957627048" sldId="258"/>
+            <ac:spMk id="4" creationId="{4F64F87A-B7F1-F308-61D1-700B73C657F8}"/>
+          </ac:spMkLst>
+        </pc:spChg>
+        <pc:spChg chg="add mod">
+          <ac:chgData name="Simon Schwab" userId="5e8e8be0-26a3-48b1-a8c0-2dbc395844a0" providerId="ADAL" clId="{2F941FE3-FF64-4F84-B49A-A887E52BA933}" dt="2025-03-30T20:21:19.263" v="581" actId="688"/>
+          <ac:spMkLst>
+            <pc:docMk/>
+            <pc:sldMk cId="2957627048" sldId="258"/>
+            <ac:spMk id="5" creationId="{7E182A59-CA32-59CA-C613-D1E546BA20A2}"/>
+          </ac:spMkLst>
+        </pc:spChg>
+        <pc:spChg chg="add mod">
+          <ac:chgData name="Simon Schwab" userId="5e8e8be0-26a3-48b1-a8c0-2dbc395844a0" providerId="ADAL" clId="{2F941FE3-FF64-4F84-B49A-A887E52BA933}" dt="2025-03-30T20:27:43.013" v="640" actId="1076"/>
+          <ac:spMkLst>
+            <pc:docMk/>
+            <pc:sldMk cId="2957627048" sldId="258"/>
+            <ac:spMk id="6" creationId="{85998ABD-438B-7834-AD7C-3FC2854E2EEE}"/>
+          </ac:spMkLst>
+        </pc:spChg>
+        <pc:spChg chg="add mod">
+          <ac:chgData name="Simon Schwab" userId="5e8e8be0-26a3-48b1-a8c0-2dbc395844a0" providerId="ADAL" clId="{2F941FE3-FF64-4F84-B49A-A887E52BA933}" dt="2025-03-30T20:21:19.263" v="581" actId="688"/>
+          <ac:spMkLst>
+            <pc:docMk/>
+            <pc:sldMk cId="2957627048" sldId="258"/>
+            <ac:spMk id="7" creationId="{CC3B157C-3BEE-6C85-0B62-E8A91474D79C}"/>
+          </ac:spMkLst>
+        </pc:spChg>
+      </pc:sldChg>
+      <pc:sldChg chg="modSp add mod ord">
+        <pc:chgData name="Simon Schwab" userId="5e8e8be0-26a3-48b1-a8c0-2dbc395844a0" providerId="ADAL" clId="{2F941FE3-FF64-4F84-B49A-A887E52BA933}" dt="2025-03-30T21:21:24.863" v="814" actId="1038"/>
+        <pc:sldMkLst>
+          <pc:docMk/>
+          <pc:sldMk cId="3765928959" sldId="258"/>
+        </pc:sldMkLst>
+        <pc:spChg chg="mod">
+          <ac:chgData name="Simon Schwab" userId="5e8e8be0-26a3-48b1-a8c0-2dbc395844a0" providerId="ADAL" clId="{2F941FE3-FF64-4F84-B49A-A887E52BA933}" dt="2025-03-30T21:21:24.863" v="814" actId="1038"/>
+          <ac:spMkLst>
+            <pc:docMk/>
+            <pc:sldMk cId="3765928959" sldId="258"/>
+            <ac:spMk id="2" creationId="{82E0E680-6A79-0FD0-E5DF-FE5DFB08DE5F}"/>
+          </ac:spMkLst>
+        </pc:spChg>
+        <pc:spChg chg="mod">
+          <ac:chgData name="Simon Schwab" userId="5e8e8be0-26a3-48b1-a8c0-2dbc395844a0" providerId="ADAL" clId="{2F941FE3-FF64-4F84-B49A-A887E52BA933}" dt="2025-03-30T21:11:13.016" v="784" actId="207"/>
+          <ac:spMkLst>
+            <pc:docMk/>
+            <pc:sldMk cId="3765928959" sldId="258"/>
+            <ac:spMk id="3" creationId="{4186B8D4-D174-A8E2-0280-3E73D1665613}"/>
+          </ac:spMkLst>
+        </pc:spChg>
+        <pc:spChg chg="mod">
+          <ac:chgData name="Simon Schwab" userId="5e8e8be0-26a3-48b1-a8c0-2dbc395844a0" providerId="ADAL" clId="{2F941FE3-FF64-4F84-B49A-A887E52BA933}" dt="2025-03-30T21:21:24.863" v="814" actId="1038"/>
+          <ac:spMkLst>
+            <pc:docMk/>
+            <pc:sldMk cId="3765928959" sldId="258"/>
+            <ac:spMk id="4" creationId="{755FCC62-73EC-66B9-C8F7-CFD9287E77E2}"/>
+          </ac:spMkLst>
+        </pc:spChg>
+        <pc:spChg chg="mod">
+          <ac:chgData name="Simon Schwab" userId="5e8e8be0-26a3-48b1-a8c0-2dbc395844a0" providerId="ADAL" clId="{2F941FE3-FF64-4F84-B49A-A887E52BA933}" dt="2025-03-30T21:11:31.235" v="786" actId="207"/>
+          <ac:spMkLst>
+            <pc:docMk/>
+            <pc:sldMk cId="3765928959" sldId="258"/>
+            <ac:spMk id="14" creationId="{52D4A276-E749-462B-9479-C5A1FB3CCA67}"/>
+          </ac:spMkLst>
+        </pc:spChg>
+        <pc:spChg chg="mod">
+          <ac:chgData name="Simon Schwab" userId="5e8e8be0-26a3-48b1-a8c0-2dbc395844a0" providerId="ADAL" clId="{2F941FE3-FF64-4F84-B49A-A887E52BA933}" dt="2025-03-30T21:11:18.684" v="785" actId="207"/>
+          <ac:spMkLst>
+            <pc:docMk/>
+            <pc:sldMk cId="3765928959" sldId="258"/>
+            <ac:spMk id="17" creationId="{F819B1B4-F824-6F76-9AF6-B68D956EF92C}"/>
+          </ac:spMkLst>
+        </pc:spChg>
+        <pc:spChg chg="mod">
+          <ac:chgData name="Simon Schwab" userId="5e8e8be0-26a3-48b1-a8c0-2dbc395844a0" providerId="ADAL" clId="{2F941FE3-FF64-4F84-B49A-A887E52BA933}" dt="2025-03-30T21:11:08.684" v="783" actId="207"/>
+          <ac:spMkLst>
+            <pc:docMk/>
+            <pc:sldMk cId="3765928959" sldId="258"/>
+            <ac:spMk id="20" creationId="{EB8AE764-3745-1D92-5771-6E126410CC67}"/>
+          </ac:spMkLst>
+        </pc:spChg>
+      </pc:sldChg>
+      <pc:sldChg chg="addSp modSp add mod">
+        <pc:chgData name="Simon Schwab" userId="5e8e8be0-26a3-48b1-a8c0-2dbc395844a0" providerId="ADAL" clId="{2F941FE3-FF64-4F84-B49A-A887E52BA933}" dt="2025-03-30T21:22:03.639" v="834" actId="1038"/>
+        <pc:sldMkLst>
+          <pc:docMk/>
+          <pc:sldMk cId="269511757" sldId="259"/>
+        </pc:sldMkLst>
+        <pc:spChg chg="mod">
+          <ac:chgData name="Simon Schwab" userId="5e8e8be0-26a3-48b1-a8c0-2dbc395844a0" providerId="ADAL" clId="{2F941FE3-FF64-4F84-B49A-A887E52BA933}" dt="2025-03-30T21:22:03.639" v="834" actId="1038"/>
+          <ac:spMkLst>
+            <pc:docMk/>
+            <pc:sldMk cId="269511757" sldId="259"/>
+            <ac:spMk id="2" creationId="{82E0E680-6A79-0FD0-E5DF-FE5DFB08DE5F}"/>
+          </ac:spMkLst>
+        </pc:spChg>
+        <pc:spChg chg="mod">
+          <ac:chgData name="Simon Schwab" userId="5e8e8be0-26a3-48b1-a8c0-2dbc395844a0" providerId="ADAL" clId="{2F941FE3-FF64-4F84-B49A-A887E52BA933}" dt="2025-03-30T21:10:46.095" v="780" actId="207"/>
+          <ac:spMkLst>
+            <pc:docMk/>
+            <pc:sldMk cId="269511757" sldId="259"/>
+            <ac:spMk id="3" creationId="{4186B8D4-D174-A8E2-0280-3E73D1665613}"/>
+          </ac:spMkLst>
+        </pc:spChg>
+        <pc:spChg chg="mod">
+          <ac:chgData name="Simon Schwab" userId="5e8e8be0-26a3-48b1-a8c0-2dbc395844a0" providerId="ADAL" clId="{2F941FE3-FF64-4F84-B49A-A887E52BA933}" dt="2025-03-30T21:22:03.639" v="834" actId="1038"/>
+          <ac:spMkLst>
+            <pc:docMk/>
+            <pc:sldMk cId="269511757" sldId="259"/>
+            <ac:spMk id="4" creationId="{755FCC62-73EC-66B9-C8F7-CFD9287E77E2}"/>
+          </ac:spMkLst>
+        </pc:spChg>
+        <pc:spChg chg="add mod ord">
+          <ac:chgData name="Simon Schwab" userId="5e8e8be0-26a3-48b1-a8c0-2dbc395844a0" providerId="ADAL" clId="{2F941FE3-FF64-4F84-B49A-A887E52BA933}" dt="2025-03-30T21:12:07.975" v="788" actId="208"/>
+          <ac:spMkLst>
+            <pc:docMk/>
+            <pc:sldMk cId="269511757" sldId="259"/>
+            <ac:spMk id="5" creationId="{573E9844-EFD9-E0EA-D06D-A41AB7E4AC81}"/>
+          </ac:spMkLst>
+        </pc:spChg>
+        <pc:spChg chg="mod">
+          <ac:chgData name="Simon Schwab" userId="5e8e8be0-26a3-48b1-a8c0-2dbc395844a0" providerId="ADAL" clId="{2F941FE3-FF64-4F84-B49A-A887E52BA933}" dt="2025-03-30T21:10:32.143" v="776" actId="207"/>
+          <ac:spMkLst>
+            <pc:docMk/>
+            <pc:sldMk cId="269511757" sldId="259"/>
+            <ac:spMk id="14" creationId="{52D4A276-E749-462B-9479-C5A1FB3CCA67}"/>
+          </ac:spMkLst>
+        </pc:spChg>
+        <pc:spChg chg="mod">
+          <ac:chgData name="Simon Schwab" userId="5e8e8be0-26a3-48b1-a8c0-2dbc395844a0" providerId="ADAL" clId="{2F941FE3-FF64-4F84-B49A-A887E52BA933}" dt="2025-03-30T21:10:50.643" v="781" actId="207"/>
+          <ac:spMkLst>
+            <pc:docMk/>
+            <pc:sldMk cId="269511757" sldId="259"/>
+            <ac:spMk id="17" creationId="{F819B1B4-F824-6F76-9AF6-B68D956EF92C}"/>
+          </ac:spMkLst>
+        </pc:spChg>
+        <pc:spChg chg="mod">
+          <ac:chgData name="Simon Schwab" userId="5e8e8be0-26a3-48b1-a8c0-2dbc395844a0" providerId="ADAL" clId="{2F941FE3-FF64-4F84-B49A-A887E52BA933}" dt="2025-03-30T21:10:42.823" v="779" actId="207"/>
+          <ac:spMkLst>
+            <pc:docMk/>
+            <pc:sldMk cId="269511757" sldId="259"/>
+            <ac:spMk id="20" creationId="{EB8AE764-3745-1D92-5771-6E126410CC67}"/>
           </ac:spMkLst>
         </pc:spChg>
       </pc:sldChg>
@@ -1166,15 +1365,15 @@
         </p:nvSpPr>
         <p:spPr>
           <a:xfrm>
-            <a:off x="270074" y="176668"/>
-            <a:ext cx="1620441" cy="375826"/>
+            <a:off x="450056" y="170952"/>
+            <a:ext cx="2700338" cy="363667"/>
           </a:xfrm>
         </p:spPr>
         <p:txBody>
           <a:bodyPr anchor="b"/>
           <a:lstStyle>
             <a:lvl1pPr algn="ctr">
-              <a:defRPr sz="944"/>
+              <a:defRPr sz="914"/>
             </a:lvl1pPr>
           </a:lstStyle>
           <a:p>
@@ -1198,8 +1397,8 @@
         </p:nvSpPr>
         <p:spPr>
           <a:xfrm>
-            <a:off x="270074" y="566988"/>
-            <a:ext cx="1620441" cy="260629"/>
+            <a:off x="450056" y="548644"/>
+            <a:ext cx="2700338" cy="252197"/>
           </a:xfrm>
         </p:spPr>
         <p:txBody>
@@ -1207,39 +1406,39 @@
           <a:lstStyle>
             <a:lvl1pPr marL="0" indent="0" algn="ctr">
               <a:buNone/>
-              <a:defRPr sz="378"/>
+              <a:defRPr sz="366"/>
             </a:lvl1pPr>
-            <a:lvl2pPr marL="71963" indent="0" algn="ctr">
-              <a:buNone/>
-              <a:defRPr sz="315"/>
+            <a:lvl2pPr marL="69632" indent="0" algn="ctr">
+              <a:buNone/>
+              <a:defRPr sz="305"/>
             </a:lvl2pPr>
-            <a:lvl3pPr marL="143927" indent="0" algn="ctr">
-              <a:buNone/>
-              <a:defRPr sz="283"/>
+            <a:lvl3pPr marL="139263" indent="0" algn="ctr">
+              <a:buNone/>
+              <a:defRPr sz="274"/>
             </a:lvl3pPr>
-            <a:lvl4pPr marL="215890" indent="0" algn="ctr">
-              <a:buNone/>
-              <a:defRPr sz="252"/>
+            <a:lvl4pPr marL="208895" indent="0" algn="ctr">
+              <a:buNone/>
+              <a:defRPr sz="244"/>
             </a:lvl4pPr>
-            <a:lvl5pPr marL="287853" indent="0" algn="ctr">
-              <a:buNone/>
-              <a:defRPr sz="252"/>
+            <a:lvl5pPr marL="278526" indent="0" algn="ctr">
+              <a:buNone/>
+              <a:defRPr sz="244"/>
             </a:lvl5pPr>
-            <a:lvl6pPr marL="359816" indent="0" algn="ctr">
-              <a:buNone/>
-              <a:defRPr sz="252"/>
+            <a:lvl6pPr marL="348158" indent="0" algn="ctr">
+              <a:buNone/>
+              <a:defRPr sz="244"/>
             </a:lvl6pPr>
-            <a:lvl7pPr marL="431780" indent="0" algn="ctr">
-              <a:buNone/>
-              <a:defRPr sz="252"/>
+            <a:lvl7pPr marL="417789" indent="0" algn="ctr">
+              <a:buNone/>
+              <a:defRPr sz="244"/>
             </a:lvl7pPr>
-            <a:lvl8pPr marL="503743" indent="0" algn="ctr">
-              <a:buNone/>
-              <a:defRPr sz="252"/>
+            <a:lvl8pPr marL="487421" indent="0" algn="ctr">
+              <a:buNone/>
+              <a:defRPr sz="244"/>
             </a:lvl8pPr>
-            <a:lvl9pPr marL="575706" indent="0" algn="ctr">
-              <a:buNone/>
-              <a:defRPr sz="252"/>
+            <a:lvl9pPr marL="557052" indent="0" algn="ctr">
+              <a:buNone/>
+              <a:defRPr sz="244"/>
             </a:lvl9pPr>
           </a:lstStyle>
           <a:p>
@@ -1319,7 +1518,7 @@
     </p:spTree>
     <p:extLst>
       <p:ext uri="{BB962C8B-B14F-4D97-AF65-F5344CB8AC3E}">
-        <p14:creationId xmlns:p14="http://schemas.microsoft.com/office/powerpoint/2010/main" val="96032189"/>
+        <p14:creationId xmlns:p14="http://schemas.microsoft.com/office/powerpoint/2010/main" val="1159885663"/>
       </p:ext>
     </p:extLst>
   </p:cSld>
@@ -1489,7 +1688,7 @@
     </p:spTree>
     <p:extLst>
       <p:ext uri="{BB962C8B-B14F-4D97-AF65-F5344CB8AC3E}">
-        <p14:creationId xmlns:p14="http://schemas.microsoft.com/office/powerpoint/2010/main" val="1312564213"/>
+        <p14:creationId xmlns:p14="http://schemas.microsoft.com/office/powerpoint/2010/main" val="4265244577"/>
       </p:ext>
     </p:extLst>
   </p:cSld>
@@ -1528,8 +1727,8 @@
         </p:nvSpPr>
         <p:spPr>
           <a:xfrm>
-            <a:off x="1546171" y="57474"/>
-            <a:ext cx="465877" cy="914826"/>
+            <a:off x="2576572" y="55614"/>
+            <a:ext cx="776347" cy="885229"/>
           </a:xfrm>
         </p:spPr>
         <p:txBody>
@@ -1556,8 +1755,8 @@
         </p:nvSpPr>
         <p:spPr>
           <a:xfrm>
-            <a:off x="148540" y="57474"/>
-            <a:ext cx="1370623" cy="914826"/>
+            <a:off x="247531" y="55614"/>
+            <a:ext cx="2284035" cy="885229"/>
           </a:xfrm>
         </p:spPr>
         <p:txBody>
@@ -1669,7 +1868,7 @@
     </p:spTree>
     <p:extLst>
       <p:ext uri="{BB962C8B-B14F-4D97-AF65-F5344CB8AC3E}">
-        <p14:creationId xmlns:p14="http://schemas.microsoft.com/office/powerpoint/2010/main" val="2112682232"/>
+        <p14:creationId xmlns:p14="http://schemas.microsoft.com/office/powerpoint/2010/main" val="3114944787"/>
       </p:ext>
     </p:extLst>
   </p:cSld>
@@ -1839,7 +2038,7 @@
     </p:spTree>
     <p:extLst>
       <p:ext uri="{BB962C8B-B14F-4D97-AF65-F5344CB8AC3E}">
-        <p14:creationId xmlns:p14="http://schemas.microsoft.com/office/powerpoint/2010/main" val="3482424998"/>
+        <p14:creationId xmlns:p14="http://schemas.microsoft.com/office/powerpoint/2010/main" val="3372167867"/>
       </p:ext>
     </p:extLst>
   </p:cSld>
@@ -1878,15 +2077,15 @@
         </p:nvSpPr>
         <p:spPr>
           <a:xfrm>
-            <a:off x="147415" y="269125"/>
-            <a:ext cx="1863507" cy="449042"/>
+            <a:off x="245656" y="260419"/>
+            <a:ext cx="3105388" cy="434514"/>
           </a:xfrm>
         </p:spPr>
         <p:txBody>
           <a:bodyPr anchor="b"/>
           <a:lstStyle>
             <a:lvl1pPr>
-              <a:defRPr sz="944"/>
+              <a:defRPr sz="914"/>
             </a:lvl1pPr>
           </a:lstStyle>
           <a:p>
@@ -1910,8 +2109,8 @@
         </p:nvSpPr>
         <p:spPr>
           <a:xfrm>
-            <a:off x="147415" y="722415"/>
-            <a:ext cx="1863507" cy="236141"/>
+            <a:off x="245656" y="699043"/>
+            <a:ext cx="3105388" cy="228501"/>
           </a:xfrm>
         </p:spPr>
         <p:txBody>
@@ -1919,7 +2118,7 @@
           <a:lstStyle>
             <a:lvl1pPr marL="0" indent="0">
               <a:buNone/>
-              <a:defRPr sz="378">
+              <a:defRPr sz="366">
                 <a:solidFill>
                   <a:schemeClr val="tx1">
                     <a:tint val="75000"/>
@@ -1927,9 +2126,9 @@
                 </a:solidFill>
               </a:defRPr>
             </a:lvl1pPr>
-            <a:lvl2pPr marL="71963" indent="0">
-              <a:buNone/>
-              <a:defRPr sz="315">
+            <a:lvl2pPr marL="69632" indent="0">
+              <a:buNone/>
+              <a:defRPr sz="305">
                 <a:solidFill>
                   <a:schemeClr val="tx1">
                     <a:tint val="75000"/>
@@ -1937,9 +2136,9 @@
                 </a:solidFill>
               </a:defRPr>
             </a:lvl2pPr>
-            <a:lvl3pPr marL="143927" indent="0">
-              <a:buNone/>
-              <a:defRPr sz="283">
+            <a:lvl3pPr marL="139263" indent="0">
+              <a:buNone/>
+              <a:defRPr sz="274">
                 <a:solidFill>
                   <a:schemeClr val="tx1">
                     <a:tint val="75000"/>
@@ -1947,9 +2146,9 @@
                 </a:solidFill>
               </a:defRPr>
             </a:lvl3pPr>
-            <a:lvl4pPr marL="215890" indent="0">
-              <a:buNone/>
-              <a:defRPr sz="252">
+            <a:lvl4pPr marL="208895" indent="0">
+              <a:buNone/>
+              <a:defRPr sz="244">
                 <a:solidFill>
                   <a:schemeClr val="tx1">
                     <a:tint val="75000"/>
@@ -1957,9 +2156,9 @@
                 </a:solidFill>
               </a:defRPr>
             </a:lvl4pPr>
-            <a:lvl5pPr marL="287853" indent="0">
-              <a:buNone/>
-              <a:defRPr sz="252">
+            <a:lvl5pPr marL="278526" indent="0">
+              <a:buNone/>
+              <a:defRPr sz="244">
                 <a:solidFill>
                   <a:schemeClr val="tx1">
                     <a:tint val="75000"/>
@@ -1967,9 +2166,9 @@
                 </a:solidFill>
               </a:defRPr>
             </a:lvl5pPr>
-            <a:lvl6pPr marL="359816" indent="0">
-              <a:buNone/>
-              <a:defRPr sz="252">
+            <a:lvl6pPr marL="348158" indent="0">
+              <a:buNone/>
+              <a:defRPr sz="244">
                 <a:solidFill>
                   <a:schemeClr val="tx1">
                     <a:tint val="75000"/>
@@ -1977,9 +2176,9 @@
                 </a:solidFill>
               </a:defRPr>
             </a:lvl6pPr>
-            <a:lvl7pPr marL="431780" indent="0">
-              <a:buNone/>
-              <a:defRPr sz="252">
+            <a:lvl7pPr marL="417789" indent="0">
+              <a:buNone/>
+              <a:defRPr sz="244">
                 <a:solidFill>
                   <a:schemeClr val="tx1">
                     <a:tint val="75000"/>
@@ -1987,9 +2186,9 @@
                 </a:solidFill>
               </a:defRPr>
             </a:lvl7pPr>
-            <a:lvl8pPr marL="503743" indent="0">
-              <a:buNone/>
-              <a:defRPr sz="252">
+            <a:lvl8pPr marL="487421" indent="0">
+              <a:buNone/>
+              <a:defRPr sz="244">
                 <a:solidFill>
                   <a:schemeClr val="tx1">
                     <a:tint val="75000"/>
@@ -1997,9 +2196,9 @@
                 </a:solidFill>
               </a:defRPr>
             </a:lvl8pPr>
-            <a:lvl9pPr marL="575706" indent="0">
-              <a:buNone/>
-              <a:defRPr sz="252">
+            <a:lvl9pPr marL="557052" indent="0">
+              <a:buNone/>
+              <a:defRPr sz="244">
                 <a:solidFill>
                   <a:schemeClr val="tx1">
                     <a:tint val="75000"/>
@@ -2085,7 +2284,7 @@
     </p:spTree>
     <p:extLst>
       <p:ext uri="{BB962C8B-B14F-4D97-AF65-F5344CB8AC3E}">
-        <p14:creationId xmlns:p14="http://schemas.microsoft.com/office/powerpoint/2010/main" val="2709747248"/>
+        <p14:creationId xmlns:p14="http://schemas.microsoft.com/office/powerpoint/2010/main" val="3180293560"/>
       </p:ext>
     </p:extLst>
   </p:cSld>
@@ -2147,8 +2346,8 @@
         </p:nvSpPr>
         <p:spPr>
           <a:xfrm>
-            <a:off x="148540" y="287367"/>
-            <a:ext cx="918250" cy="684933"/>
+            <a:off x="247531" y="278070"/>
+            <a:ext cx="1530191" cy="662773"/>
           </a:xfrm>
         </p:spPr>
         <p:txBody>
@@ -2204,8 +2403,8 @@
         </p:nvSpPr>
         <p:spPr>
           <a:xfrm>
-            <a:off x="1093798" y="287367"/>
-            <a:ext cx="918250" cy="684933"/>
+            <a:off x="1822728" y="278070"/>
+            <a:ext cx="1530191" cy="662773"/>
           </a:xfrm>
         </p:spPr>
         <p:txBody>
@@ -2317,7 +2516,7 @@
     </p:spTree>
     <p:extLst>
       <p:ext uri="{BB962C8B-B14F-4D97-AF65-F5344CB8AC3E}">
-        <p14:creationId xmlns:p14="http://schemas.microsoft.com/office/powerpoint/2010/main" val="1127372363"/>
+        <p14:creationId xmlns:p14="http://schemas.microsoft.com/office/powerpoint/2010/main" val="961118970"/>
       </p:ext>
     </p:extLst>
   </p:cSld>
@@ -2356,8 +2555,8 @@
         </p:nvSpPr>
         <p:spPr>
           <a:xfrm>
-            <a:off x="148822" y="57474"/>
-            <a:ext cx="1863507" cy="208653"/>
+            <a:off x="248000" y="55614"/>
+            <a:ext cx="3105388" cy="201903"/>
           </a:xfrm>
         </p:spPr>
         <p:txBody>
@@ -2384,8 +2583,8 @@
         </p:nvSpPr>
         <p:spPr>
           <a:xfrm>
-            <a:off x="148822" y="264627"/>
-            <a:ext cx="914030" cy="129690"/>
+            <a:off x="248000" y="256066"/>
+            <a:ext cx="1523159" cy="125494"/>
           </a:xfrm>
         </p:spPr>
         <p:txBody>
@@ -2393,39 +2592,39 @@
           <a:lstStyle>
             <a:lvl1pPr marL="0" indent="0">
               <a:buNone/>
-              <a:defRPr sz="378" b="1"/>
+              <a:defRPr sz="366" b="1"/>
             </a:lvl1pPr>
-            <a:lvl2pPr marL="71963" indent="0">
-              <a:buNone/>
-              <a:defRPr sz="315" b="1"/>
+            <a:lvl2pPr marL="69632" indent="0">
+              <a:buNone/>
+              <a:defRPr sz="305" b="1"/>
             </a:lvl2pPr>
-            <a:lvl3pPr marL="143927" indent="0">
-              <a:buNone/>
-              <a:defRPr sz="283" b="1"/>
+            <a:lvl3pPr marL="139263" indent="0">
+              <a:buNone/>
+              <a:defRPr sz="274" b="1"/>
             </a:lvl3pPr>
-            <a:lvl4pPr marL="215890" indent="0">
-              <a:buNone/>
-              <a:defRPr sz="252" b="1"/>
+            <a:lvl4pPr marL="208895" indent="0">
+              <a:buNone/>
+              <a:defRPr sz="244" b="1"/>
             </a:lvl4pPr>
-            <a:lvl5pPr marL="287853" indent="0">
-              <a:buNone/>
-              <a:defRPr sz="252" b="1"/>
+            <a:lvl5pPr marL="278526" indent="0">
+              <a:buNone/>
+              <a:defRPr sz="244" b="1"/>
             </a:lvl5pPr>
-            <a:lvl6pPr marL="359816" indent="0">
-              <a:buNone/>
-              <a:defRPr sz="252" b="1"/>
+            <a:lvl6pPr marL="348158" indent="0">
+              <a:buNone/>
+              <a:defRPr sz="244" b="1"/>
             </a:lvl6pPr>
-            <a:lvl7pPr marL="431780" indent="0">
-              <a:buNone/>
-              <a:defRPr sz="252" b="1"/>
+            <a:lvl7pPr marL="417789" indent="0">
+              <a:buNone/>
+              <a:defRPr sz="244" b="1"/>
             </a:lvl7pPr>
-            <a:lvl8pPr marL="503743" indent="0">
-              <a:buNone/>
-              <a:defRPr sz="252" b="1"/>
+            <a:lvl8pPr marL="487421" indent="0">
+              <a:buNone/>
+              <a:defRPr sz="244" b="1"/>
             </a:lvl8pPr>
-            <a:lvl9pPr marL="575706" indent="0">
-              <a:buNone/>
-              <a:defRPr sz="252" b="1"/>
+            <a:lvl9pPr marL="557052" indent="0">
+              <a:buNone/>
+              <a:defRPr sz="244" b="1"/>
             </a:lvl9pPr>
           </a:lstStyle>
           <a:p>
@@ -2449,8 +2648,8 @@
         </p:nvSpPr>
         <p:spPr>
           <a:xfrm>
-            <a:off x="148822" y="394318"/>
-            <a:ext cx="914030" cy="579981"/>
+            <a:off x="248000" y="381560"/>
+            <a:ext cx="1523159" cy="561217"/>
           </a:xfrm>
         </p:spPr>
         <p:txBody>
@@ -2506,8 +2705,8 @@
         </p:nvSpPr>
         <p:spPr>
           <a:xfrm>
-            <a:off x="1093798" y="264627"/>
-            <a:ext cx="918531" cy="129690"/>
+            <a:off x="1822728" y="256066"/>
+            <a:ext cx="1530660" cy="125494"/>
           </a:xfrm>
         </p:spPr>
         <p:txBody>
@@ -2515,39 +2714,39 @@
           <a:lstStyle>
             <a:lvl1pPr marL="0" indent="0">
               <a:buNone/>
-              <a:defRPr sz="378" b="1"/>
+              <a:defRPr sz="366" b="1"/>
             </a:lvl1pPr>
-            <a:lvl2pPr marL="71963" indent="0">
-              <a:buNone/>
-              <a:defRPr sz="315" b="1"/>
+            <a:lvl2pPr marL="69632" indent="0">
+              <a:buNone/>
+              <a:defRPr sz="305" b="1"/>
             </a:lvl2pPr>
-            <a:lvl3pPr marL="143927" indent="0">
-              <a:buNone/>
-              <a:defRPr sz="283" b="1"/>
+            <a:lvl3pPr marL="139263" indent="0">
+              <a:buNone/>
+              <a:defRPr sz="274" b="1"/>
             </a:lvl3pPr>
-            <a:lvl4pPr marL="215890" indent="0">
-              <a:buNone/>
-              <a:defRPr sz="252" b="1"/>
+            <a:lvl4pPr marL="208895" indent="0">
+              <a:buNone/>
+              <a:defRPr sz="244" b="1"/>
             </a:lvl4pPr>
-            <a:lvl5pPr marL="287853" indent="0">
-              <a:buNone/>
-              <a:defRPr sz="252" b="1"/>
+            <a:lvl5pPr marL="278526" indent="0">
+              <a:buNone/>
+              <a:defRPr sz="244" b="1"/>
             </a:lvl5pPr>
-            <a:lvl6pPr marL="359816" indent="0">
-              <a:buNone/>
-              <a:defRPr sz="252" b="1"/>
+            <a:lvl6pPr marL="348158" indent="0">
+              <a:buNone/>
+              <a:defRPr sz="244" b="1"/>
             </a:lvl6pPr>
-            <a:lvl7pPr marL="431780" indent="0">
-              <a:buNone/>
-              <a:defRPr sz="252" b="1"/>
+            <a:lvl7pPr marL="417789" indent="0">
+              <a:buNone/>
+              <a:defRPr sz="244" b="1"/>
             </a:lvl7pPr>
-            <a:lvl8pPr marL="503743" indent="0">
-              <a:buNone/>
-              <a:defRPr sz="252" b="1"/>
+            <a:lvl8pPr marL="487421" indent="0">
+              <a:buNone/>
+              <a:defRPr sz="244" b="1"/>
             </a:lvl8pPr>
-            <a:lvl9pPr marL="575706" indent="0">
-              <a:buNone/>
-              <a:defRPr sz="252" b="1"/>
+            <a:lvl9pPr marL="557052" indent="0">
+              <a:buNone/>
+              <a:defRPr sz="244" b="1"/>
             </a:lvl9pPr>
           </a:lstStyle>
           <a:p>
@@ -2571,8 +2770,8 @@
         </p:nvSpPr>
         <p:spPr>
           <a:xfrm>
-            <a:off x="1093798" y="394318"/>
-            <a:ext cx="918531" cy="579981"/>
+            <a:off x="1822728" y="381560"/>
+            <a:ext cx="1530660" cy="561217"/>
           </a:xfrm>
         </p:spPr>
         <p:txBody>
@@ -2684,7 +2883,7 @@
     </p:spTree>
     <p:extLst>
       <p:ext uri="{BB962C8B-B14F-4D97-AF65-F5344CB8AC3E}">
-        <p14:creationId xmlns:p14="http://schemas.microsoft.com/office/powerpoint/2010/main" val="835722838"/>
+        <p14:creationId xmlns:p14="http://schemas.microsoft.com/office/powerpoint/2010/main" val="1678723758"/>
       </p:ext>
     </p:extLst>
   </p:cSld>
@@ -2802,7 +3001,7 @@
     </p:spTree>
     <p:extLst>
       <p:ext uri="{BB962C8B-B14F-4D97-AF65-F5344CB8AC3E}">
-        <p14:creationId xmlns:p14="http://schemas.microsoft.com/office/powerpoint/2010/main" val="184182935"/>
+        <p14:creationId xmlns:p14="http://schemas.microsoft.com/office/powerpoint/2010/main" val="526416650"/>
       </p:ext>
     </p:extLst>
   </p:cSld>
@@ -2897,7 +3096,7 @@
     </p:spTree>
     <p:extLst>
       <p:ext uri="{BB962C8B-B14F-4D97-AF65-F5344CB8AC3E}">
-        <p14:creationId xmlns:p14="http://schemas.microsoft.com/office/powerpoint/2010/main" val="2508503521"/>
+        <p14:creationId xmlns:p14="http://schemas.microsoft.com/office/powerpoint/2010/main" val="1007990193"/>
       </p:ext>
     </p:extLst>
   </p:cSld>
@@ -2936,15 +3135,15 @@
         </p:nvSpPr>
         <p:spPr>
           <a:xfrm>
-            <a:off x="148822" y="71967"/>
-            <a:ext cx="696846" cy="251883"/>
+            <a:off x="248000" y="69638"/>
+            <a:ext cx="1161239" cy="243734"/>
           </a:xfrm>
         </p:spPr>
         <p:txBody>
           <a:bodyPr anchor="b"/>
           <a:lstStyle>
             <a:lvl1pPr>
-              <a:defRPr sz="504"/>
+              <a:defRPr sz="487"/>
             </a:lvl1pPr>
           </a:lstStyle>
           <a:p>
@@ -2968,39 +3167,39 @@
         </p:nvSpPr>
         <p:spPr>
           <a:xfrm>
-            <a:off x="918531" y="155428"/>
-            <a:ext cx="1093798" cy="767145"/>
+            <a:off x="1530660" y="150400"/>
+            <a:ext cx="1822728" cy="742325"/>
           </a:xfrm>
         </p:spPr>
         <p:txBody>
           <a:bodyPr/>
           <a:lstStyle>
             <a:lvl1pPr>
-              <a:defRPr sz="504"/>
+              <a:defRPr sz="487"/>
             </a:lvl1pPr>
             <a:lvl2pPr>
-              <a:defRPr sz="441"/>
+              <a:defRPr sz="426"/>
             </a:lvl2pPr>
             <a:lvl3pPr>
-              <a:defRPr sz="378"/>
+              <a:defRPr sz="366"/>
             </a:lvl3pPr>
             <a:lvl4pPr>
-              <a:defRPr sz="315"/>
+              <a:defRPr sz="305"/>
             </a:lvl4pPr>
             <a:lvl5pPr>
-              <a:defRPr sz="315"/>
+              <a:defRPr sz="305"/>
             </a:lvl5pPr>
             <a:lvl6pPr>
-              <a:defRPr sz="315"/>
+              <a:defRPr sz="305"/>
             </a:lvl6pPr>
             <a:lvl7pPr>
-              <a:defRPr sz="315"/>
+              <a:defRPr sz="305"/>
             </a:lvl7pPr>
             <a:lvl8pPr>
-              <a:defRPr sz="315"/>
+              <a:defRPr sz="305"/>
             </a:lvl8pPr>
             <a:lvl9pPr>
-              <a:defRPr sz="315"/>
+              <a:defRPr sz="305"/>
             </a:lvl9pPr>
           </a:lstStyle>
           <a:p>
@@ -3053,8 +3252,8 @@
         </p:nvSpPr>
         <p:spPr>
           <a:xfrm>
-            <a:off x="148822" y="323850"/>
-            <a:ext cx="696846" cy="599972"/>
+            <a:off x="248000" y="313373"/>
+            <a:ext cx="1161239" cy="580561"/>
           </a:xfrm>
         </p:spPr>
         <p:txBody>
@@ -3062,39 +3261,39 @@
           <a:lstStyle>
             <a:lvl1pPr marL="0" indent="0">
               <a:buNone/>
-              <a:defRPr sz="252"/>
+              <a:defRPr sz="244"/>
             </a:lvl1pPr>
-            <a:lvl2pPr marL="71963" indent="0">
-              <a:buNone/>
-              <a:defRPr sz="220"/>
+            <a:lvl2pPr marL="69632" indent="0">
+              <a:buNone/>
+              <a:defRPr sz="213"/>
             </a:lvl2pPr>
-            <a:lvl3pPr marL="143927" indent="0">
-              <a:buNone/>
-              <a:defRPr sz="189"/>
+            <a:lvl3pPr marL="139263" indent="0">
+              <a:buNone/>
+              <a:defRPr sz="183"/>
             </a:lvl3pPr>
-            <a:lvl4pPr marL="215890" indent="0">
-              <a:buNone/>
-              <a:defRPr sz="157"/>
+            <a:lvl4pPr marL="208895" indent="0">
+              <a:buNone/>
+              <a:defRPr sz="152"/>
             </a:lvl4pPr>
-            <a:lvl5pPr marL="287853" indent="0">
-              <a:buNone/>
-              <a:defRPr sz="157"/>
+            <a:lvl5pPr marL="278526" indent="0">
+              <a:buNone/>
+              <a:defRPr sz="152"/>
             </a:lvl5pPr>
-            <a:lvl6pPr marL="359816" indent="0">
-              <a:buNone/>
-              <a:defRPr sz="157"/>
+            <a:lvl6pPr marL="348158" indent="0">
+              <a:buNone/>
+              <a:defRPr sz="152"/>
             </a:lvl6pPr>
-            <a:lvl7pPr marL="431780" indent="0">
-              <a:buNone/>
-              <a:defRPr sz="157"/>
+            <a:lvl7pPr marL="417789" indent="0">
+              <a:buNone/>
+              <a:defRPr sz="152"/>
             </a:lvl7pPr>
-            <a:lvl8pPr marL="503743" indent="0">
-              <a:buNone/>
-              <a:defRPr sz="157"/>
+            <a:lvl8pPr marL="487421" indent="0">
+              <a:buNone/>
+              <a:defRPr sz="152"/>
             </a:lvl8pPr>
-            <a:lvl9pPr marL="575706" indent="0">
-              <a:buNone/>
-              <a:defRPr sz="157"/>
+            <a:lvl9pPr marL="557052" indent="0">
+              <a:buNone/>
+              <a:defRPr sz="152"/>
             </a:lvl9pPr>
           </a:lstStyle>
           <a:p>
@@ -3174,7 +3373,7 @@
     </p:spTree>
     <p:extLst>
       <p:ext uri="{BB962C8B-B14F-4D97-AF65-F5344CB8AC3E}">
-        <p14:creationId xmlns:p14="http://schemas.microsoft.com/office/powerpoint/2010/main" val="113926527"/>
+        <p14:creationId xmlns:p14="http://schemas.microsoft.com/office/powerpoint/2010/main" val="4105523012"/>
       </p:ext>
     </p:extLst>
   </p:cSld>
@@ -3213,15 +3412,15 @@
         </p:nvSpPr>
         <p:spPr>
           <a:xfrm>
-            <a:off x="148822" y="71967"/>
-            <a:ext cx="696846" cy="251883"/>
+            <a:off x="248000" y="69638"/>
+            <a:ext cx="1161239" cy="243734"/>
           </a:xfrm>
         </p:spPr>
         <p:txBody>
           <a:bodyPr anchor="b"/>
           <a:lstStyle>
             <a:lvl1pPr>
-              <a:defRPr sz="504"/>
+              <a:defRPr sz="487"/>
             </a:lvl1pPr>
           </a:lstStyle>
           <a:p>
@@ -3245,8 +3444,8 @@
         </p:nvSpPr>
         <p:spPr>
           <a:xfrm>
-            <a:off x="918531" y="155428"/>
-            <a:ext cx="1093798" cy="767145"/>
+            <a:off x="1530660" y="150400"/>
+            <a:ext cx="1822728" cy="742325"/>
           </a:xfrm>
         </p:spPr>
         <p:txBody>
@@ -3254,39 +3453,39 @@
           <a:lstStyle>
             <a:lvl1pPr marL="0" indent="0">
               <a:buNone/>
-              <a:defRPr sz="504"/>
+              <a:defRPr sz="487"/>
             </a:lvl1pPr>
-            <a:lvl2pPr marL="71963" indent="0">
-              <a:buNone/>
-              <a:defRPr sz="441"/>
+            <a:lvl2pPr marL="69632" indent="0">
+              <a:buNone/>
+              <a:defRPr sz="426"/>
             </a:lvl2pPr>
-            <a:lvl3pPr marL="143927" indent="0">
-              <a:buNone/>
-              <a:defRPr sz="378"/>
+            <a:lvl3pPr marL="139263" indent="0">
+              <a:buNone/>
+              <a:defRPr sz="366"/>
             </a:lvl3pPr>
-            <a:lvl4pPr marL="215890" indent="0">
-              <a:buNone/>
-              <a:defRPr sz="315"/>
+            <a:lvl4pPr marL="208895" indent="0">
+              <a:buNone/>
+              <a:defRPr sz="305"/>
             </a:lvl4pPr>
-            <a:lvl5pPr marL="287853" indent="0">
-              <a:buNone/>
-              <a:defRPr sz="315"/>
+            <a:lvl5pPr marL="278526" indent="0">
+              <a:buNone/>
+              <a:defRPr sz="305"/>
             </a:lvl5pPr>
-            <a:lvl6pPr marL="359816" indent="0">
-              <a:buNone/>
-              <a:defRPr sz="315"/>
+            <a:lvl6pPr marL="348158" indent="0">
+              <a:buNone/>
+              <a:defRPr sz="305"/>
             </a:lvl6pPr>
-            <a:lvl7pPr marL="431780" indent="0">
-              <a:buNone/>
-              <a:defRPr sz="315"/>
+            <a:lvl7pPr marL="417789" indent="0">
+              <a:buNone/>
+              <a:defRPr sz="305"/>
             </a:lvl7pPr>
-            <a:lvl8pPr marL="503743" indent="0">
-              <a:buNone/>
-              <a:defRPr sz="315"/>
+            <a:lvl8pPr marL="487421" indent="0">
+              <a:buNone/>
+              <a:defRPr sz="305"/>
             </a:lvl8pPr>
-            <a:lvl9pPr marL="575706" indent="0">
-              <a:buNone/>
-              <a:defRPr sz="315"/>
+            <a:lvl9pPr marL="557052" indent="0">
+              <a:buNone/>
+              <a:defRPr sz="305"/>
             </a:lvl9pPr>
           </a:lstStyle>
           <a:p>
@@ -3310,8 +3509,8 @@
         </p:nvSpPr>
         <p:spPr>
           <a:xfrm>
-            <a:off x="148822" y="323850"/>
-            <a:ext cx="696846" cy="599972"/>
+            <a:off x="248000" y="313373"/>
+            <a:ext cx="1161239" cy="580561"/>
           </a:xfrm>
         </p:spPr>
         <p:txBody>
@@ -3319,39 +3518,39 @@
           <a:lstStyle>
             <a:lvl1pPr marL="0" indent="0">
               <a:buNone/>
-              <a:defRPr sz="252"/>
+              <a:defRPr sz="244"/>
             </a:lvl1pPr>
-            <a:lvl2pPr marL="71963" indent="0">
-              <a:buNone/>
-              <a:defRPr sz="220"/>
+            <a:lvl2pPr marL="69632" indent="0">
+              <a:buNone/>
+              <a:defRPr sz="213"/>
             </a:lvl2pPr>
-            <a:lvl3pPr marL="143927" indent="0">
-              <a:buNone/>
-              <a:defRPr sz="189"/>
+            <a:lvl3pPr marL="139263" indent="0">
+              <a:buNone/>
+              <a:defRPr sz="183"/>
             </a:lvl3pPr>
-            <a:lvl4pPr marL="215890" indent="0">
-              <a:buNone/>
-              <a:defRPr sz="157"/>
+            <a:lvl4pPr marL="208895" indent="0">
+              <a:buNone/>
+              <a:defRPr sz="152"/>
             </a:lvl4pPr>
-            <a:lvl5pPr marL="287853" indent="0">
-              <a:buNone/>
-              <a:defRPr sz="157"/>
+            <a:lvl5pPr marL="278526" indent="0">
+              <a:buNone/>
+              <a:defRPr sz="152"/>
             </a:lvl5pPr>
-            <a:lvl6pPr marL="359816" indent="0">
-              <a:buNone/>
-              <a:defRPr sz="157"/>
+            <a:lvl6pPr marL="348158" indent="0">
+              <a:buNone/>
+              <a:defRPr sz="152"/>
             </a:lvl6pPr>
-            <a:lvl7pPr marL="431780" indent="0">
-              <a:buNone/>
-              <a:defRPr sz="157"/>
+            <a:lvl7pPr marL="417789" indent="0">
+              <a:buNone/>
+              <a:defRPr sz="152"/>
             </a:lvl7pPr>
-            <a:lvl8pPr marL="503743" indent="0">
-              <a:buNone/>
-              <a:defRPr sz="157"/>
+            <a:lvl8pPr marL="487421" indent="0">
+              <a:buNone/>
+              <a:defRPr sz="152"/>
             </a:lvl8pPr>
-            <a:lvl9pPr marL="575706" indent="0">
-              <a:buNone/>
-              <a:defRPr sz="157"/>
+            <a:lvl9pPr marL="557052" indent="0">
+              <a:buNone/>
+              <a:defRPr sz="152"/>
             </a:lvl9pPr>
           </a:lstStyle>
           <a:p>
@@ -3431,7 +3630,7 @@
     </p:spTree>
     <p:extLst>
       <p:ext uri="{BB962C8B-B14F-4D97-AF65-F5344CB8AC3E}">
-        <p14:creationId xmlns:p14="http://schemas.microsoft.com/office/powerpoint/2010/main" val="2706088436"/>
+        <p14:creationId xmlns:p14="http://schemas.microsoft.com/office/powerpoint/2010/main" val="2739062503"/>
       </p:ext>
     </p:extLst>
   </p:cSld>
@@ -3475,8 +3674,8 @@
         </p:nvSpPr>
         <p:spPr>
           <a:xfrm>
-            <a:off x="148541" y="57474"/>
-            <a:ext cx="1863507" cy="208653"/>
+            <a:off x="247531" y="55614"/>
+            <a:ext cx="3105388" cy="201903"/>
           </a:xfrm>
           <a:prstGeom prst="rect">
             <a:avLst/>
@@ -3508,8 +3707,8 @@
         </p:nvSpPr>
         <p:spPr>
           <a:xfrm>
-            <a:off x="148541" y="287367"/>
-            <a:ext cx="1863507" cy="684933"/>
+            <a:off x="247531" y="278070"/>
+            <a:ext cx="3105388" cy="662773"/>
           </a:xfrm>
           <a:prstGeom prst="rect">
             <a:avLst/>
@@ -3570,8 +3769,8 @@
         </p:nvSpPr>
         <p:spPr>
           <a:xfrm>
-            <a:off x="148541" y="1000537"/>
-            <a:ext cx="486132" cy="57473"/>
+            <a:off x="247531" y="968166"/>
+            <a:ext cx="810101" cy="55614"/>
           </a:xfrm>
           <a:prstGeom prst="rect">
             <a:avLst/>
@@ -3581,7 +3780,7 @@
           <a:bodyPr vert="horz" lIns="91440" tIns="45720" rIns="91440" bIns="45720" rtlCol="0" anchor="ctr"/>
           <a:lstStyle>
             <a:lvl1pPr algn="l">
-              <a:defRPr sz="189">
+              <a:defRPr sz="183">
                 <a:solidFill>
                   <a:schemeClr val="tx1">
                     <a:tint val="75000"/>
@@ -3611,8 +3810,8 @@
         </p:nvSpPr>
         <p:spPr>
           <a:xfrm>
-            <a:off x="715695" y="1000537"/>
-            <a:ext cx="729198" cy="57473"/>
+            <a:off x="1192649" y="968166"/>
+            <a:ext cx="1215152" cy="55614"/>
           </a:xfrm>
           <a:prstGeom prst="rect">
             <a:avLst/>
@@ -3622,7 +3821,7 @@
           <a:bodyPr vert="horz" lIns="91440" tIns="45720" rIns="91440" bIns="45720" rtlCol="0" anchor="ctr"/>
           <a:lstStyle>
             <a:lvl1pPr algn="ctr">
-              <a:defRPr sz="189">
+              <a:defRPr sz="183">
                 <a:solidFill>
                   <a:schemeClr val="tx1">
                     <a:tint val="75000"/>
@@ -3648,8 +3847,8 @@
         </p:nvSpPr>
         <p:spPr>
           <a:xfrm>
-            <a:off x="1525915" y="1000537"/>
-            <a:ext cx="486132" cy="57473"/>
+            <a:off x="2542818" y="968166"/>
+            <a:ext cx="810101" cy="55614"/>
           </a:xfrm>
           <a:prstGeom prst="rect">
             <a:avLst/>
@@ -3659,7 +3858,7 @@
           <a:bodyPr vert="horz" lIns="91440" tIns="45720" rIns="91440" bIns="45720" rtlCol="0" anchor="ctr"/>
           <a:lstStyle>
             <a:lvl1pPr algn="r">
-              <a:defRPr sz="189">
+              <a:defRPr sz="183">
                 <a:solidFill>
                   <a:schemeClr val="tx1">
                     <a:tint val="75000"/>
@@ -3680,27 +3879,27 @@
     </p:spTree>
     <p:extLst>
       <p:ext uri="{BB962C8B-B14F-4D97-AF65-F5344CB8AC3E}">
-        <p14:creationId xmlns:p14="http://schemas.microsoft.com/office/powerpoint/2010/main" val="24431012"/>
+        <p14:creationId xmlns:p14="http://schemas.microsoft.com/office/powerpoint/2010/main" val="3030564223"/>
       </p:ext>
     </p:extLst>
   </p:cSld>
   <p:clrMap bg1="lt1" tx1="dk1" bg2="lt2" tx2="dk2" accent1="accent1" accent2="accent2" accent3="accent3" accent4="accent4" accent5="accent5" accent6="accent6" hlink="hlink" folHlink="folHlink"/>
   <p:sldLayoutIdLst>
-    <p:sldLayoutId id="2147483685" r:id="rId1"/>
-    <p:sldLayoutId id="2147483686" r:id="rId2"/>
-    <p:sldLayoutId id="2147483687" r:id="rId3"/>
-    <p:sldLayoutId id="2147483688" r:id="rId4"/>
-    <p:sldLayoutId id="2147483689" r:id="rId5"/>
-    <p:sldLayoutId id="2147483690" r:id="rId6"/>
-    <p:sldLayoutId id="2147483691" r:id="rId7"/>
-    <p:sldLayoutId id="2147483692" r:id="rId8"/>
-    <p:sldLayoutId id="2147483693" r:id="rId9"/>
-    <p:sldLayoutId id="2147483694" r:id="rId10"/>
-    <p:sldLayoutId id="2147483695" r:id="rId11"/>
+    <p:sldLayoutId id="2147483697" r:id="rId1"/>
+    <p:sldLayoutId id="2147483698" r:id="rId2"/>
+    <p:sldLayoutId id="2147483699" r:id="rId3"/>
+    <p:sldLayoutId id="2147483700" r:id="rId4"/>
+    <p:sldLayoutId id="2147483701" r:id="rId5"/>
+    <p:sldLayoutId id="2147483702" r:id="rId6"/>
+    <p:sldLayoutId id="2147483703" r:id="rId7"/>
+    <p:sldLayoutId id="2147483704" r:id="rId8"/>
+    <p:sldLayoutId id="2147483705" r:id="rId9"/>
+    <p:sldLayoutId id="2147483706" r:id="rId10"/>
+    <p:sldLayoutId id="2147483707" r:id="rId11"/>
   </p:sldLayoutIdLst>
   <p:txStyles>
     <p:titleStyle>
-      <a:lvl1pPr algn="l" defTabSz="143927" rtl="0" eaLnBrk="1" latinLnBrk="0" hangingPunct="1">
+      <a:lvl1pPr algn="l" defTabSz="139263" rtl="0" eaLnBrk="1" latinLnBrk="0" hangingPunct="1">
         <a:lnSpc>
           <a:spcPct val="90000"/>
         </a:lnSpc>
@@ -3708,7 +3907,7 @@
           <a:spcPct val="0"/>
         </a:spcBef>
         <a:buNone/>
-        <a:defRPr sz="693" kern="1200">
+        <a:defRPr sz="670" kern="1200">
           <a:solidFill>
             <a:schemeClr val="tx1"/>
           </a:solidFill>
@@ -3719,16 +3918,16 @@
       </a:lvl1pPr>
     </p:titleStyle>
     <p:bodyStyle>
-      <a:lvl1pPr marL="35982" indent="-35982" algn="l" defTabSz="143927" rtl="0" eaLnBrk="1" latinLnBrk="0" hangingPunct="1">
+      <a:lvl1pPr marL="34816" indent="-34816" algn="l" defTabSz="139263" rtl="0" eaLnBrk="1" latinLnBrk="0" hangingPunct="1">
         <a:lnSpc>
           <a:spcPct val="90000"/>
         </a:lnSpc>
         <a:spcBef>
-          <a:spcPts val="157"/>
+          <a:spcPts val="152"/>
         </a:spcBef>
         <a:buFont typeface="Arial" panose="020B0604020202020204" pitchFamily="34" charset="0"/>
         <a:buChar char="•"/>
-        <a:defRPr sz="441" kern="1200">
+        <a:defRPr sz="426" kern="1200">
           <a:solidFill>
             <a:schemeClr val="tx1"/>
           </a:solidFill>
@@ -3737,16 +3936,16 @@
           <a:cs typeface="+mn-cs"/>
         </a:defRPr>
       </a:lvl1pPr>
-      <a:lvl2pPr marL="107945" indent="-35982" algn="l" defTabSz="143927" rtl="0" eaLnBrk="1" latinLnBrk="0" hangingPunct="1">
+      <a:lvl2pPr marL="104447" indent="-34816" algn="l" defTabSz="139263" rtl="0" eaLnBrk="1" latinLnBrk="0" hangingPunct="1">
         <a:lnSpc>
           <a:spcPct val="90000"/>
         </a:lnSpc>
         <a:spcBef>
-          <a:spcPts val="79"/>
+          <a:spcPts val="76"/>
         </a:spcBef>
         <a:buFont typeface="Arial" panose="020B0604020202020204" pitchFamily="34" charset="0"/>
         <a:buChar char="•"/>
-        <a:defRPr sz="378" kern="1200">
+        <a:defRPr sz="366" kern="1200">
           <a:solidFill>
             <a:schemeClr val="tx1"/>
           </a:solidFill>
@@ -3755,16 +3954,16 @@
           <a:cs typeface="+mn-cs"/>
         </a:defRPr>
       </a:lvl2pPr>
-      <a:lvl3pPr marL="179908" indent="-35982" algn="l" defTabSz="143927" rtl="0" eaLnBrk="1" latinLnBrk="0" hangingPunct="1">
+      <a:lvl3pPr marL="174079" indent="-34816" algn="l" defTabSz="139263" rtl="0" eaLnBrk="1" latinLnBrk="0" hangingPunct="1">
         <a:lnSpc>
           <a:spcPct val="90000"/>
         </a:lnSpc>
         <a:spcBef>
-          <a:spcPts val="79"/>
+          <a:spcPts val="76"/>
         </a:spcBef>
         <a:buFont typeface="Arial" panose="020B0604020202020204" pitchFamily="34" charset="0"/>
         <a:buChar char="•"/>
-        <a:defRPr sz="315" kern="1200">
+        <a:defRPr sz="305" kern="1200">
           <a:solidFill>
             <a:schemeClr val="tx1"/>
           </a:solidFill>
@@ -3773,16 +3972,16 @@
           <a:cs typeface="+mn-cs"/>
         </a:defRPr>
       </a:lvl3pPr>
-      <a:lvl4pPr marL="251871" indent="-35982" algn="l" defTabSz="143927" rtl="0" eaLnBrk="1" latinLnBrk="0" hangingPunct="1">
+      <a:lvl4pPr marL="243710" indent="-34816" algn="l" defTabSz="139263" rtl="0" eaLnBrk="1" latinLnBrk="0" hangingPunct="1">
         <a:lnSpc>
           <a:spcPct val="90000"/>
         </a:lnSpc>
         <a:spcBef>
-          <a:spcPts val="79"/>
+          <a:spcPts val="76"/>
         </a:spcBef>
         <a:buFont typeface="Arial" panose="020B0604020202020204" pitchFamily="34" charset="0"/>
         <a:buChar char="•"/>
-        <a:defRPr sz="283" kern="1200">
+        <a:defRPr sz="274" kern="1200">
           <a:solidFill>
             <a:schemeClr val="tx1"/>
           </a:solidFill>
@@ -3791,16 +3990,16 @@
           <a:cs typeface="+mn-cs"/>
         </a:defRPr>
       </a:lvl4pPr>
-      <a:lvl5pPr marL="323835" indent="-35982" algn="l" defTabSz="143927" rtl="0" eaLnBrk="1" latinLnBrk="0" hangingPunct="1">
+      <a:lvl5pPr marL="313342" indent="-34816" algn="l" defTabSz="139263" rtl="0" eaLnBrk="1" latinLnBrk="0" hangingPunct="1">
         <a:lnSpc>
           <a:spcPct val="90000"/>
         </a:lnSpc>
         <a:spcBef>
-          <a:spcPts val="79"/>
+          <a:spcPts val="76"/>
         </a:spcBef>
         <a:buFont typeface="Arial" panose="020B0604020202020204" pitchFamily="34" charset="0"/>
         <a:buChar char="•"/>
-        <a:defRPr sz="283" kern="1200">
+        <a:defRPr sz="274" kern="1200">
           <a:solidFill>
             <a:schemeClr val="tx1"/>
           </a:solidFill>
@@ -3809,16 +4008,16 @@
           <a:cs typeface="+mn-cs"/>
         </a:defRPr>
       </a:lvl5pPr>
-      <a:lvl6pPr marL="395798" indent="-35982" algn="l" defTabSz="143927" rtl="0" eaLnBrk="1" latinLnBrk="0" hangingPunct="1">
+      <a:lvl6pPr marL="382974" indent="-34816" algn="l" defTabSz="139263" rtl="0" eaLnBrk="1" latinLnBrk="0" hangingPunct="1">
         <a:lnSpc>
           <a:spcPct val="90000"/>
         </a:lnSpc>
         <a:spcBef>
-          <a:spcPts val="79"/>
+          <a:spcPts val="76"/>
         </a:spcBef>
         <a:buFont typeface="Arial" panose="020B0604020202020204" pitchFamily="34" charset="0"/>
         <a:buChar char="•"/>
-        <a:defRPr sz="283" kern="1200">
+        <a:defRPr sz="274" kern="1200">
           <a:solidFill>
             <a:schemeClr val="tx1"/>
           </a:solidFill>
@@ -3827,16 +4026,16 @@
           <a:cs typeface="+mn-cs"/>
         </a:defRPr>
       </a:lvl6pPr>
-      <a:lvl7pPr marL="467761" indent="-35982" algn="l" defTabSz="143927" rtl="0" eaLnBrk="1" latinLnBrk="0" hangingPunct="1">
+      <a:lvl7pPr marL="452605" indent="-34816" algn="l" defTabSz="139263" rtl="0" eaLnBrk="1" latinLnBrk="0" hangingPunct="1">
         <a:lnSpc>
           <a:spcPct val="90000"/>
         </a:lnSpc>
         <a:spcBef>
-          <a:spcPts val="79"/>
+          <a:spcPts val="76"/>
         </a:spcBef>
         <a:buFont typeface="Arial" panose="020B0604020202020204" pitchFamily="34" charset="0"/>
         <a:buChar char="•"/>
-        <a:defRPr sz="283" kern="1200">
+        <a:defRPr sz="274" kern="1200">
           <a:solidFill>
             <a:schemeClr val="tx1"/>
           </a:solidFill>
@@ -3845,16 +4044,16 @@
           <a:cs typeface="+mn-cs"/>
         </a:defRPr>
       </a:lvl7pPr>
-      <a:lvl8pPr marL="539725" indent="-35982" algn="l" defTabSz="143927" rtl="0" eaLnBrk="1" latinLnBrk="0" hangingPunct="1">
+      <a:lvl8pPr marL="522237" indent="-34816" algn="l" defTabSz="139263" rtl="0" eaLnBrk="1" latinLnBrk="0" hangingPunct="1">
         <a:lnSpc>
           <a:spcPct val="90000"/>
         </a:lnSpc>
         <a:spcBef>
-          <a:spcPts val="79"/>
+          <a:spcPts val="76"/>
         </a:spcBef>
         <a:buFont typeface="Arial" panose="020B0604020202020204" pitchFamily="34" charset="0"/>
         <a:buChar char="•"/>
-        <a:defRPr sz="283" kern="1200">
+        <a:defRPr sz="274" kern="1200">
           <a:solidFill>
             <a:schemeClr val="tx1"/>
           </a:solidFill>
@@ -3863,16 +4062,16 @@
           <a:cs typeface="+mn-cs"/>
         </a:defRPr>
       </a:lvl8pPr>
-      <a:lvl9pPr marL="611688" indent="-35982" algn="l" defTabSz="143927" rtl="0" eaLnBrk="1" latinLnBrk="0" hangingPunct="1">
+      <a:lvl9pPr marL="591868" indent="-34816" algn="l" defTabSz="139263" rtl="0" eaLnBrk="1" latinLnBrk="0" hangingPunct="1">
         <a:lnSpc>
           <a:spcPct val="90000"/>
         </a:lnSpc>
         <a:spcBef>
-          <a:spcPts val="79"/>
+          <a:spcPts val="76"/>
         </a:spcBef>
         <a:buFont typeface="Arial" panose="020B0604020202020204" pitchFamily="34" charset="0"/>
         <a:buChar char="•"/>
-        <a:defRPr sz="283" kern="1200">
+        <a:defRPr sz="274" kern="1200">
           <a:solidFill>
             <a:schemeClr val="tx1"/>
           </a:solidFill>
@@ -3886,8 +4085,8 @@
       <a:defPPr>
         <a:defRPr lang="en-US"/>
       </a:defPPr>
-      <a:lvl1pPr marL="0" algn="l" defTabSz="143927" rtl="0" eaLnBrk="1" latinLnBrk="0" hangingPunct="1">
-        <a:defRPr sz="283" kern="1200">
+      <a:lvl1pPr marL="0" algn="l" defTabSz="139263" rtl="0" eaLnBrk="1" latinLnBrk="0" hangingPunct="1">
+        <a:defRPr sz="274" kern="1200">
           <a:solidFill>
             <a:schemeClr val="tx1"/>
           </a:solidFill>
@@ -3896,8 +4095,8 @@
           <a:cs typeface="+mn-cs"/>
         </a:defRPr>
       </a:lvl1pPr>
-      <a:lvl2pPr marL="71963" algn="l" defTabSz="143927" rtl="0" eaLnBrk="1" latinLnBrk="0" hangingPunct="1">
-        <a:defRPr sz="283" kern="1200">
+      <a:lvl2pPr marL="69632" algn="l" defTabSz="139263" rtl="0" eaLnBrk="1" latinLnBrk="0" hangingPunct="1">
+        <a:defRPr sz="274" kern="1200">
           <a:solidFill>
             <a:schemeClr val="tx1"/>
           </a:solidFill>
@@ -3906,8 +4105,8 @@
           <a:cs typeface="+mn-cs"/>
         </a:defRPr>
       </a:lvl2pPr>
-      <a:lvl3pPr marL="143927" algn="l" defTabSz="143927" rtl="0" eaLnBrk="1" latinLnBrk="0" hangingPunct="1">
-        <a:defRPr sz="283" kern="1200">
+      <a:lvl3pPr marL="139263" algn="l" defTabSz="139263" rtl="0" eaLnBrk="1" latinLnBrk="0" hangingPunct="1">
+        <a:defRPr sz="274" kern="1200">
           <a:solidFill>
             <a:schemeClr val="tx1"/>
           </a:solidFill>
@@ -3916,8 +4115,8 @@
           <a:cs typeface="+mn-cs"/>
         </a:defRPr>
       </a:lvl3pPr>
-      <a:lvl4pPr marL="215890" algn="l" defTabSz="143927" rtl="0" eaLnBrk="1" latinLnBrk="0" hangingPunct="1">
-        <a:defRPr sz="283" kern="1200">
+      <a:lvl4pPr marL="208895" algn="l" defTabSz="139263" rtl="0" eaLnBrk="1" latinLnBrk="0" hangingPunct="1">
+        <a:defRPr sz="274" kern="1200">
           <a:solidFill>
             <a:schemeClr val="tx1"/>
           </a:solidFill>
@@ -3926,8 +4125,8 @@
           <a:cs typeface="+mn-cs"/>
         </a:defRPr>
       </a:lvl4pPr>
-      <a:lvl5pPr marL="287853" algn="l" defTabSz="143927" rtl="0" eaLnBrk="1" latinLnBrk="0" hangingPunct="1">
-        <a:defRPr sz="283" kern="1200">
+      <a:lvl5pPr marL="278526" algn="l" defTabSz="139263" rtl="0" eaLnBrk="1" latinLnBrk="0" hangingPunct="1">
+        <a:defRPr sz="274" kern="1200">
           <a:solidFill>
             <a:schemeClr val="tx1"/>
           </a:solidFill>
@@ -3936,8 +4135,8 @@
           <a:cs typeface="+mn-cs"/>
         </a:defRPr>
       </a:lvl5pPr>
-      <a:lvl6pPr marL="359816" algn="l" defTabSz="143927" rtl="0" eaLnBrk="1" latinLnBrk="0" hangingPunct="1">
-        <a:defRPr sz="283" kern="1200">
+      <a:lvl6pPr marL="348158" algn="l" defTabSz="139263" rtl="0" eaLnBrk="1" latinLnBrk="0" hangingPunct="1">
+        <a:defRPr sz="274" kern="1200">
           <a:solidFill>
             <a:schemeClr val="tx1"/>
           </a:solidFill>
@@ -3946,8 +4145,8 @@
           <a:cs typeface="+mn-cs"/>
         </a:defRPr>
       </a:lvl6pPr>
-      <a:lvl7pPr marL="431780" algn="l" defTabSz="143927" rtl="0" eaLnBrk="1" latinLnBrk="0" hangingPunct="1">
-        <a:defRPr sz="283" kern="1200">
+      <a:lvl7pPr marL="417789" algn="l" defTabSz="139263" rtl="0" eaLnBrk="1" latinLnBrk="0" hangingPunct="1">
+        <a:defRPr sz="274" kern="1200">
           <a:solidFill>
             <a:schemeClr val="tx1"/>
           </a:solidFill>
@@ -3956,8 +4155,8 @@
           <a:cs typeface="+mn-cs"/>
         </a:defRPr>
       </a:lvl7pPr>
-      <a:lvl8pPr marL="503743" algn="l" defTabSz="143927" rtl="0" eaLnBrk="1" latinLnBrk="0" hangingPunct="1">
-        <a:defRPr sz="283" kern="1200">
+      <a:lvl8pPr marL="487421" algn="l" defTabSz="139263" rtl="0" eaLnBrk="1" latinLnBrk="0" hangingPunct="1">
+        <a:defRPr sz="274" kern="1200">
           <a:solidFill>
             <a:schemeClr val="tx1"/>
           </a:solidFill>
@@ -3966,8 +4165,8 @@
           <a:cs typeface="+mn-cs"/>
         </a:defRPr>
       </a:lvl8pPr>
-      <a:lvl9pPr marL="575706" algn="l" defTabSz="143927" rtl="0" eaLnBrk="1" latinLnBrk="0" hangingPunct="1">
-        <a:defRPr sz="283" kern="1200">
+      <a:lvl9pPr marL="557052" algn="l" defTabSz="139263" rtl="0" eaLnBrk="1" latinLnBrk="0" hangingPunct="1">
+        <a:defRPr sz="274" kern="1200">
           <a:solidFill>
             <a:schemeClr val="tx1"/>
           </a:solidFill>
@@ -4012,8 +4211,8 @@
         </p:nvSpPr>
         <p:spPr>
           <a:xfrm>
-            <a:off x="1290196" y="187842"/>
-            <a:ext cx="718943" cy="718943"/>
+            <a:off x="2003337" y="181765"/>
+            <a:ext cx="695683" cy="695683"/>
           </a:xfrm>
           <a:prstGeom prst="arc">
             <a:avLst>
@@ -4052,7 +4251,7 @@
           <a:lstStyle/>
           <a:p>
             <a:pPr algn="ctr"/>
-            <a:endParaRPr lang="de-CH" sz="2157" spc="-300"/>
+            <a:endParaRPr lang="de-CH" sz="2087" spc="-290"/>
           </a:p>
         </p:txBody>
       </p:sp>
@@ -4070,8 +4269,8 @@
         </p:nvSpPr>
         <p:spPr>
           <a:xfrm>
-            <a:off x="1290194" y="187840"/>
-            <a:ext cx="718943" cy="718943"/>
+            <a:off x="2003335" y="181763"/>
+            <a:ext cx="695683" cy="695683"/>
           </a:xfrm>
           <a:prstGeom prst="arc">
             <a:avLst>
@@ -4110,7 +4309,7 @@
           <a:lstStyle/>
           <a:p>
             <a:pPr algn="ctr"/>
-            <a:endParaRPr lang="de-CH" sz="2157" spc="-300"/>
+            <a:endParaRPr lang="de-CH" sz="2087" spc="-290"/>
           </a:p>
         </p:txBody>
       </p:sp>
@@ -4128,8 +4327,8 @@
         </p:nvSpPr>
         <p:spPr>
           <a:xfrm>
-            <a:off x="1290194" y="187840"/>
-            <a:ext cx="718943" cy="718943"/>
+            <a:off x="2003335" y="181763"/>
+            <a:ext cx="695683" cy="695683"/>
           </a:xfrm>
           <a:prstGeom prst="arc">
             <a:avLst>
@@ -4168,7 +4367,7 @@
           <a:lstStyle/>
           <a:p>
             <a:pPr algn="ctr"/>
-            <a:endParaRPr lang="de-CH" sz="2157" u="sng" spc="-300" dirty="0"/>
+            <a:endParaRPr lang="de-CH" sz="2087" u="sng" spc="-290" dirty="0"/>
           </a:p>
         </p:txBody>
       </p:sp>
@@ -4186,8 +4385,8 @@
         </p:nvSpPr>
         <p:spPr>
           <a:xfrm>
-            <a:off x="507501" y="549282"/>
-            <a:ext cx="779903" cy="522452"/>
+            <a:off x="1245964" y="531511"/>
+            <a:ext cx="754671" cy="505549"/>
           </a:xfrm>
           <a:prstGeom prst="rect">
             <a:avLst/>
@@ -4201,7 +4400,7 @@
           <a:lstStyle/>
           <a:p>
             <a:r>
-              <a:rPr lang="en-US" sz="2796" spc="-300" dirty="0">
+              <a:rPr lang="en-US" sz="2705" spc="-290" dirty="0">
                 <a:solidFill>
                   <a:schemeClr val="tx1">
                     <a:lumMod val="65000"/>
@@ -4230,8 +4429,8 @@
         </p:nvSpPr>
         <p:spPr>
           <a:xfrm>
-            <a:off x="82027" y="218715"/>
-            <a:ext cx="1830116" cy="584775"/>
+            <a:off x="834255" y="211639"/>
+            <a:ext cx="1770906" cy="565856"/>
           </a:xfrm>
           <a:prstGeom prst="rect">
             <a:avLst/>
@@ -4245,7 +4444,7 @@
           <a:lstStyle/>
           <a:p>
             <a:r>
-              <a:rPr lang="en-US" sz="3200" spc="-300" dirty="0">
+              <a:rPr lang="en-US" sz="3096" spc="-290" dirty="0">
                 <a:solidFill>
                   <a:schemeClr val="tx1">
                     <a:lumMod val="65000"/>
@@ -4304,8 +4503,8 @@
         </p:nvSpPr>
         <p:spPr>
           <a:xfrm>
-            <a:off x="756796" y="175936"/>
-            <a:ext cx="718943" cy="718943"/>
+            <a:off x="261277" y="170432"/>
+            <a:ext cx="695683" cy="695683"/>
           </a:xfrm>
           <a:prstGeom prst="arc">
             <a:avLst>
@@ -4313,15 +4512,10 @@
               <a:gd name="adj2" fmla="val 6731470"/>
             </a:avLst>
           </a:prstGeom>
-          <a:solidFill>
-            <a:schemeClr val="bg1"/>
-          </a:solidFill>
+          <a:noFill/>
           <a:ln w="190500">
             <a:solidFill>
-              <a:schemeClr val="tx1">
-                <a:lumMod val="65000"/>
-                <a:lumOff val="35000"/>
-              </a:schemeClr>
+              <a:srgbClr val="241C26"/>
             </a:solidFill>
           </a:ln>
         </p:spPr>
@@ -4344,7 +4538,7 @@
           <a:lstStyle/>
           <a:p>
             <a:pPr algn="ctr"/>
-            <a:endParaRPr lang="de-CH" sz="2157" spc="-300"/>
+            <a:endParaRPr lang="de-CH" sz="2087" spc="-290" dirty="0"/>
           </a:p>
         </p:txBody>
       </p:sp>
@@ -4362,8 +4556,8 @@
         </p:nvSpPr>
         <p:spPr>
           <a:xfrm>
-            <a:off x="756794" y="175934"/>
-            <a:ext cx="718943" cy="718943"/>
+            <a:off x="261275" y="170430"/>
+            <a:ext cx="695683" cy="695683"/>
           </a:xfrm>
           <a:prstGeom prst="arc">
             <a:avLst>
@@ -4371,15 +4565,10 @@
               <a:gd name="adj2" fmla="val 9247295"/>
             </a:avLst>
           </a:prstGeom>
-          <a:solidFill>
-            <a:schemeClr val="bg1"/>
-          </a:solidFill>
+          <a:noFill/>
           <a:ln w="190500">
             <a:solidFill>
-              <a:schemeClr val="tx1">
-                <a:lumMod val="65000"/>
-                <a:lumOff val="35000"/>
-              </a:schemeClr>
+              <a:srgbClr val="241C26"/>
             </a:solidFill>
           </a:ln>
         </p:spPr>
@@ -4402,7 +4591,7 @@
           <a:lstStyle/>
           <a:p>
             <a:pPr algn="ctr"/>
-            <a:endParaRPr lang="de-CH" sz="2157" spc="-300"/>
+            <a:endParaRPr lang="de-CH" sz="2087" spc="-290"/>
           </a:p>
         </p:txBody>
       </p:sp>
@@ -4420,8 +4609,8 @@
         </p:nvSpPr>
         <p:spPr>
           <a:xfrm>
-            <a:off x="756794" y="175934"/>
-            <a:ext cx="718943" cy="718943"/>
+            <a:off x="261275" y="170430"/>
+            <a:ext cx="695683" cy="695683"/>
           </a:xfrm>
           <a:prstGeom prst="arc">
             <a:avLst>
@@ -4429,15 +4618,10 @@
               <a:gd name="adj2" fmla="val 15848502"/>
             </a:avLst>
           </a:prstGeom>
-          <a:solidFill>
-            <a:schemeClr val="bg1"/>
-          </a:solidFill>
+          <a:noFill/>
           <a:ln w="190500">
             <a:solidFill>
-              <a:schemeClr val="tx1">
-                <a:lumMod val="65000"/>
-                <a:lumOff val="35000"/>
-              </a:schemeClr>
+              <a:srgbClr val="241C26"/>
             </a:solidFill>
           </a:ln>
         </p:spPr>
@@ -4460,7 +4644,7 @@
           <a:lstStyle/>
           <a:p>
             <a:pPr algn="ctr"/>
-            <a:endParaRPr lang="de-CH" sz="2157" u="sng" spc="-300" dirty="0"/>
+            <a:endParaRPr lang="de-CH" sz="2087" u="sng" spc="-290" dirty="0"/>
           </a:p>
         </p:txBody>
       </p:sp>
@@ -4478,8 +4662,8 @@
         </p:nvSpPr>
         <p:spPr>
           <a:xfrm>
-            <a:off x="756000" y="176400"/>
-            <a:ext cx="718943" cy="718943"/>
+            <a:off x="260507" y="170881"/>
+            <a:ext cx="695683" cy="695683"/>
           </a:xfrm>
           <a:prstGeom prst="arc">
             <a:avLst>
@@ -4487,15 +4671,10 @@
               <a:gd name="adj2" fmla="val 11977920"/>
             </a:avLst>
           </a:prstGeom>
-          <a:solidFill>
-            <a:schemeClr val="bg1"/>
-          </a:solidFill>
+          <a:noFill/>
           <a:ln w="190500">
             <a:solidFill>
-              <a:schemeClr val="tx1">
-                <a:lumMod val="65000"/>
-                <a:lumOff val="35000"/>
-              </a:schemeClr>
+              <a:srgbClr val="241C26"/>
             </a:solidFill>
           </a:ln>
         </p:spPr>
@@ -4518,7 +4697,805 @@
           <a:lstStyle/>
           <a:p>
             <a:pPr algn="ctr"/>
-            <a:endParaRPr lang="de-CH" sz="2157" spc="-300"/>
+            <a:endParaRPr lang="de-CH" sz="2087" spc="-290"/>
+          </a:p>
+        </p:txBody>
+      </p:sp>
+      <p:sp>
+        <p:nvSpPr>
+          <p:cNvPr id="2" name="TextBox 1">
+            <a:extLst>
+              <a:ext uri="{FF2B5EF4-FFF2-40B4-BE49-F238E27FC236}">
+                <a16:creationId xmlns:a16="http://schemas.microsoft.com/office/drawing/2014/main" id="{82E0E680-6A79-0FD0-E5DF-FE5DFB08DE5F}"/>
+              </a:ext>
+            </a:extLst>
+          </p:cNvPr>
+          <p:cNvSpPr txBox="1"/>
+          <p:nvPr/>
+        </p:nvSpPr>
+        <p:spPr>
+          <a:xfrm>
+            <a:off x="1101691" y="-56963"/>
+            <a:ext cx="2531802" cy="646331"/>
+          </a:xfrm>
+          <a:prstGeom prst="rect">
+            <a:avLst/>
+          </a:prstGeom>
+          <a:noFill/>
+        </p:spPr>
+        <p:txBody>
+          <a:bodyPr wrap="square" rtlCol="0">
+            <a:spAutoFit/>
+          </a:bodyPr>
+          <a:lstStyle/>
+          <a:p>
+            <a:r>
+              <a:rPr lang="de-CH" sz="3600" dirty="0">
+                <a:solidFill>
+                  <a:srgbClr val="241C26"/>
+                </a:solidFill>
+                <a:latin typeface="Bahnschrift SemiBold Condensed" panose="020B0502040204020203" pitchFamily="34" charset="0"/>
+                <a:ea typeface="ADLaM Display" panose="020F0502020204030204" pitchFamily="2" charset="0"/>
+                <a:cs typeface="ADLaM Display" panose="020F0502020204030204" pitchFamily="2" charset="0"/>
+              </a:rPr>
+              <a:t>statistics,</a:t>
+            </a:r>
+          </a:p>
+        </p:txBody>
+      </p:sp>
+      <p:sp>
+        <p:nvSpPr>
+          <p:cNvPr id="4" name="TextBox 3">
+            <a:extLst>
+              <a:ext uri="{FF2B5EF4-FFF2-40B4-BE49-F238E27FC236}">
+                <a16:creationId xmlns:a16="http://schemas.microsoft.com/office/drawing/2014/main" id="{755FCC62-73EC-66B9-C8F7-CFD9287E77E2}"/>
+              </a:ext>
+            </a:extLst>
+          </p:cNvPr>
+          <p:cNvSpPr txBox="1"/>
+          <p:nvPr/>
+        </p:nvSpPr>
+        <p:spPr>
+          <a:xfrm>
+            <a:off x="1105373" y="314596"/>
+            <a:ext cx="1459005" cy="646331"/>
+          </a:xfrm>
+          <a:prstGeom prst="rect">
+            <a:avLst/>
+          </a:prstGeom>
+          <a:noFill/>
+        </p:spPr>
+        <p:txBody>
+          <a:bodyPr wrap="square" rtlCol="0">
+            <a:spAutoFit/>
+          </a:bodyPr>
+          <a:lstStyle/>
+          <a:p>
+            <a:r>
+              <a:rPr lang="de-CH" sz="3600" dirty="0">
+                <a:solidFill>
+                  <a:srgbClr val="241C26"/>
+                </a:solidFill>
+                <a:latin typeface="Bahnschrift SemiBold Condensed" panose="020B0502040204020203" pitchFamily="34" charset="0"/>
+                <a:ea typeface="ADLaM Display" panose="020F0502020204030204" pitchFamily="2" charset="0"/>
+                <a:cs typeface="ADLaM Display" panose="020F0502020204030204" pitchFamily="2" charset="0"/>
+              </a:rPr>
+              <a:t>yup!</a:t>
+            </a:r>
+          </a:p>
+        </p:txBody>
+      </p:sp>
+    </p:spTree>
+    <p:extLst>
+      <p:ext uri="{BB962C8B-B14F-4D97-AF65-F5344CB8AC3E}">
+        <p14:creationId xmlns:p14="http://schemas.microsoft.com/office/powerpoint/2010/main" val="3765928959"/>
+      </p:ext>
+    </p:extLst>
+  </p:cSld>
+  <p:clrMapOvr>
+    <a:masterClrMapping/>
+  </p:clrMapOvr>
+</p:sld>
+</file>
+
+<file path=ppt/slides/slide3.xml><?xml version="1.0" encoding="utf-8"?>
+<p:sld xmlns:a="http://schemas.openxmlformats.org/drawingml/2006/main" xmlns:r="http://schemas.openxmlformats.org/officeDocument/2006/relationships" xmlns:p="http://schemas.openxmlformats.org/presentationml/2006/main">
+  <p:cSld>
+    <p:spTree>
+      <p:nvGrpSpPr>
+        <p:cNvPr id="1" name=""/>
+        <p:cNvGrpSpPr/>
+        <p:nvPr/>
+      </p:nvGrpSpPr>
+      <p:grpSpPr>
+        <a:xfrm>
+          <a:off x="0" y="0"/>
+          <a:ext cx="0" cy="0"/>
+          <a:chOff x="0" y="0"/>
+          <a:chExt cx="0" cy="0"/>
+        </a:xfrm>
+      </p:grpSpPr>
+      <p:sp>
+        <p:nvSpPr>
+          <p:cNvPr id="5" name="Rectangle 4">
+            <a:extLst>
+              <a:ext uri="{FF2B5EF4-FFF2-40B4-BE49-F238E27FC236}">
+                <a16:creationId xmlns:a16="http://schemas.microsoft.com/office/drawing/2014/main" id="{573E9844-EFD9-E0EA-D06D-A41AB7E4AC81}"/>
+              </a:ext>
+            </a:extLst>
+          </p:cNvPr>
+          <p:cNvSpPr/>
+          <p:nvPr/>
+        </p:nvSpPr>
+        <p:spPr>
+          <a:xfrm>
+            <a:off x="19050" y="19050"/>
+            <a:ext cx="3524250" cy="995363"/>
+          </a:xfrm>
+          <a:prstGeom prst="rect">
+            <a:avLst/>
+          </a:prstGeom>
+          <a:solidFill>
+            <a:schemeClr val="tx1"/>
+          </a:solidFill>
+          <a:ln>
+            <a:solidFill>
+              <a:schemeClr val="tx1"/>
+            </a:solidFill>
+          </a:ln>
+        </p:spPr>
+        <p:style>
+          <a:lnRef idx="2">
+            <a:schemeClr val="accent1">
+              <a:shade val="15000"/>
+            </a:schemeClr>
+          </a:lnRef>
+          <a:fillRef idx="1">
+            <a:schemeClr val="accent1"/>
+          </a:fillRef>
+          <a:effectRef idx="0">
+            <a:schemeClr val="accent1"/>
+          </a:effectRef>
+          <a:fontRef idx="minor">
+            <a:schemeClr val="lt1"/>
+          </a:fontRef>
+        </p:style>
+        <p:txBody>
+          <a:bodyPr rtlCol="0" anchor="ctr"/>
+          <a:lstStyle/>
+          <a:p>
+            <a:pPr algn="ctr"/>
+            <a:endParaRPr lang="de-CH"/>
+          </a:p>
+        </p:txBody>
+      </p:sp>
+      <p:sp>
+        <p:nvSpPr>
+          <p:cNvPr id="14" name="Arc 13">
+            <a:extLst>
+              <a:ext uri="{FF2B5EF4-FFF2-40B4-BE49-F238E27FC236}">
+                <a16:creationId xmlns:a16="http://schemas.microsoft.com/office/drawing/2014/main" id="{52D4A276-E749-462B-9479-C5A1FB3CCA67}"/>
+              </a:ext>
+            </a:extLst>
+          </p:cNvPr>
+          <p:cNvSpPr/>
+          <p:nvPr/>
+        </p:nvSpPr>
+        <p:spPr>
+          <a:xfrm>
+            <a:off x="261277" y="170432"/>
+            <a:ext cx="695683" cy="695683"/>
+          </a:xfrm>
+          <a:prstGeom prst="arc">
+            <a:avLst>
+              <a:gd name="adj1" fmla="val 16200000"/>
+              <a:gd name="adj2" fmla="val 6731470"/>
+            </a:avLst>
+          </a:prstGeom>
+          <a:noFill/>
+          <a:ln w="190500">
+            <a:solidFill>
+              <a:srgbClr val="F2F1E9"/>
+            </a:solidFill>
+          </a:ln>
+        </p:spPr>
+        <p:style>
+          <a:lnRef idx="3">
+            <a:schemeClr val="dk1"/>
+          </a:lnRef>
+          <a:fillRef idx="0">
+            <a:schemeClr val="dk1"/>
+          </a:fillRef>
+          <a:effectRef idx="2">
+            <a:schemeClr val="dk1"/>
+          </a:effectRef>
+          <a:fontRef idx="minor">
+            <a:schemeClr val="tx1"/>
+          </a:fontRef>
+        </p:style>
+        <p:txBody>
+          <a:bodyPr rtlCol="0" anchor="ctr"/>
+          <a:lstStyle/>
+          <a:p>
+            <a:pPr algn="ctr"/>
+            <a:endParaRPr lang="de-CH" sz="2087" spc="-290" dirty="0"/>
+          </a:p>
+        </p:txBody>
+      </p:sp>
+      <p:sp>
+        <p:nvSpPr>
+          <p:cNvPr id="17" name="Arc 16">
+            <a:extLst>
+              <a:ext uri="{FF2B5EF4-FFF2-40B4-BE49-F238E27FC236}">
+                <a16:creationId xmlns:a16="http://schemas.microsoft.com/office/drawing/2014/main" id="{F819B1B4-F824-6F76-9AF6-B68D956EF92C}"/>
+              </a:ext>
+            </a:extLst>
+          </p:cNvPr>
+          <p:cNvSpPr/>
+          <p:nvPr/>
+        </p:nvSpPr>
+        <p:spPr>
+          <a:xfrm>
+            <a:off x="261275" y="170430"/>
+            <a:ext cx="695683" cy="695683"/>
+          </a:xfrm>
+          <a:prstGeom prst="arc">
+            <a:avLst>
+              <a:gd name="adj1" fmla="val 7086778"/>
+              <a:gd name="adj2" fmla="val 9247295"/>
+            </a:avLst>
+          </a:prstGeom>
+          <a:noFill/>
+          <a:ln w="190500">
+            <a:solidFill>
+              <a:srgbClr val="F2F1E9"/>
+            </a:solidFill>
+          </a:ln>
+        </p:spPr>
+        <p:style>
+          <a:lnRef idx="3">
+            <a:schemeClr val="dk1"/>
+          </a:lnRef>
+          <a:fillRef idx="0">
+            <a:schemeClr val="dk1"/>
+          </a:fillRef>
+          <a:effectRef idx="2">
+            <a:schemeClr val="dk1"/>
+          </a:effectRef>
+          <a:fontRef idx="minor">
+            <a:schemeClr val="tx1"/>
+          </a:fontRef>
+        </p:style>
+        <p:txBody>
+          <a:bodyPr rtlCol="0" anchor="ctr"/>
+          <a:lstStyle/>
+          <a:p>
+            <a:pPr algn="ctr"/>
+            <a:endParaRPr lang="de-CH" sz="2087" spc="-290"/>
+          </a:p>
+        </p:txBody>
+      </p:sp>
+      <p:sp>
+        <p:nvSpPr>
+          <p:cNvPr id="20" name="Arc 19">
+            <a:extLst>
+              <a:ext uri="{FF2B5EF4-FFF2-40B4-BE49-F238E27FC236}">
+                <a16:creationId xmlns:a16="http://schemas.microsoft.com/office/drawing/2014/main" id="{EB8AE764-3745-1D92-5771-6E126410CC67}"/>
+              </a:ext>
+            </a:extLst>
+          </p:cNvPr>
+          <p:cNvSpPr/>
+          <p:nvPr/>
+        </p:nvSpPr>
+        <p:spPr>
+          <a:xfrm>
+            <a:off x="261275" y="170430"/>
+            <a:ext cx="695683" cy="695683"/>
+          </a:xfrm>
+          <a:prstGeom prst="arc">
+            <a:avLst>
+              <a:gd name="adj1" fmla="val 12344486"/>
+              <a:gd name="adj2" fmla="val 15848502"/>
+            </a:avLst>
+          </a:prstGeom>
+          <a:noFill/>
+          <a:ln w="190500">
+            <a:solidFill>
+              <a:srgbClr val="F2F1E9"/>
+            </a:solidFill>
+          </a:ln>
+        </p:spPr>
+        <p:style>
+          <a:lnRef idx="3">
+            <a:schemeClr val="dk1"/>
+          </a:lnRef>
+          <a:fillRef idx="0">
+            <a:schemeClr val="dk1"/>
+          </a:fillRef>
+          <a:effectRef idx="2">
+            <a:schemeClr val="dk1"/>
+          </a:effectRef>
+          <a:fontRef idx="minor">
+            <a:schemeClr val="tx1"/>
+          </a:fontRef>
+        </p:style>
+        <p:txBody>
+          <a:bodyPr rtlCol="0" anchor="ctr"/>
+          <a:lstStyle/>
+          <a:p>
+            <a:pPr algn="ctr"/>
+            <a:endParaRPr lang="de-CH" sz="2087" u="sng" spc="-290" dirty="0"/>
+          </a:p>
+        </p:txBody>
+      </p:sp>
+      <p:sp>
+        <p:nvSpPr>
+          <p:cNvPr id="3" name="Arc 2">
+            <a:extLst>
+              <a:ext uri="{FF2B5EF4-FFF2-40B4-BE49-F238E27FC236}">
+                <a16:creationId xmlns:a16="http://schemas.microsoft.com/office/drawing/2014/main" id="{4186B8D4-D174-A8E2-0280-3E73D1665613}"/>
+              </a:ext>
+            </a:extLst>
+          </p:cNvPr>
+          <p:cNvSpPr/>
+          <p:nvPr/>
+        </p:nvSpPr>
+        <p:spPr>
+          <a:xfrm>
+            <a:off x="260507" y="170881"/>
+            <a:ext cx="695683" cy="695683"/>
+          </a:xfrm>
+          <a:prstGeom prst="arc">
+            <a:avLst>
+              <a:gd name="adj1" fmla="val 9609412"/>
+              <a:gd name="adj2" fmla="val 11977920"/>
+            </a:avLst>
+          </a:prstGeom>
+          <a:noFill/>
+          <a:ln w="190500">
+            <a:solidFill>
+              <a:srgbClr val="F2F1E9"/>
+            </a:solidFill>
+          </a:ln>
+        </p:spPr>
+        <p:style>
+          <a:lnRef idx="3">
+            <a:schemeClr val="dk1"/>
+          </a:lnRef>
+          <a:fillRef idx="0">
+            <a:schemeClr val="dk1"/>
+          </a:fillRef>
+          <a:effectRef idx="2">
+            <a:schemeClr val="dk1"/>
+          </a:effectRef>
+          <a:fontRef idx="minor">
+            <a:schemeClr val="tx1"/>
+          </a:fontRef>
+        </p:style>
+        <p:txBody>
+          <a:bodyPr rtlCol="0" anchor="ctr"/>
+          <a:lstStyle/>
+          <a:p>
+            <a:pPr algn="ctr"/>
+            <a:endParaRPr lang="de-CH" sz="2087" spc="-290"/>
+          </a:p>
+        </p:txBody>
+      </p:sp>
+      <p:sp>
+        <p:nvSpPr>
+          <p:cNvPr id="2" name="TextBox 1">
+            <a:extLst>
+              <a:ext uri="{FF2B5EF4-FFF2-40B4-BE49-F238E27FC236}">
+                <a16:creationId xmlns:a16="http://schemas.microsoft.com/office/drawing/2014/main" id="{82E0E680-6A79-0FD0-E5DF-FE5DFB08DE5F}"/>
+              </a:ext>
+            </a:extLst>
+          </p:cNvPr>
+          <p:cNvSpPr txBox="1"/>
+          <p:nvPr/>
+        </p:nvSpPr>
+        <p:spPr>
+          <a:xfrm>
+            <a:off x="1101691" y="-56963"/>
+            <a:ext cx="2531802" cy="646331"/>
+          </a:xfrm>
+          <a:prstGeom prst="rect">
+            <a:avLst/>
+          </a:prstGeom>
+          <a:noFill/>
+        </p:spPr>
+        <p:txBody>
+          <a:bodyPr wrap="square" rtlCol="0">
+            <a:spAutoFit/>
+          </a:bodyPr>
+          <a:lstStyle/>
+          <a:p>
+            <a:r>
+              <a:rPr lang="de-CH" sz="3600" dirty="0">
+                <a:solidFill>
+                  <a:srgbClr val="F2F1E9"/>
+                </a:solidFill>
+                <a:latin typeface="Bahnschrift SemiBold Condensed" panose="020B0502040204020203" pitchFamily="34" charset="0"/>
+                <a:ea typeface="ADLaM Display" panose="020F0502020204030204" pitchFamily="2" charset="0"/>
+                <a:cs typeface="ADLaM Display" panose="020F0502020204030204" pitchFamily="2" charset="0"/>
+              </a:rPr>
+              <a:t>statistics,</a:t>
+            </a:r>
+          </a:p>
+        </p:txBody>
+      </p:sp>
+      <p:sp>
+        <p:nvSpPr>
+          <p:cNvPr id="4" name="TextBox 3">
+            <a:extLst>
+              <a:ext uri="{FF2B5EF4-FFF2-40B4-BE49-F238E27FC236}">
+                <a16:creationId xmlns:a16="http://schemas.microsoft.com/office/drawing/2014/main" id="{755FCC62-73EC-66B9-C8F7-CFD9287E77E2}"/>
+              </a:ext>
+            </a:extLst>
+          </p:cNvPr>
+          <p:cNvSpPr txBox="1"/>
+          <p:nvPr/>
+        </p:nvSpPr>
+        <p:spPr>
+          <a:xfrm>
+            <a:off x="1105373" y="314596"/>
+            <a:ext cx="1459005" cy="646331"/>
+          </a:xfrm>
+          <a:prstGeom prst="rect">
+            <a:avLst/>
+          </a:prstGeom>
+          <a:noFill/>
+        </p:spPr>
+        <p:txBody>
+          <a:bodyPr wrap="square" rtlCol="0">
+            <a:spAutoFit/>
+          </a:bodyPr>
+          <a:lstStyle/>
+          <a:p>
+            <a:r>
+              <a:rPr lang="de-CH" sz="3600" dirty="0">
+                <a:solidFill>
+                  <a:srgbClr val="F2F1E9"/>
+                </a:solidFill>
+                <a:latin typeface="Bahnschrift SemiBold Condensed" panose="020B0502040204020203" pitchFamily="34" charset="0"/>
+                <a:ea typeface="ADLaM Display" panose="020F0502020204030204" pitchFamily="2" charset="0"/>
+                <a:cs typeface="ADLaM Display" panose="020F0502020204030204" pitchFamily="2" charset="0"/>
+              </a:rPr>
+              <a:t>yup!</a:t>
+            </a:r>
+          </a:p>
+        </p:txBody>
+      </p:sp>
+    </p:spTree>
+    <p:extLst>
+      <p:ext uri="{BB962C8B-B14F-4D97-AF65-F5344CB8AC3E}">
+        <p14:creationId xmlns:p14="http://schemas.microsoft.com/office/powerpoint/2010/main" val="269511757"/>
+      </p:ext>
+    </p:extLst>
+  </p:cSld>
+  <p:clrMapOvr>
+    <a:masterClrMapping/>
+  </p:clrMapOvr>
+</p:sld>
+</file>
+
+<file path=ppt/slides/slide4.xml><?xml version="1.0" encoding="utf-8"?>
+<p:sld xmlns:a="http://schemas.openxmlformats.org/drawingml/2006/main" xmlns:r="http://schemas.openxmlformats.org/officeDocument/2006/relationships" xmlns:p="http://schemas.openxmlformats.org/presentationml/2006/main">
+  <p:cSld>
+    <p:spTree>
+      <p:nvGrpSpPr>
+        <p:cNvPr id="1" name=""/>
+        <p:cNvGrpSpPr/>
+        <p:nvPr/>
+      </p:nvGrpSpPr>
+      <p:grpSpPr>
+        <a:xfrm>
+          <a:off x="0" y="0"/>
+          <a:ext cx="0" cy="0"/>
+          <a:chOff x="0" y="0"/>
+          <a:chExt cx="0" cy="0"/>
+        </a:xfrm>
+      </p:grpSpPr>
+      <p:sp>
+        <p:nvSpPr>
+          <p:cNvPr id="14" name="Arc 13">
+            <a:extLst>
+              <a:ext uri="{FF2B5EF4-FFF2-40B4-BE49-F238E27FC236}">
+                <a16:creationId xmlns:a16="http://schemas.microsoft.com/office/drawing/2014/main" id="{52D4A276-E749-462B-9479-C5A1FB3CCA67}"/>
+              </a:ext>
+            </a:extLst>
+          </p:cNvPr>
+          <p:cNvSpPr/>
+          <p:nvPr/>
+        </p:nvSpPr>
+        <p:spPr>
+          <a:xfrm>
+            <a:off x="261277" y="170432"/>
+            <a:ext cx="695683" cy="695683"/>
+          </a:xfrm>
+          <a:prstGeom prst="arc">
+            <a:avLst>
+              <a:gd name="adj1" fmla="val 16200000"/>
+              <a:gd name="adj2" fmla="val 6731470"/>
+            </a:avLst>
+          </a:prstGeom>
+          <a:solidFill>
+            <a:schemeClr val="bg1"/>
+          </a:solidFill>
+          <a:ln w="190500">
+            <a:solidFill>
+              <a:srgbClr val="241C26"/>
+            </a:solidFill>
+          </a:ln>
+        </p:spPr>
+        <p:style>
+          <a:lnRef idx="3">
+            <a:schemeClr val="dk1"/>
+          </a:lnRef>
+          <a:fillRef idx="0">
+            <a:schemeClr val="dk1"/>
+          </a:fillRef>
+          <a:effectRef idx="2">
+            <a:schemeClr val="dk1"/>
+          </a:effectRef>
+          <a:fontRef idx="minor">
+            <a:schemeClr val="tx1"/>
+          </a:fontRef>
+        </p:style>
+        <p:txBody>
+          <a:bodyPr rtlCol="0" anchor="ctr"/>
+          <a:lstStyle/>
+          <a:p>
+            <a:pPr algn="ctr"/>
+            <a:endParaRPr lang="de-CH" sz="2087" spc="-290" dirty="0"/>
+          </a:p>
+        </p:txBody>
+      </p:sp>
+      <p:sp>
+        <p:nvSpPr>
+          <p:cNvPr id="17" name="Arc 16">
+            <a:extLst>
+              <a:ext uri="{FF2B5EF4-FFF2-40B4-BE49-F238E27FC236}">
+                <a16:creationId xmlns:a16="http://schemas.microsoft.com/office/drawing/2014/main" id="{F819B1B4-F824-6F76-9AF6-B68D956EF92C}"/>
+              </a:ext>
+            </a:extLst>
+          </p:cNvPr>
+          <p:cNvSpPr/>
+          <p:nvPr/>
+        </p:nvSpPr>
+        <p:spPr>
+          <a:xfrm>
+            <a:off x="261275" y="170430"/>
+            <a:ext cx="695683" cy="695683"/>
+          </a:xfrm>
+          <a:prstGeom prst="arc">
+            <a:avLst>
+              <a:gd name="adj1" fmla="val 7086778"/>
+              <a:gd name="adj2" fmla="val 9247295"/>
+            </a:avLst>
+          </a:prstGeom>
+          <a:solidFill>
+            <a:schemeClr val="bg1"/>
+          </a:solidFill>
+          <a:ln w="190500">
+            <a:solidFill>
+              <a:srgbClr val="BF505A"/>
+            </a:solidFill>
+          </a:ln>
+        </p:spPr>
+        <p:style>
+          <a:lnRef idx="3">
+            <a:schemeClr val="dk1"/>
+          </a:lnRef>
+          <a:fillRef idx="0">
+            <a:schemeClr val="dk1"/>
+          </a:fillRef>
+          <a:effectRef idx="2">
+            <a:schemeClr val="dk1"/>
+          </a:effectRef>
+          <a:fontRef idx="minor">
+            <a:schemeClr val="tx1"/>
+          </a:fontRef>
+        </p:style>
+        <p:txBody>
+          <a:bodyPr rtlCol="0" anchor="ctr"/>
+          <a:lstStyle/>
+          <a:p>
+            <a:pPr algn="ctr"/>
+            <a:endParaRPr lang="de-CH" sz="2087" spc="-290" dirty="0"/>
+          </a:p>
+        </p:txBody>
+      </p:sp>
+      <p:sp>
+        <p:nvSpPr>
+          <p:cNvPr id="20" name="Arc 19">
+            <a:extLst>
+              <a:ext uri="{FF2B5EF4-FFF2-40B4-BE49-F238E27FC236}">
+                <a16:creationId xmlns:a16="http://schemas.microsoft.com/office/drawing/2014/main" id="{EB8AE764-3745-1D92-5771-6E126410CC67}"/>
+              </a:ext>
+            </a:extLst>
+          </p:cNvPr>
+          <p:cNvSpPr/>
+          <p:nvPr/>
+        </p:nvSpPr>
+        <p:spPr>
+          <a:xfrm>
+            <a:off x="261275" y="170430"/>
+            <a:ext cx="695683" cy="695683"/>
+          </a:xfrm>
+          <a:prstGeom prst="arc">
+            <a:avLst>
+              <a:gd name="adj1" fmla="val 12344486"/>
+              <a:gd name="adj2" fmla="val 15848502"/>
+            </a:avLst>
+          </a:prstGeom>
+          <a:solidFill>
+            <a:schemeClr val="bg1"/>
+          </a:solidFill>
+          <a:ln w="190500">
+            <a:solidFill>
+              <a:srgbClr val="6F87A6"/>
+            </a:solidFill>
+          </a:ln>
+        </p:spPr>
+        <p:style>
+          <a:lnRef idx="3">
+            <a:schemeClr val="dk1"/>
+          </a:lnRef>
+          <a:fillRef idx="0">
+            <a:schemeClr val="dk1"/>
+          </a:fillRef>
+          <a:effectRef idx="2">
+            <a:schemeClr val="dk1"/>
+          </a:effectRef>
+          <a:fontRef idx="minor">
+            <a:schemeClr val="tx1"/>
+          </a:fontRef>
+        </p:style>
+        <p:txBody>
+          <a:bodyPr rtlCol="0" anchor="ctr"/>
+          <a:lstStyle/>
+          <a:p>
+            <a:pPr algn="ctr"/>
+            <a:endParaRPr lang="de-CH" sz="2087" u="sng" spc="-290" dirty="0"/>
+          </a:p>
+        </p:txBody>
+      </p:sp>
+      <p:sp>
+        <p:nvSpPr>
+          <p:cNvPr id="3" name="Arc 2">
+            <a:extLst>
+              <a:ext uri="{FF2B5EF4-FFF2-40B4-BE49-F238E27FC236}">
+                <a16:creationId xmlns:a16="http://schemas.microsoft.com/office/drawing/2014/main" id="{4186B8D4-D174-A8E2-0280-3E73D1665613}"/>
+              </a:ext>
+            </a:extLst>
+          </p:cNvPr>
+          <p:cNvSpPr/>
+          <p:nvPr/>
+        </p:nvSpPr>
+        <p:spPr>
+          <a:xfrm>
+            <a:off x="260507" y="170881"/>
+            <a:ext cx="695683" cy="695683"/>
+          </a:xfrm>
+          <a:prstGeom prst="arc">
+            <a:avLst>
+              <a:gd name="adj1" fmla="val 9609412"/>
+              <a:gd name="adj2" fmla="val 11977920"/>
+            </a:avLst>
+          </a:prstGeom>
+          <a:solidFill>
+            <a:schemeClr val="bg1"/>
+          </a:solidFill>
+          <a:ln w="190500">
+            <a:solidFill>
+              <a:srgbClr val="818C70"/>
+            </a:solidFill>
+          </a:ln>
+        </p:spPr>
+        <p:style>
+          <a:lnRef idx="3">
+            <a:schemeClr val="dk1"/>
+          </a:lnRef>
+          <a:fillRef idx="0">
+            <a:schemeClr val="dk1"/>
+          </a:fillRef>
+          <a:effectRef idx="2">
+            <a:schemeClr val="dk1"/>
+          </a:effectRef>
+          <a:fontRef idx="minor">
+            <a:schemeClr val="tx1"/>
+          </a:fontRef>
+        </p:style>
+        <p:txBody>
+          <a:bodyPr rtlCol="0" anchor="ctr"/>
+          <a:lstStyle/>
+          <a:p>
+            <a:pPr algn="ctr"/>
+            <a:endParaRPr lang="de-CH" sz="2087" spc="-290"/>
+          </a:p>
+        </p:txBody>
+      </p:sp>
+      <p:sp>
+        <p:nvSpPr>
+          <p:cNvPr id="2" name="TextBox 1">
+            <a:extLst>
+              <a:ext uri="{FF2B5EF4-FFF2-40B4-BE49-F238E27FC236}">
+                <a16:creationId xmlns:a16="http://schemas.microsoft.com/office/drawing/2014/main" id="{82E0E680-6A79-0FD0-E5DF-FE5DFB08DE5F}"/>
+              </a:ext>
+            </a:extLst>
+          </p:cNvPr>
+          <p:cNvSpPr txBox="1"/>
+          <p:nvPr/>
+        </p:nvSpPr>
+        <p:spPr>
+          <a:xfrm>
+            <a:off x="1101691" y="-56963"/>
+            <a:ext cx="2531802" cy="646331"/>
+          </a:xfrm>
+          <a:prstGeom prst="rect">
+            <a:avLst/>
+          </a:prstGeom>
+          <a:noFill/>
+        </p:spPr>
+        <p:txBody>
+          <a:bodyPr wrap="square" rtlCol="0">
+            <a:spAutoFit/>
+          </a:bodyPr>
+          <a:lstStyle/>
+          <a:p>
+            <a:r>
+              <a:rPr lang="de-CH" sz="3600" dirty="0">
+                <a:solidFill>
+                  <a:srgbClr val="241C26"/>
+                </a:solidFill>
+                <a:latin typeface="Bahnschrift SemiBold Condensed" panose="020B0502040204020203" pitchFamily="34" charset="0"/>
+                <a:ea typeface="ADLaM Display" panose="020F0502020204030204" pitchFamily="2" charset="0"/>
+                <a:cs typeface="ADLaM Display" panose="020F0502020204030204" pitchFamily="2" charset="0"/>
+              </a:rPr>
+              <a:t>statistics,</a:t>
+            </a:r>
+          </a:p>
+        </p:txBody>
+      </p:sp>
+      <p:sp>
+        <p:nvSpPr>
+          <p:cNvPr id="4" name="TextBox 3">
+            <a:extLst>
+              <a:ext uri="{FF2B5EF4-FFF2-40B4-BE49-F238E27FC236}">
+                <a16:creationId xmlns:a16="http://schemas.microsoft.com/office/drawing/2014/main" id="{755FCC62-73EC-66B9-C8F7-CFD9287E77E2}"/>
+              </a:ext>
+            </a:extLst>
+          </p:cNvPr>
+          <p:cNvSpPr txBox="1"/>
+          <p:nvPr/>
+        </p:nvSpPr>
+        <p:spPr>
+          <a:xfrm>
+            <a:off x="1105373" y="314596"/>
+            <a:ext cx="1459005" cy="646331"/>
+          </a:xfrm>
+          <a:prstGeom prst="rect">
+            <a:avLst/>
+          </a:prstGeom>
+          <a:noFill/>
+        </p:spPr>
+        <p:txBody>
+          <a:bodyPr wrap="square" rtlCol="0">
+            <a:spAutoFit/>
+          </a:bodyPr>
+          <a:lstStyle/>
+          <a:p>
+            <a:r>
+              <a:rPr lang="de-CH" sz="3600" dirty="0">
+                <a:solidFill>
+                  <a:srgbClr val="241C26"/>
+                </a:solidFill>
+                <a:latin typeface="Bahnschrift SemiBold Condensed" panose="020B0502040204020203" pitchFamily="34" charset="0"/>
+                <a:ea typeface="ADLaM Display" panose="020F0502020204030204" pitchFamily="2" charset="0"/>
+                <a:cs typeface="ADLaM Display" panose="020F0502020204030204" pitchFamily="2" charset="0"/>
+              </a:rPr>
+              <a:t>yup!</a:t>
+            </a:r>
           </a:p>
         </p:txBody>
       </p:sp>
@@ -4536,9 +5513,9 @@
 </file>
 
 <file path=ppt/theme/theme1.xml><?xml version="1.0" encoding="utf-8"?>
-<a:theme xmlns:a="http://schemas.openxmlformats.org/drawingml/2006/main" name="Office Theme">
+<a:theme xmlns:a="http://schemas.openxmlformats.org/drawingml/2006/main" name="Office 2013 - 2022 Theme">
   <a:themeElements>
-    <a:clrScheme name="Office Theme">
+    <a:clrScheme name="Office 2013 - 2022 Theme">
       <a:dk1>
         <a:sysClr val="windowText" lastClr="000000"/>
       </a:dk1>
@@ -4576,7 +5553,7 @@
         <a:srgbClr val="954F72"/>
       </a:folHlink>
     </a:clrScheme>
-    <a:fontScheme name="Office Theme">
+    <a:fontScheme name="Office 2013 - 2022 Theme">
       <a:majorFont>
         <a:latin typeface="Calibri Light" panose="020F0302020204030204"/>
         <a:ea typeface=""/>
@@ -4648,7 +5625,7 @@
         <a:font script="Geor" typeface="Sylfaen"/>
       </a:minorFont>
     </a:fontScheme>
-    <a:fmtScheme name="Office Theme">
+    <a:fmtScheme name="Office 2013 - 2022 Theme">
       <a:fillStyleLst>
         <a:solidFill>
           <a:schemeClr val="phClr"/>

--- a/images/logo.pptx
+++ b/images/logo.pptx
@@ -5,10 +5,10 @@
     <p:sldMasterId id="2147483696" r:id="rId1"/>
   </p:sldMasterIdLst>
   <p:sldIdLst>
-    <p:sldId id="256" r:id="rId2"/>
-    <p:sldId id="258" r:id="rId3"/>
-    <p:sldId id="259" r:id="rId4"/>
-    <p:sldId id="257" r:id="rId5"/>
+    <p:sldId id="258" r:id="rId2"/>
+    <p:sldId id="259" r:id="rId3"/>
+    <p:sldId id="257" r:id="rId4"/>
+    <p:sldId id="256" r:id="rId5"/>
   </p:sldIdLst>
   <p:sldSz cx="3600450" cy="1044575"/>
   <p:notesSz cx="6858000" cy="9144000"/>
@@ -115,16 +115,24 @@
 </p:presentation>
 </file>
 
-<file path=ppt/revisionInfo.xml><?xml version="1.0" encoding="utf-8"?>
-<p1510:revInfo xmlns:a="http://schemas.openxmlformats.org/drawingml/2006/main" xmlns:r="http://schemas.openxmlformats.org/officeDocument/2006/relationships" xmlns:p1510="http://schemas.microsoft.com/office/powerpoint/2015/10/main">
-  <p1510:revLst>
-    <p1510:client id="{2F941FE3-FF64-4F84-B49A-A887E52BA933}" v="34" dt="2025-03-30T21:22:49.919"/>
-  </p1510:revLst>
-</p1510:revInfo>
-</file>
-
 <file path=ppt/changesInfos/changesInfo1.xml><?xml version="1.0" encoding="utf-8"?>
 <pc:chgInfo xmlns:a="http://schemas.openxmlformats.org/drawingml/2006/main" xmlns:r="http://schemas.openxmlformats.org/officeDocument/2006/relationships" xmlns:ac="http://schemas.microsoft.com/office/drawing/2013/main/command" xmlns:pc="http://schemas.microsoft.com/office/powerpoint/2013/main/command">
+  <pc:docChgLst>
+    <pc:chgData name="Simon Schwab" userId="5e8e8be0-26a3-48b1-a8c0-2dbc395844a0" providerId="ADAL" clId="{F92B5F04-90E4-4457-B1A8-28367E1F9C2D}"/>
+    <pc:docChg chg="modSld sldOrd">
+      <pc:chgData name="Simon Schwab" userId="5e8e8be0-26a3-48b1-a8c0-2dbc395844a0" providerId="ADAL" clId="{F92B5F04-90E4-4457-B1A8-28367E1F9C2D}" dt="2025-04-11T12:38:31.721" v="1"/>
+      <pc:docMkLst>
+        <pc:docMk/>
+      </pc:docMkLst>
+      <pc:sldChg chg="ord">
+        <pc:chgData name="Simon Schwab" userId="5e8e8be0-26a3-48b1-a8c0-2dbc395844a0" providerId="ADAL" clId="{F92B5F04-90E4-4457-B1A8-28367E1F9C2D}" dt="2025-04-11T12:38:31.721" v="1"/>
+        <pc:sldMkLst>
+          <pc:docMk/>
+          <pc:sldMk cId="3208357589" sldId="256"/>
+        </pc:sldMkLst>
+      </pc:sldChg>
+    </pc:docChg>
+  </pc:docChgLst>
   <pc:docChgLst>
     <pc:chgData name="Simon Schwab" userId="5e8e8be0-26a3-48b1-a8c0-2dbc395844a0" providerId="ADAL" clId="{2F941FE3-FF64-4F84-B49A-A887E52BA933}"/>
     <pc:docChg chg="undo redo custSel addSld delSld modSld sldOrd modMainMaster">
@@ -1467,7 +1475,7 @@
           <a:p>
             <a:fld id="{55AD22FE-7305-40DE-AD74-B7D90DD9F565}" type="datetimeFigureOut">
               <a:rPr lang="de-CH" smtClean="0"/>
-              <a:t>30.03.2025</a:t>
+              <a:t>11.04.2025</a:t>
             </a:fld>
             <a:endParaRPr lang="de-CH"/>
           </a:p>
@@ -1637,7 +1645,7 @@
           <a:p>
             <a:fld id="{55AD22FE-7305-40DE-AD74-B7D90DD9F565}" type="datetimeFigureOut">
               <a:rPr lang="de-CH" smtClean="0"/>
-              <a:t>30.03.2025</a:t>
+              <a:t>11.04.2025</a:t>
             </a:fld>
             <a:endParaRPr lang="de-CH"/>
           </a:p>
@@ -1817,7 +1825,7 @@
           <a:p>
             <a:fld id="{55AD22FE-7305-40DE-AD74-B7D90DD9F565}" type="datetimeFigureOut">
               <a:rPr lang="de-CH" smtClean="0"/>
-              <a:t>30.03.2025</a:t>
+              <a:t>11.04.2025</a:t>
             </a:fld>
             <a:endParaRPr lang="de-CH"/>
           </a:p>
@@ -1987,7 +1995,7 @@
           <a:p>
             <a:fld id="{55AD22FE-7305-40DE-AD74-B7D90DD9F565}" type="datetimeFigureOut">
               <a:rPr lang="de-CH" smtClean="0"/>
-              <a:t>30.03.2025</a:t>
+              <a:t>11.04.2025</a:t>
             </a:fld>
             <a:endParaRPr lang="de-CH"/>
           </a:p>
@@ -2233,7 +2241,7 @@
           <a:p>
             <a:fld id="{55AD22FE-7305-40DE-AD74-B7D90DD9F565}" type="datetimeFigureOut">
               <a:rPr lang="de-CH" smtClean="0"/>
-              <a:t>30.03.2025</a:t>
+              <a:t>11.04.2025</a:t>
             </a:fld>
             <a:endParaRPr lang="de-CH"/>
           </a:p>
@@ -2465,7 +2473,7 @@
           <a:p>
             <a:fld id="{55AD22FE-7305-40DE-AD74-B7D90DD9F565}" type="datetimeFigureOut">
               <a:rPr lang="de-CH" smtClean="0"/>
-              <a:t>30.03.2025</a:t>
+              <a:t>11.04.2025</a:t>
             </a:fld>
             <a:endParaRPr lang="de-CH"/>
           </a:p>
@@ -2832,7 +2840,7 @@
           <a:p>
             <a:fld id="{55AD22FE-7305-40DE-AD74-B7D90DD9F565}" type="datetimeFigureOut">
               <a:rPr lang="de-CH" smtClean="0"/>
-              <a:t>30.03.2025</a:t>
+              <a:t>11.04.2025</a:t>
             </a:fld>
             <a:endParaRPr lang="de-CH"/>
           </a:p>
@@ -2950,7 +2958,7 @@
           <a:p>
             <a:fld id="{55AD22FE-7305-40DE-AD74-B7D90DD9F565}" type="datetimeFigureOut">
               <a:rPr lang="de-CH" smtClean="0"/>
-              <a:t>30.03.2025</a:t>
+              <a:t>11.04.2025</a:t>
             </a:fld>
             <a:endParaRPr lang="de-CH"/>
           </a:p>
@@ -3045,7 +3053,7 @@
           <a:p>
             <a:fld id="{55AD22FE-7305-40DE-AD74-B7D90DD9F565}" type="datetimeFigureOut">
               <a:rPr lang="de-CH" smtClean="0"/>
-              <a:t>30.03.2025</a:t>
+              <a:t>11.04.2025</a:t>
             </a:fld>
             <a:endParaRPr lang="de-CH"/>
           </a:p>
@@ -3322,7 +3330,7 @@
           <a:p>
             <a:fld id="{55AD22FE-7305-40DE-AD74-B7D90DD9F565}" type="datetimeFigureOut">
               <a:rPr lang="de-CH" smtClean="0"/>
-              <a:t>30.03.2025</a:t>
+              <a:t>11.04.2025</a:t>
             </a:fld>
             <a:endParaRPr lang="de-CH"/>
           </a:p>
@@ -3579,7 +3587,7 @@
           <a:p>
             <a:fld id="{55AD22FE-7305-40DE-AD74-B7D90DD9F565}" type="datetimeFigureOut">
               <a:rPr lang="de-CH" smtClean="0"/>
-              <a:t>30.03.2025</a:t>
+              <a:t>11.04.2025</a:t>
             </a:fld>
             <a:endParaRPr lang="de-CH"/>
           </a:p>
@@ -3792,7 +3800,7 @@
           <a:p>
             <a:fld id="{55AD22FE-7305-40DE-AD74-B7D90DD9F565}" type="datetimeFigureOut">
               <a:rPr lang="de-CH" smtClean="0"/>
-              <a:t>30.03.2025</a:t>
+              <a:t>11.04.2025</a:t>
             </a:fld>
             <a:endParaRPr lang="de-CH"/>
           </a:p>
@@ -4211,6 +4219,1046 @@
         </p:nvSpPr>
         <p:spPr>
           <a:xfrm>
+            <a:off x="261277" y="170432"/>
+            <a:ext cx="695683" cy="695683"/>
+          </a:xfrm>
+          <a:prstGeom prst="arc">
+            <a:avLst>
+              <a:gd name="adj1" fmla="val 16200000"/>
+              <a:gd name="adj2" fmla="val 6731470"/>
+            </a:avLst>
+          </a:prstGeom>
+          <a:noFill/>
+          <a:ln w="190500">
+            <a:solidFill>
+              <a:srgbClr val="241C26"/>
+            </a:solidFill>
+          </a:ln>
+        </p:spPr>
+        <p:style>
+          <a:lnRef idx="3">
+            <a:schemeClr val="dk1"/>
+          </a:lnRef>
+          <a:fillRef idx="0">
+            <a:schemeClr val="dk1"/>
+          </a:fillRef>
+          <a:effectRef idx="2">
+            <a:schemeClr val="dk1"/>
+          </a:effectRef>
+          <a:fontRef idx="minor">
+            <a:schemeClr val="tx1"/>
+          </a:fontRef>
+        </p:style>
+        <p:txBody>
+          <a:bodyPr rtlCol="0" anchor="ctr"/>
+          <a:lstStyle/>
+          <a:p>
+            <a:pPr algn="ctr"/>
+            <a:endParaRPr lang="de-CH" sz="2087" spc="-290" dirty="0"/>
+          </a:p>
+        </p:txBody>
+      </p:sp>
+      <p:sp>
+        <p:nvSpPr>
+          <p:cNvPr id="17" name="Arc 16">
+            <a:extLst>
+              <a:ext uri="{FF2B5EF4-FFF2-40B4-BE49-F238E27FC236}">
+                <a16:creationId xmlns:a16="http://schemas.microsoft.com/office/drawing/2014/main" id="{F819B1B4-F824-6F76-9AF6-B68D956EF92C}"/>
+              </a:ext>
+            </a:extLst>
+          </p:cNvPr>
+          <p:cNvSpPr/>
+          <p:nvPr/>
+        </p:nvSpPr>
+        <p:spPr>
+          <a:xfrm>
+            <a:off x="261275" y="170430"/>
+            <a:ext cx="695683" cy="695683"/>
+          </a:xfrm>
+          <a:prstGeom prst="arc">
+            <a:avLst>
+              <a:gd name="adj1" fmla="val 7086778"/>
+              <a:gd name="adj2" fmla="val 9247295"/>
+            </a:avLst>
+          </a:prstGeom>
+          <a:noFill/>
+          <a:ln w="190500">
+            <a:solidFill>
+              <a:srgbClr val="241C26"/>
+            </a:solidFill>
+          </a:ln>
+        </p:spPr>
+        <p:style>
+          <a:lnRef idx="3">
+            <a:schemeClr val="dk1"/>
+          </a:lnRef>
+          <a:fillRef idx="0">
+            <a:schemeClr val="dk1"/>
+          </a:fillRef>
+          <a:effectRef idx="2">
+            <a:schemeClr val="dk1"/>
+          </a:effectRef>
+          <a:fontRef idx="minor">
+            <a:schemeClr val="tx1"/>
+          </a:fontRef>
+        </p:style>
+        <p:txBody>
+          <a:bodyPr rtlCol="0" anchor="ctr"/>
+          <a:lstStyle/>
+          <a:p>
+            <a:pPr algn="ctr"/>
+            <a:endParaRPr lang="de-CH" sz="2087" spc="-290"/>
+          </a:p>
+        </p:txBody>
+      </p:sp>
+      <p:sp>
+        <p:nvSpPr>
+          <p:cNvPr id="20" name="Arc 19">
+            <a:extLst>
+              <a:ext uri="{FF2B5EF4-FFF2-40B4-BE49-F238E27FC236}">
+                <a16:creationId xmlns:a16="http://schemas.microsoft.com/office/drawing/2014/main" id="{EB8AE764-3745-1D92-5771-6E126410CC67}"/>
+              </a:ext>
+            </a:extLst>
+          </p:cNvPr>
+          <p:cNvSpPr/>
+          <p:nvPr/>
+        </p:nvSpPr>
+        <p:spPr>
+          <a:xfrm>
+            <a:off x="261275" y="170430"/>
+            <a:ext cx="695683" cy="695683"/>
+          </a:xfrm>
+          <a:prstGeom prst="arc">
+            <a:avLst>
+              <a:gd name="adj1" fmla="val 12344486"/>
+              <a:gd name="adj2" fmla="val 15848502"/>
+            </a:avLst>
+          </a:prstGeom>
+          <a:noFill/>
+          <a:ln w="190500">
+            <a:solidFill>
+              <a:srgbClr val="241C26"/>
+            </a:solidFill>
+          </a:ln>
+        </p:spPr>
+        <p:style>
+          <a:lnRef idx="3">
+            <a:schemeClr val="dk1"/>
+          </a:lnRef>
+          <a:fillRef idx="0">
+            <a:schemeClr val="dk1"/>
+          </a:fillRef>
+          <a:effectRef idx="2">
+            <a:schemeClr val="dk1"/>
+          </a:effectRef>
+          <a:fontRef idx="minor">
+            <a:schemeClr val="tx1"/>
+          </a:fontRef>
+        </p:style>
+        <p:txBody>
+          <a:bodyPr rtlCol="0" anchor="ctr"/>
+          <a:lstStyle/>
+          <a:p>
+            <a:pPr algn="ctr"/>
+            <a:endParaRPr lang="de-CH" sz="2087" u="sng" spc="-290" dirty="0"/>
+          </a:p>
+        </p:txBody>
+      </p:sp>
+      <p:sp>
+        <p:nvSpPr>
+          <p:cNvPr id="3" name="Arc 2">
+            <a:extLst>
+              <a:ext uri="{FF2B5EF4-FFF2-40B4-BE49-F238E27FC236}">
+                <a16:creationId xmlns:a16="http://schemas.microsoft.com/office/drawing/2014/main" id="{4186B8D4-D174-A8E2-0280-3E73D1665613}"/>
+              </a:ext>
+            </a:extLst>
+          </p:cNvPr>
+          <p:cNvSpPr/>
+          <p:nvPr/>
+        </p:nvSpPr>
+        <p:spPr>
+          <a:xfrm>
+            <a:off x="260507" y="170881"/>
+            <a:ext cx="695683" cy="695683"/>
+          </a:xfrm>
+          <a:prstGeom prst="arc">
+            <a:avLst>
+              <a:gd name="adj1" fmla="val 9609412"/>
+              <a:gd name="adj2" fmla="val 11977920"/>
+            </a:avLst>
+          </a:prstGeom>
+          <a:noFill/>
+          <a:ln w="190500">
+            <a:solidFill>
+              <a:srgbClr val="241C26"/>
+            </a:solidFill>
+          </a:ln>
+        </p:spPr>
+        <p:style>
+          <a:lnRef idx="3">
+            <a:schemeClr val="dk1"/>
+          </a:lnRef>
+          <a:fillRef idx="0">
+            <a:schemeClr val="dk1"/>
+          </a:fillRef>
+          <a:effectRef idx="2">
+            <a:schemeClr val="dk1"/>
+          </a:effectRef>
+          <a:fontRef idx="minor">
+            <a:schemeClr val="tx1"/>
+          </a:fontRef>
+        </p:style>
+        <p:txBody>
+          <a:bodyPr rtlCol="0" anchor="ctr"/>
+          <a:lstStyle/>
+          <a:p>
+            <a:pPr algn="ctr"/>
+            <a:endParaRPr lang="de-CH" sz="2087" spc="-290"/>
+          </a:p>
+        </p:txBody>
+      </p:sp>
+      <p:sp>
+        <p:nvSpPr>
+          <p:cNvPr id="2" name="TextBox 1">
+            <a:extLst>
+              <a:ext uri="{FF2B5EF4-FFF2-40B4-BE49-F238E27FC236}">
+                <a16:creationId xmlns:a16="http://schemas.microsoft.com/office/drawing/2014/main" id="{82E0E680-6A79-0FD0-E5DF-FE5DFB08DE5F}"/>
+              </a:ext>
+            </a:extLst>
+          </p:cNvPr>
+          <p:cNvSpPr txBox="1"/>
+          <p:nvPr/>
+        </p:nvSpPr>
+        <p:spPr>
+          <a:xfrm>
+            <a:off x="1101691" y="-56963"/>
+            <a:ext cx="2531802" cy="646331"/>
+          </a:xfrm>
+          <a:prstGeom prst="rect">
+            <a:avLst/>
+          </a:prstGeom>
+          <a:noFill/>
+        </p:spPr>
+        <p:txBody>
+          <a:bodyPr wrap="square" rtlCol="0">
+            <a:spAutoFit/>
+          </a:bodyPr>
+          <a:lstStyle/>
+          <a:p>
+            <a:r>
+              <a:rPr lang="de-CH" sz="3600" dirty="0">
+                <a:solidFill>
+                  <a:srgbClr val="241C26"/>
+                </a:solidFill>
+                <a:latin typeface="Bahnschrift SemiBold Condensed" panose="020B0502040204020203" pitchFamily="34" charset="0"/>
+                <a:ea typeface="ADLaM Display" panose="020F0502020204030204" pitchFamily="2" charset="0"/>
+                <a:cs typeface="ADLaM Display" panose="020F0502020204030204" pitchFamily="2" charset="0"/>
+              </a:rPr>
+              <a:t>statistics,</a:t>
+            </a:r>
+          </a:p>
+        </p:txBody>
+      </p:sp>
+      <p:sp>
+        <p:nvSpPr>
+          <p:cNvPr id="4" name="TextBox 3">
+            <a:extLst>
+              <a:ext uri="{FF2B5EF4-FFF2-40B4-BE49-F238E27FC236}">
+                <a16:creationId xmlns:a16="http://schemas.microsoft.com/office/drawing/2014/main" id="{755FCC62-73EC-66B9-C8F7-CFD9287E77E2}"/>
+              </a:ext>
+            </a:extLst>
+          </p:cNvPr>
+          <p:cNvSpPr txBox="1"/>
+          <p:nvPr/>
+        </p:nvSpPr>
+        <p:spPr>
+          <a:xfrm>
+            <a:off x="1105373" y="314596"/>
+            <a:ext cx="1459005" cy="646331"/>
+          </a:xfrm>
+          <a:prstGeom prst="rect">
+            <a:avLst/>
+          </a:prstGeom>
+          <a:noFill/>
+        </p:spPr>
+        <p:txBody>
+          <a:bodyPr wrap="square" rtlCol="0">
+            <a:spAutoFit/>
+          </a:bodyPr>
+          <a:lstStyle/>
+          <a:p>
+            <a:r>
+              <a:rPr lang="de-CH" sz="3600" dirty="0">
+                <a:solidFill>
+                  <a:srgbClr val="241C26"/>
+                </a:solidFill>
+                <a:latin typeface="Bahnschrift SemiBold Condensed" panose="020B0502040204020203" pitchFamily="34" charset="0"/>
+                <a:ea typeface="ADLaM Display" panose="020F0502020204030204" pitchFamily="2" charset="0"/>
+                <a:cs typeface="ADLaM Display" panose="020F0502020204030204" pitchFamily="2" charset="0"/>
+              </a:rPr>
+              <a:t>yup!</a:t>
+            </a:r>
+          </a:p>
+        </p:txBody>
+      </p:sp>
+    </p:spTree>
+    <p:extLst>
+      <p:ext uri="{BB962C8B-B14F-4D97-AF65-F5344CB8AC3E}">
+        <p14:creationId xmlns:p14="http://schemas.microsoft.com/office/powerpoint/2010/main" val="3765928959"/>
+      </p:ext>
+    </p:extLst>
+  </p:cSld>
+  <p:clrMapOvr>
+    <a:masterClrMapping/>
+  </p:clrMapOvr>
+</p:sld>
+</file>
+
+<file path=ppt/slides/slide2.xml><?xml version="1.0" encoding="utf-8"?>
+<p:sld xmlns:a="http://schemas.openxmlformats.org/drawingml/2006/main" xmlns:r="http://schemas.openxmlformats.org/officeDocument/2006/relationships" xmlns:p="http://schemas.openxmlformats.org/presentationml/2006/main">
+  <p:cSld>
+    <p:spTree>
+      <p:nvGrpSpPr>
+        <p:cNvPr id="1" name=""/>
+        <p:cNvGrpSpPr/>
+        <p:nvPr/>
+      </p:nvGrpSpPr>
+      <p:grpSpPr>
+        <a:xfrm>
+          <a:off x="0" y="0"/>
+          <a:ext cx="0" cy="0"/>
+          <a:chOff x="0" y="0"/>
+          <a:chExt cx="0" cy="0"/>
+        </a:xfrm>
+      </p:grpSpPr>
+      <p:sp>
+        <p:nvSpPr>
+          <p:cNvPr id="5" name="Rectangle 4">
+            <a:extLst>
+              <a:ext uri="{FF2B5EF4-FFF2-40B4-BE49-F238E27FC236}">
+                <a16:creationId xmlns:a16="http://schemas.microsoft.com/office/drawing/2014/main" id="{573E9844-EFD9-E0EA-D06D-A41AB7E4AC81}"/>
+              </a:ext>
+            </a:extLst>
+          </p:cNvPr>
+          <p:cNvSpPr/>
+          <p:nvPr/>
+        </p:nvSpPr>
+        <p:spPr>
+          <a:xfrm>
+            <a:off x="19050" y="19050"/>
+            <a:ext cx="3524250" cy="995363"/>
+          </a:xfrm>
+          <a:prstGeom prst="rect">
+            <a:avLst/>
+          </a:prstGeom>
+          <a:solidFill>
+            <a:schemeClr val="tx1"/>
+          </a:solidFill>
+          <a:ln>
+            <a:solidFill>
+              <a:schemeClr val="tx1"/>
+            </a:solidFill>
+          </a:ln>
+        </p:spPr>
+        <p:style>
+          <a:lnRef idx="2">
+            <a:schemeClr val="accent1">
+              <a:shade val="15000"/>
+            </a:schemeClr>
+          </a:lnRef>
+          <a:fillRef idx="1">
+            <a:schemeClr val="accent1"/>
+          </a:fillRef>
+          <a:effectRef idx="0">
+            <a:schemeClr val="accent1"/>
+          </a:effectRef>
+          <a:fontRef idx="minor">
+            <a:schemeClr val="lt1"/>
+          </a:fontRef>
+        </p:style>
+        <p:txBody>
+          <a:bodyPr rtlCol="0" anchor="ctr"/>
+          <a:lstStyle/>
+          <a:p>
+            <a:pPr algn="ctr"/>
+            <a:endParaRPr lang="de-CH"/>
+          </a:p>
+        </p:txBody>
+      </p:sp>
+      <p:sp>
+        <p:nvSpPr>
+          <p:cNvPr id="14" name="Arc 13">
+            <a:extLst>
+              <a:ext uri="{FF2B5EF4-FFF2-40B4-BE49-F238E27FC236}">
+                <a16:creationId xmlns:a16="http://schemas.microsoft.com/office/drawing/2014/main" id="{52D4A276-E749-462B-9479-C5A1FB3CCA67}"/>
+              </a:ext>
+            </a:extLst>
+          </p:cNvPr>
+          <p:cNvSpPr/>
+          <p:nvPr/>
+        </p:nvSpPr>
+        <p:spPr>
+          <a:xfrm>
+            <a:off x="261277" y="170432"/>
+            <a:ext cx="695683" cy="695683"/>
+          </a:xfrm>
+          <a:prstGeom prst="arc">
+            <a:avLst>
+              <a:gd name="adj1" fmla="val 16200000"/>
+              <a:gd name="adj2" fmla="val 6731470"/>
+            </a:avLst>
+          </a:prstGeom>
+          <a:noFill/>
+          <a:ln w="190500">
+            <a:solidFill>
+              <a:srgbClr val="F2F1E9"/>
+            </a:solidFill>
+          </a:ln>
+        </p:spPr>
+        <p:style>
+          <a:lnRef idx="3">
+            <a:schemeClr val="dk1"/>
+          </a:lnRef>
+          <a:fillRef idx="0">
+            <a:schemeClr val="dk1"/>
+          </a:fillRef>
+          <a:effectRef idx="2">
+            <a:schemeClr val="dk1"/>
+          </a:effectRef>
+          <a:fontRef idx="minor">
+            <a:schemeClr val="tx1"/>
+          </a:fontRef>
+        </p:style>
+        <p:txBody>
+          <a:bodyPr rtlCol="0" anchor="ctr"/>
+          <a:lstStyle/>
+          <a:p>
+            <a:pPr algn="ctr"/>
+            <a:endParaRPr lang="de-CH" sz="2087" spc="-290" dirty="0"/>
+          </a:p>
+        </p:txBody>
+      </p:sp>
+      <p:sp>
+        <p:nvSpPr>
+          <p:cNvPr id="17" name="Arc 16">
+            <a:extLst>
+              <a:ext uri="{FF2B5EF4-FFF2-40B4-BE49-F238E27FC236}">
+                <a16:creationId xmlns:a16="http://schemas.microsoft.com/office/drawing/2014/main" id="{F819B1B4-F824-6F76-9AF6-B68D956EF92C}"/>
+              </a:ext>
+            </a:extLst>
+          </p:cNvPr>
+          <p:cNvSpPr/>
+          <p:nvPr/>
+        </p:nvSpPr>
+        <p:spPr>
+          <a:xfrm>
+            <a:off x="261275" y="170430"/>
+            <a:ext cx="695683" cy="695683"/>
+          </a:xfrm>
+          <a:prstGeom prst="arc">
+            <a:avLst>
+              <a:gd name="adj1" fmla="val 7086778"/>
+              <a:gd name="adj2" fmla="val 9247295"/>
+            </a:avLst>
+          </a:prstGeom>
+          <a:noFill/>
+          <a:ln w="190500">
+            <a:solidFill>
+              <a:srgbClr val="F2F1E9"/>
+            </a:solidFill>
+          </a:ln>
+        </p:spPr>
+        <p:style>
+          <a:lnRef idx="3">
+            <a:schemeClr val="dk1"/>
+          </a:lnRef>
+          <a:fillRef idx="0">
+            <a:schemeClr val="dk1"/>
+          </a:fillRef>
+          <a:effectRef idx="2">
+            <a:schemeClr val="dk1"/>
+          </a:effectRef>
+          <a:fontRef idx="minor">
+            <a:schemeClr val="tx1"/>
+          </a:fontRef>
+        </p:style>
+        <p:txBody>
+          <a:bodyPr rtlCol="0" anchor="ctr"/>
+          <a:lstStyle/>
+          <a:p>
+            <a:pPr algn="ctr"/>
+            <a:endParaRPr lang="de-CH" sz="2087" spc="-290"/>
+          </a:p>
+        </p:txBody>
+      </p:sp>
+      <p:sp>
+        <p:nvSpPr>
+          <p:cNvPr id="20" name="Arc 19">
+            <a:extLst>
+              <a:ext uri="{FF2B5EF4-FFF2-40B4-BE49-F238E27FC236}">
+                <a16:creationId xmlns:a16="http://schemas.microsoft.com/office/drawing/2014/main" id="{EB8AE764-3745-1D92-5771-6E126410CC67}"/>
+              </a:ext>
+            </a:extLst>
+          </p:cNvPr>
+          <p:cNvSpPr/>
+          <p:nvPr/>
+        </p:nvSpPr>
+        <p:spPr>
+          <a:xfrm>
+            <a:off x="261275" y="170430"/>
+            <a:ext cx="695683" cy="695683"/>
+          </a:xfrm>
+          <a:prstGeom prst="arc">
+            <a:avLst>
+              <a:gd name="adj1" fmla="val 12344486"/>
+              <a:gd name="adj2" fmla="val 15848502"/>
+            </a:avLst>
+          </a:prstGeom>
+          <a:noFill/>
+          <a:ln w="190500">
+            <a:solidFill>
+              <a:srgbClr val="F2F1E9"/>
+            </a:solidFill>
+          </a:ln>
+        </p:spPr>
+        <p:style>
+          <a:lnRef idx="3">
+            <a:schemeClr val="dk1"/>
+          </a:lnRef>
+          <a:fillRef idx="0">
+            <a:schemeClr val="dk1"/>
+          </a:fillRef>
+          <a:effectRef idx="2">
+            <a:schemeClr val="dk1"/>
+          </a:effectRef>
+          <a:fontRef idx="minor">
+            <a:schemeClr val="tx1"/>
+          </a:fontRef>
+        </p:style>
+        <p:txBody>
+          <a:bodyPr rtlCol="0" anchor="ctr"/>
+          <a:lstStyle/>
+          <a:p>
+            <a:pPr algn="ctr"/>
+            <a:endParaRPr lang="de-CH" sz="2087" u="sng" spc="-290" dirty="0"/>
+          </a:p>
+        </p:txBody>
+      </p:sp>
+      <p:sp>
+        <p:nvSpPr>
+          <p:cNvPr id="3" name="Arc 2">
+            <a:extLst>
+              <a:ext uri="{FF2B5EF4-FFF2-40B4-BE49-F238E27FC236}">
+                <a16:creationId xmlns:a16="http://schemas.microsoft.com/office/drawing/2014/main" id="{4186B8D4-D174-A8E2-0280-3E73D1665613}"/>
+              </a:ext>
+            </a:extLst>
+          </p:cNvPr>
+          <p:cNvSpPr/>
+          <p:nvPr/>
+        </p:nvSpPr>
+        <p:spPr>
+          <a:xfrm>
+            <a:off x="260507" y="170881"/>
+            <a:ext cx="695683" cy="695683"/>
+          </a:xfrm>
+          <a:prstGeom prst="arc">
+            <a:avLst>
+              <a:gd name="adj1" fmla="val 9609412"/>
+              <a:gd name="adj2" fmla="val 11977920"/>
+            </a:avLst>
+          </a:prstGeom>
+          <a:noFill/>
+          <a:ln w="190500">
+            <a:solidFill>
+              <a:srgbClr val="F2F1E9"/>
+            </a:solidFill>
+          </a:ln>
+        </p:spPr>
+        <p:style>
+          <a:lnRef idx="3">
+            <a:schemeClr val="dk1"/>
+          </a:lnRef>
+          <a:fillRef idx="0">
+            <a:schemeClr val="dk1"/>
+          </a:fillRef>
+          <a:effectRef idx="2">
+            <a:schemeClr val="dk1"/>
+          </a:effectRef>
+          <a:fontRef idx="minor">
+            <a:schemeClr val="tx1"/>
+          </a:fontRef>
+        </p:style>
+        <p:txBody>
+          <a:bodyPr rtlCol="0" anchor="ctr"/>
+          <a:lstStyle/>
+          <a:p>
+            <a:pPr algn="ctr"/>
+            <a:endParaRPr lang="de-CH" sz="2087" spc="-290"/>
+          </a:p>
+        </p:txBody>
+      </p:sp>
+      <p:sp>
+        <p:nvSpPr>
+          <p:cNvPr id="2" name="TextBox 1">
+            <a:extLst>
+              <a:ext uri="{FF2B5EF4-FFF2-40B4-BE49-F238E27FC236}">
+                <a16:creationId xmlns:a16="http://schemas.microsoft.com/office/drawing/2014/main" id="{82E0E680-6A79-0FD0-E5DF-FE5DFB08DE5F}"/>
+              </a:ext>
+            </a:extLst>
+          </p:cNvPr>
+          <p:cNvSpPr txBox="1"/>
+          <p:nvPr/>
+        </p:nvSpPr>
+        <p:spPr>
+          <a:xfrm>
+            <a:off x="1101691" y="-56963"/>
+            <a:ext cx="2531802" cy="646331"/>
+          </a:xfrm>
+          <a:prstGeom prst="rect">
+            <a:avLst/>
+          </a:prstGeom>
+          <a:noFill/>
+        </p:spPr>
+        <p:txBody>
+          <a:bodyPr wrap="square" rtlCol="0">
+            <a:spAutoFit/>
+          </a:bodyPr>
+          <a:lstStyle/>
+          <a:p>
+            <a:r>
+              <a:rPr lang="de-CH" sz="3600" dirty="0">
+                <a:solidFill>
+                  <a:srgbClr val="F2F1E9"/>
+                </a:solidFill>
+                <a:latin typeface="Bahnschrift SemiBold Condensed" panose="020B0502040204020203" pitchFamily="34" charset="0"/>
+                <a:ea typeface="ADLaM Display" panose="020F0502020204030204" pitchFamily="2" charset="0"/>
+                <a:cs typeface="ADLaM Display" panose="020F0502020204030204" pitchFamily="2" charset="0"/>
+              </a:rPr>
+              <a:t>statistics,</a:t>
+            </a:r>
+          </a:p>
+        </p:txBody>
+      </p:sp>
+      <p:sp>
+        <p:nvSpPr>
+          <p:cNvPr id="4" name="TextBox 3">
+            <a:extLst>
+              <a:ext uri="{FF2B5EF4-FFF2-40B4-BE49-F238E27FC236}">
+                <a16:creationId xmlns:a16="http://schemas.microsoft.com/office/drawing/2014/main" id="{755FCC62-73EC-66B9-C8F7-CFD9287E77E2}"/>
+              </a:ext>
+            </a:extLst>
+          </p:cNvPr>
+          <p:cNvSpPr txBox="1"/>
+          <p:nvPr/>
+        </p:nvSpPr>
+        <p:spPr>
+          <a:xfrm>
+            <a:off x="1105373" y="314596"/>
+            <a:ext cx="1459005" cy="646331"/>
+          </a:xfrm>
+          <a:prstGeom prst="rect">
+            <a:avLst/>
+          </a:prstGeom>
+          <a:noFill/>
+        </p:spPr>
+        <p:txBody>
+          <a:bodyPr wrap="square" rtlCol="0">
+            <a:spAutoFit/>
+          </a:bodyPr>
+          <a:lstStyle/>
+          <a:p>
+            <a:r>
+              <a:rPr lang="de-CH" sz="3600" dirty="0">
+                <a:solidFill>
+                  <a:srgbClr val="F2F1E9"/>
+                </a:solidFill>
+                <a:latin typeface="Bahnschrift SemiBold Condensed" panose="020B0502040204020203" pitchFamily="34" charset="0"/>
+                <a:ea typeface="ADLaM Display" panose="020F0502020204030204" pitchFamily="2" charset="0"/>
+                <a:cs typeface="ADLaM Display" panose="020F0502020204030204" pitchFamily="2" charset="0"/>
+              </a:rPr>
+              <a:t>yup!</a:t>
+            </a:r>
+          </a:p>
+        </p:txBody>
+      </p:sp>
+    </p:spTree>
+    <p:extLst>
+      <p:ext uri="{BB962C8B-B14F-4D97-AF65-F5344CB8AC3E}">
+        <p14:creationId xmlns:p14="http://schemas.microsoft.com/office/powerpoint/2010/main" val="269511757"/>
+      </p:ext>
+    </p:extLst>
+  </p:cSld>
+  <p:clrMapOvr>
+    <a:masterClrMapping/>
+  </p:clrMapOvr>
+</p:sld>
+</file>
+
+<file path=ppt/slides/slide3.xml><?xml version="1.0" encoding="utf-8"?>
+<p:sld xmlns:a="http://schemas.openxmlformats.org/drawingml/2006/main" xmlns:r="http://schemas.openxmlformats.org/officeDocument/2006/relationships" xmlns:p="http://schemas.openxmlformats.org/presentationml/2006/main">
+  <p:cSld>
+    <p:spTree>
+      <p:nvGrpSpPr>
+        <p:cNvPr id="1" name=""/>
+        <p:cNvGrpSpPr/>
+        <p:nvPr/>
+      </p:nvGrpSpPr>
+      <p:grpSpPr>
+        <a:xfrm>
+          <a:off x="0" y="0"/>
+          <a:ext cx="0" cy="0"/>
+          <a:chOff x="0" y="0"/>
+          <a:chExt cx="0" cy="0"/>
+        </a:xfrm>
+      </p:grpSpPr>
+      <p:sp>
+        <p:nvSpPr>
+          <p:cNvPr id="14" name="Arc 13">
+            <a:extLst>
+              <a:ext uri="{FF2B5EF4-FFF2-40B4-BE49-F238E27FC236}">
+                <a16:creationId xmlns:a16="http://schemas.microsoft.com/office/drawing/2014/main" id="{52D4A276-E749-462B-9479-C5A1FB3CCA67}"/>
+              </a:ext>
+            </a:extLst>
+          </p:cNvPr>
+          <p:cNvSpPr/>
+          <p:nvPr/>
+        </p:nvSpPr>
+        <p:spPr>
+          <a:xfrm>
+            <a:off x="261277" y="170432"/>
+            <a:ext cx="695683" cy="695683"/>
+          </a:xfrm>
+          <a:prstGeom prst="arc">
+            <a:avLst>
+              <a:gd name="adj1" fmla="val 16200000"/>
+              <a:gd name="adj2" fmla="val 6731470"/>
+            </a:avLst>
+          </a:prstGeom>
+          <a:solidFill>
+            <a:schemeClr val="bg1"/>
+          </a:solidFill>
+          <a:ln w="190500">
+            <a:solidFill>
+              <a:srgbClr val="241C26"/>
+            </a:solidFill>
+          </a:ln>
+        </p:spPr>
+        <p:style>
+          <a:lnRef idx="3">
+            <a:schemeClr val="dk1"/>
+          </a:lnRef>
+          <a:fillRef idx="0">
+            <a:schemeClr val="dk1"/>
+          </a:fillRef>
+          <a:effectRef idx="2">
+            <a:schemeClr val="dk1"/>
+          </a:effectRef>
+          <a:fontRef idx="minor">
+            <a:schemeClr val="tx1"/>
+          </a:fontRef>
+        </p:style>
+        <p:txBody>
+          <a:bodyPr rtlCol="0" anchor="ctr"/>
+          <a:lstStyle/>
+          <a:p>
+            <a:pPr algn="ctr"/>
+            <a:endParaRPr lang="de-CH" sz="2087" spc="-290" dirty="0"/>
+          </a:p>
+        </p:txBody>
+      </p:sp>
+      <p:sp>
+        <p:nvSpPr>
+          <p:cNvPr id="17" name="Arc 16">
+            <a:extLst>
+              <a:ext uri="{FF2B5EF4-FFF2-40B4-BE49-F238E27FC236}">
+                <a16:creationId xmlns:a16="http://schemas.microsoft.com/office/drawing/2014/main" id="{F819B1B4-F824-6F76-9AF6-B68D956EF92C}"/>
+              </a:ext>
+            </a:extLst>
+          </p:cNvPr>
+          <p:cNvSpPr/>
+          <p:nvPr/>
+        </p:nvSpPr>
+        <p:spPr>
+          <a:xfrm>
+            <a:off x="261275" y="170430"/>
+            <a:ext cx="695683" cy="695683"/>
+          </a:xfrm>
+          <a:prstGeom prst="arc">
+            <a:avLst>
+              <a:gd name="adj1" fmla="val 7086778"/>
+              <a:gd name="adj2" fmla="val 9247295"/>
+            </a:avLst>
+          </a:prstGeom>
+          <a:solidFill>
+            <a:schemeClr val="bg1"/>
+          </a:solidFill>
+          <a:ln w="190500">
+            <a:solidFill>
+              <a:srgbClr val="BF505A"/>
+            </a:solidFill>
+          </a:ln>
+        </p:spPr>
+        <p:style>
+          <a:lnRef idx="3">
+            <a:schemeClr val="dk1"/>
+          </a:lnRef>
+          <a:fillRef idx="0">
+            <a:schemeClr val="dk1"/>
+          </a:fillRef>
+          <a:effectRef idx="2">
+            <a:schemeClr val="dk1"/>
+          </a:effectRef>
+          <a:fontRef idx="minor">
+            <a:schemeClr val="tx1"/>
+          </a:fontRef>
+        </p:style>
+        <p:txBody>
+          <a:bodyPr rtlCol="0" anchor="ctr"/>
+          <a:lstStyle/>
+          <a:p>
+            <a:pPr algn="ctr"/>
+            <a:endParaRPr lang="de-CH" sz="2087" spc="-290" dirty="0"/>
+          </a:p>
+        </p:txBody>
+      </p:sp>
+      <p:sp>
+        <p:nvSpPr>
+          <p:cNvPr id="20" name="Arc 19">
+            <a:extLst>
+              <a:ext uri="{FF2B5EF4-FFF2-40B4-BE49-F238E27FC236}">
+                <a16:creationId xmlns:a16="http://schemas.microsoft.com/office/drawing/2014/main" id="{EB8AE764-3745-1D92-5771-6E126410CC67}"/>
+              </a:ext>
+            </a:extLst>
+          </p:cNvPr>
+          <p:cNvSpPr/>
+          <p:nvPr/>
+        </p:nvSpPr>
+        <p:spPr>
+          <a:xfrm>
+            <a:off x="261275" y="170430"/>
+            <a:ext cx="695683" cy="695683"/>
+          </a:xfrm>
+          <a:prstGeom prst="arc">
+            <a:avLst>
+              <a:gd name="adj1" fmla="val 12344486"/>
+              <a:gd name="adj2" fmla="val 15848502"/>
+            </a:avLst>
+          </a:prstGeom>
+          <a:solidFill>
+            <a:schemeClr val="bg1"/>
+          </a:solidFill>
+          <a:ln w="190500">
+            <a:solidFill>
+              <a:srgbClr val="6F87A6"/>
+            </a:solidFill>
+          </a:ln>
+        </p:spPr>
+        <p:style>
+          <a:lnRef idx="3">
+            <a:schemeClr val="dk1"/>
+          </a:lnRef>
+          <a:fillRef idx="0">
+            <a:schemeClr val="dk1"/>
+          </a:fillRef>
+          <a:effectRef idx="2">
+            <a:schemeClr val="dk1"/>
+          </a:effectRef>
+          <a:fontRef idx="minor">
+            <a:schemeClr val="tx1"/>
+          </a:fontRef>
+        </p:style>
+        <p:txBody>
+          <a:bodyPr rtlCol="0" anchor="ctr"/>
+          <a:lstStyle/>
+          <a:p>
+            <a:pPr algn="ctr"/>
+            <a:endParaRPr lang="de-CH" sz="2087" u="sng" spc="-290" dirty="0"/>
+          </a:p>
+        </p:txBody>
+      </p:sp>
+      <p:sp>
+        <p:nvSpPr>
+          <p:cNvPr id="3" name="Arc 2">
+            <a:extLst>
+              <a:ext uri="{FF2B5EF4-FFF2-40B4-BE49-F238E27FC236}">
+                <a16:creationId xmlns:a16="http://schemas.microsoft.com/office/drawing/2014/main" id="{4186B8D4-D174-A8E2-0280-3E73D1665613}"/>
+              </a:ext>
+            </a:extLst>
+          </p:cNvPr>
+          <p:cNvSpPr/>
+          <p:nvPr/>
+        </p:nvSpPr>
+        <p:spPr>
+          <a:xfrm>
+            <a:off x="260507" y="170881"/>
+            <a:ext cx="695683" cy="695683"/>
+          </a:xfrm>
+          <a:prstGeom prst="arc">
+            <a:avLst>
+              <a:gd name="adj1" fmla="val 9609412"/>
+              <a:gd name="adj2" fmla="val 11977920"/>
+            </a:avLst>
+          </a:prstGeom>
+          <a:solidFill>
+            <a:schemeClr val="bg1"/>
+          </a:solidFill>
+          <a:ln w="190500">
+            <a:solidFill>
+              <a:srgbClr val="818C70"/>
+            </a:solidFill>
+          </a:ln>
+        </p:spPr>
+        <p:style>
+          <a:lnRef idx="3">
+            <a:schemeClr val="dk1"/>
+          </a:lnRef>
+          <a:fillRef idx="0">
+            <a:schemeClr val="dk1"/>
+          </a:fillRef>
+          <a:effectRef idx="2">
+            <a:schemeClr val="dk1"/>
+          </a:effectRef>
+          <a:fontRef idx="minor">
+            <a:schemeClr val="tx1"/>
+          </a:fontRef>
+        </p:style>
+        <p:txBody>
+          <a:bodyPr rtlCol="0" anchor="ctr"/>
+          <a:lstStyle/>
+          <a:p>
+            <a:pPr algn="ctr"/>
+            <a:endParaRPr lang="de-CH" sz="2087" spc="-290"/>
+          </a:p>
+        </p:txBody>
+      </p:sp>
+      <p:sp>
+        <p:nvSpPr>
+          <p:cNvPr id="2" name="TextBox 1">
+            <a:extLst>
+              <a:ext uri="{FF2B5EF4-FFF2-40B4-BE49-F238E27FC236}">
+                <a16:creationId xmlns:a16="http://schemas.microsoft.com/office/drawing/2014/main" id="{82E0E680-6A79-0FD0-E5DF-FE5DFB08DE5F}"/>
+              </a:ext>
+            </a:extLst>
+          </p:cNvPr>
+          <p:cNvSpPr txBox="1"/>
+          <p:nvPr/>
+        </p:nvSpPr>
+        <p:spPr>
+          <a:xfrm>
+            <a:off x="1101691" y="-56963"/>
+            <a:ext cx="2531802" cy="646331"/>
+          </a:xfrm>
+          <a:prstGeom prst="rect">
+            <a:avLst/>
+          </a:prstGeom>
+          <a:noFill/>
+        </p:spPr>
+        <p:txBody>
+          <a:bodyPr wrap="square" rtlCol="0">
+            <a:spAutoFit/>
+          </a:bodyPr>
+          <a:lstStyle/>
+          <a:p>
+            <a:r>
+              <a:rPr lang="de-CH" sz="3600" dirty="0">
+                <a:solidFill>
+                  <a:srgbClr val="241C26"/>
+                </a:solidFill>
+                <a:latin typeface="Bahnschrift SemiBold Condensed" panose="020B0502040204020203" pitchFamily="34" charset="0"/>
+                <a:ea typeface="ADLaM Display" panose="020F0502020204030204" pitchFamily="2" charset="0"/>
+                <a:cs typeface="ADLaM Display" panose="020F0502020204030204" pitchFamily="2" charset="0"/>
+              </a:rPr>
+              <a:t>statistics,</a:t>
+            </a:r>
+          </a:p>
+        </p:txBody>
+      </p:sp>
+      <p:sp>
+        <p:nvSpPr>
+          <p:cNvPr id="4" name="TextBox 3">
+            <a:extLst>
+              <a:ext uri="{FF2B5EF4-FFF2-40B4-BE49-F238E27FC236}">
+                <a16:creationId xmlns:a16="http://schemas.microsoft.com/office/drawing/2014/main" id="{755FCC62-73EC-66B9-C8F7-CFD9287E77E2}"/>
+              </a:ext>
+            </a:extLst>
+          </p:cNvPr>
+          <p:cNvSpPr txBox="1"/>
+          <p:nvPr/>
+        </p:nvSpPr>
+        <p:spPr>
+          <a:xfrm>
+            <a:off x="1105373" y="314596"/>
+            <a:ext cx="1459005" cy="646331"/>
+          </a:xfrm>
+          <a:prstGeom prst="rect">
+            <a:avLst/>
+          </a:prstGeom>
+          <a:noFill/>
+        </p:spPr>
+        <p:txBody>
+          <a:bodyPr wrap="square" rtlCol="0">
+            <a:spAutoFit/>
+          </a:bodyPr>
+          <a:lstStyle/>
+          <a:p>
+            <a:r>
+              <a:rPr lang="de-CH" sz="3600" dirty="0">
+                <a:solidFill>
+                  <a:srgbClr val="241C26"/>
+                </a:solidFill>
+                <a:latin typeface="Bahnschrift SemiBold Condensed" panose="020B0502040204020203" pitchFamily="34" charset="0"/>
+                <a:ea typeface="ADLaM Display" panose="020F0502020204030204" pitchFamily="2" charset="0"/>
+                <a:cs typeface="ADLaM Display" panose="020F0502020204030204" pitchFamily="2" charset="0"/>
+              </a:rPr>
+              <a:t>yup!</a:t>
+            </a:r>
+          </a:p>
+        </p:txBody>
+      </p:sp>
+    </p:spTree>
+    <p:extLst>
+      <p:ext uri="{BB962C8B-B14F-4D97-AF65-F5344CB8AC3E}">
+        <p14:creationId xmlns:p14="http://schemas.microsoft.com/office/powerpoint/2010/main" val="521519063"/>
+      </p:ext>
+    </p:extLst>
+  </p:cSld>
+  <p:clrMapOvr>
+    <a:masterClrMapping/>
+  </p:clrMapOvr>
+</p:sld>
+</file>
+
+<file path=ppt/slides/slide4.xml><?xml version="1.0" encoding="utf-8"?>
+<p:sld xmlns:a="http://schemas.openxmlformats.org/drawingml/2006/main" xmlns:r="http://schemas.openxmlformats.org/officeDocument/2006/relationships" xmlns:p="http://schemas.openxmlformats.org/presentationml/2006/main">
+  <p:cSld>
+    <p:spTree>
+      <p:nvGrpSpPr>
+        <p:cNvPr id="1" name=""/>
+        <p:cNvGrpSpPr/>
+        <p:nvPr/>
+      </p:nvGrpSpPr>
+      <p:grpSpPr>
+        <a:xfrm>
+          <a:off x="0" y="0"/>
+          <a:ext cx="0" cy="0"/>
+          <a:chOff x="0" y="0"/>
+          <a:chExt cx="0" cy="0"/>
+        </a:xfrm>
+      </p:grpSpPr>
+      <p:sp>
+        <p:nvSpPr>
+          <p:cNvPr id="14" name="Arc 13">
+            <a:extLst>
+              <a:ext uri="{FF2B5EF4-FFF2-40B4-BE49-F238E27FC236}">
+                <a16:creationId xmlns:a16="http://schemas.microsoft.com/office/drawing/2014/main" id="{52D4A276-E749-462B-9479-C5A1FB3CCA67}"/>
+              </a:ext>
+            </a:extLst>
+          </p:cNvPr>
+          <p:cNvSpPr/>
+          <p:nvPr/>
+        </p:nvSpPr>
+        <p:spPr>
+          <a:xfrm>
             <a:off x="2003337" y="181765"/>
             <a:ext cx="695683" cy="695683"/>
           </a:xfrm>
@@ -4463,1046 +5511,6 @@
     <p:extLst>
       <p:ext uri="{BB962C8B-B14F-4D97-AF65-F5344CB8AC3E}">
         <p14:creationId xmlns:p14="http://schemas.microsoft.com/office/powerpoint/2010/main" val="3208357589"/>
-      </p:ext>
-    </p:extLst>
-  </p:cSld>
-  <p:clrMapOvr>
-    <a:masterClrMapping/>
-  </p:clrMapOvr>
-</p:sld>
-</file>
-
-<file path=ppt/slides/slide2.xml><?xml version="1.0" encoding="utf-8"?>
-<p:sld xmlns:a="http://schemas.openxmlformats.org/drawingml/2006/main" xmlns:r="http://schemas.openxmlformats.org/officeDocument/2006/relationships" xmlns:p="http://schemas.openxmlformats.org/presentationml/2006/main">
-  <p:cSld>
-    <p:spTree>
-      <p:nvGrpSpPr>
-        <p:cNvPr id="1" name=""/>
-        <p:cNvGrpSpPr/>
-        <p:nvPr/>
-      </p:nvGrpSpPr>
-      <p:grpSpPr>
-        <a:xfrm>
-          <a:off x="0" y="0"/>
-          <a:ext cx="0" cy="0"/>
-          <a:chOff x="0" y="0"/>
-          <a:chExt cx="0" cy="0"/>
-        </a:xfrm>
-      </p:grpSpPr>
-      <p:sp>
-        <p:nvSpPr>
-          <p:cNvPr id="14" name="Arc 13">
-            <a:extLst>
-              <a:ext uri="{FF2B5EF4-FFF2-40B4-BE49-F238E27FC236}">
-                <a16:creationId xmlns:a16="http://schemas.microsoft.com/office/drawing/2014/main" id="{52D4A276-E749-462B-9479-C5A1FB3CCA67}"/>
-              </a:ext>
-            </a:extLst>
-          </p:cNvPr>
-          <p:cNvSpPr/>
-          <p:nvPr/>
-        </p:nvSpPr>
-        <p:spPr>
-          <a:xfrm>
-            <a:off x="261277" y="170432"/>
-            <a:ext cx="695683" cy="695683"/>
-          </a:xfrm>
-          <a:prstGeom prst="arc">
-            <a:avLst>
-              <a:gd name="adj1" fmla="val 16200000"/>
-              <a:gd name="adj2" fmla="val 6731470"/>
-            </a:avLst>
-          </a:prstGeom>
-          <a:noFill/>
-          <a:ln w="190500">
-            <a:solidFill>
-              <a:srgbClr val="241C26"/>
-            </a:solidFill>
-          </a:ln>
-        </p:spPr>
-        <p:style>
-          <a:lnRef idx="3">
-            <a:schemeClr val="dk1"/>
-          </a:lnRef>
-          <a:fillRef idx="0">
-            <a:schemeClr val="dk1"/>
-          </a:fillRef>
-          <a:effectRef idx="2">
-            <a:schemeClr val="dk1"/>
-          </a:effectRef>
-          <a:fontRef idx="minor">
-            <a:schemeClr val="tx1"/>
-          </a:fontRef>
-        </p:style>
-        <p:txBody>
-          <a:bodyPr rtlCol="0" anchor="ctr"/>
-          <a:lstStyle/>
-          <a:p>
-            <a:pPr algn="ctr"/>
-            <a:endParaRPr lang="de-CH" sz="2087" spc="-290" dirty="0"/>
-          </a:p>
-        </p:txBody>
-      </p:sp>
-      <p:sp>
-        <p:nvSpPr>
-          <p:cNvPr id="17" name="Arc 16">
-            <a:extLst>
-              <a:ext uri="{FF2B5EF4-FFF2-40B4-BE49-F238E27FC236}">
-                <a16:creationId xmlns:a16="http://schemas.microsoft.com/office/drawing/2014/main" id="{F819B1B4-F824-6F76-9AF6-B68D956EF92C}"/>
-              </a:ext>
-            </a:extLst>
-          </p:cNvPr>
-          <p:cNvSpPr/>
-          <p:nvPr/>
-        </p:nvSpPr>
-        <p:spPr>
-          <a:xfrm>
-            <a:off x="261275" y="170430"/>
-            <a:ext cx="695683" cy="695683"/>
-          </a:xfrm>
-          <a:prstGeom prst="arc">
-            <a:avLst>
-              <a:gd name="adj1" fmla="val 7086778"/>
-              <a:gd name="adj2" fmla="val 9247295"/>
-            </a:avLst>
-          </a:prstGeom>
-          <a:noFill/>
-          <a:ln w="190500">
-            <a:solidFill>
-              <a:srgbClr val="241C26"/>
-            </a:solidFill>
-          </a:ln>
-        </p:spPr>
-        <p:style>
-          <a:lnRef idx="3">
-            <a:schemeClr val="dk1"/>
-          </a:lnRef>
-          <a:fillRef idx="0">
-            <a:schemeClr val="dk1"/>
-          </a:fillRef>
-          <a:effectRef idx="2">
-            <a:schemeClr val="dk1"/>
-          </a:effectRef>
-          <a:fontRef idx="minor">
-            <a:schemeClr val="tx1"/>
-          </a:fontRef>
-        </p:style>
-        <p:txBody>
-          <a:bodyPr rtlCol="0" anchor="ctr"/>
-          <a:lstStyle/>
-          <a:p>
-            <a:pPr algn="ctr"/>
-            <a:endParaRPr lang="de-CH" sz="2087" spc="-290"/>
-          </a:p>
-        </p:txBody>
-      </p:sp>
-      <p:sp>
-        <p:nvSpPr>
-          <p:cNvPr id="20" name="Arc 19">
-            <a:extLst>
-              <a:ext uri="{FF2B5EF4-FFF2-40B4-BE49-F238E27FC236}">
-                <a16:creationId xmlns:a16="http://schemas.microsoft.com/office/drawing/2014/main" id="{EB8AE764-3745-1D92-5771-6E126410CC67}"/>
-              </a:ext>
-            </a:extLst>
-          </p:cNvPr>
-          <p:cNvSpPr/>
-          <p:nvPr/>
-        </p:nvSpPr>
-        <p:spPr>
-          <a:xfrm>
-            <a:off x="261275" y="170430"/>
-            <a:ext cx="695683" cy="695683"/>
-          </a:xfrm>
-          <a:prstGeom prst="arc">
-            <a:avLst>
-              <a:gd name="adj1" fmla="val 12344486"/>
-              <a:gd name="adj2" fmla="val 15848502"/>
-            </a:avLst>
-          </a:prstGeom>
-          <a:noFill/>
-          <a:ln w="190500">
-            <a:solidFill>
-              <a:srgbClr val="241C26"/>
-            </a:solidFill>
-          </a:ln>
-        </p:spPr>
-        <p:style>
-          <a:lnRef idx="3">
-            <a:schemeClr val="dk1"/>
-          </a:lnRef>
-          <a:fillRef idx="0">
-            <a:schemeClr val="dk1"/>
-          </a:fillRef>
-          <a:effectRef idx="2">
-            <a:schemeClr val="dk1"/>
-          </a:effectRef>
-          <a:fontRef idx="minor">
-            <a:schemeClr val="tx1"/>
-          </a:fontRef>
-        </p:style>
-        <p:txBody>
-          <a:bodyPr rtlCol="0" anchor="ctr"/>
-          <a:lstStyle/>
-          <a:p>
-            <a:pPr algn="ctr"/>
-            <a:endParaRPr lang="de-CH" sz="2087" u="sng" spc="-290" dirty="0"/>
-          </a:p>
-        </p:txBody>
-      </p:sp>
-      <p:sp>
-        <p:nvSpPr>
-          <p:cNvPr id="3" name="Arc 2">
-            <a:extLst>
-              <a:ext uri="{FF2B5EF4-FFF2-40B4-BE49-F238E27FC236}">
-                <a16:creationId xmlns:a16="http://schemas.microsoft.com/office/drawing/2014/main" id="{4186B8D4-D174-A8E2-0280-3E73D1665613}"/>
-              </a:ext>
-            </a:extLst>
-          </p:cNvPr>
-          <p:cNvSpPr/>
-          <p:nvPr/>
-        </p:nvSpPr>
-        <p:spPr>
-          <a:xfrm>
-            <a:off x="260507" y="170881"/>
-            <a:ext cx="695683" cy="695683"/>
-          </a:xfrm>
-          <a:prstGeom prst="arc">
-            <a:avLst>
-              <a:gd name="adj1" fmla="val 9609412"/>
-              <a:gd name="adj2" fmla="val 11977920"/>
-            </a:avLst>
-          </a:prstGeom>
-          <a:noFill/>
-          <a:ln w="190500">
-            <a:solidFill>
-              <a:srgbClr val="241C26"/>
-            </a:solidFill>
-          </a:ln>
-        </p:spPr>
-        <p:style>
-          <a:lnRef idx="3">
-            <a:schemeClr val="dk1"/>
-          </a:lnRef>
-          <a:fillRef idx="0">
-            <a:schemeClr val="dk1"/>
-          </a:fillRef>
-          <a:effectRef idx="2">
-            <a:schemeClr val="dk1"/>
-          </a:effectRef>
-          <a:fontRef idx="minor">
-            <a:schemeClr val="tx1"/>
-          </a:fontRef>
-        </p:style>
-        <p:txBody>
-          <a:bodyPr rtlCol="0" anchor="ctr"/>
-          <a:lstStyle/>
-          <a:p>
-            <a:pPr algn="ctr"/>
-            <a:endParaRPr lang="de-CH" sz="2087" spc="-290"/>
-          </a:p>
-        </p:txBody>
-      </p:sp>
-      <p:sp>
-        <p:nvSpPr>
-          <p:cNvPr id="2" name="TextBox 1">
-            <a:extLst>
-              <a:ext uri="{FF2B5EF4-FFF2-40B4-BE49-F238E27FC236}">
-                <a16:creationId xmlns:a16="http://schemas.microsoft.com/office/drawing/2014/main" id="{82E0E680-6A79-0FD0-E5DF-FE5DFB08DE5F}"/>
-              </a:ext>
-            </a:extLst>
-          </p:cNvPr>
-          <p:cNvSpPr txBox="1"/>
-          <p:nvPr/>
-        </p:nvSpPr>
-        <p:spPr>
-          <a:xfrm>
-            <a:off x="1101691" y="-56963"/>
-            <a:ext cx="2531802" cy="646331"/>
-          </a:xfrm>
-          <a:prstGeom prst="rect">
-            <a:avLst/>
-          </a:prstGeom>
-          <a:noFill/>
-        </p:spPr>
-        <p:txBody>
-          <a:bodyPr wrap="square" rtlCol="0">
-            <a:spAutoFit/>
-          </a:bodyPr>
-          <a:lstStyle/>
-          <a:p>
-            <a:r>
-              <a:rPr lang="de-CH" sz="3600" dirty="0">
-                <a:solidFill>
-                  <a:srgbClr val="241C26"/>
-                </a:solidFill>
-                <a:latin typeface="Bahnschrift SemiBold Condensed" panose="020B0502040204020203" pitchFamily="34" charset="0"/>
-                <a:ea typeface="ADLaM Display" panose="020F0502020204030204" pitchFamily="2" charset="0"/>
-                <a:cs typeface="ADLaM Display" panose="020F0502020204030204" pitchFamily="2" charset="0"/>
-              </a:rPr>
-              <a:t>statistics,</a:t>
-            </a:r>
-          </a:p>
-        </p:txBody>
-      </p:sp>
-      <p:sp>
-        <p:nvSpPr>
-          <p:cNvPr id="4" name="TextBox 3">
-            <a:extLst>
-              <a:ext uri="{FF2B5EF4-FFF2-40B4-BE49-F238E27FC236}">
-                <a16:creationId xmlns:a16="http://schemas.microsoft.com/office/drawing/2014/main" id="{755FCC62-73EC-66B9-C8F7-CFD9287E77E2}"/>
-              </a:ext>
-            </a:extLst>
-          </p:cNvPr>
-          <p:cNvSpPr txBox="1"/>
-          <p:nvPr/>
-        </p:nvSpPr>
-        <p:spPr>
-          <a:xfrm>
-            <a:off x="1105373" y="314596"/>
-            <a:ext cx="1459005" cy="646331"/>
-          </a:xfrm>
-          <a:prstGeom prst="rect">
-            <a:avLst/>
-          </a:prstGeom>
-          <a:noFill/>
-        </p:spPr>
-        <p:txBody>
-          <a:bodyPr wrap="square" rtlCol="0">
-            <a:spAutoFit/>
-          </a:bodyPr>
-          <a:lstStyle/>
-          <a:p>
-            <a:r>
-              <a:rPr lang="de-CH" sz="3600" dirty="0">
-                <a:solidFill>
-                  <a:srgbClr val="241C26"/>
-                </a:solidFill>
-                <a:latin typeface="Bahnschrift SemiBold Condensed" panose="020B0502040204020203" pitchFamily="34" charset="0"/>
-                <a:ea typeface="ADLaM Display" panose="020F0502020204030204" pitchFamily="2" charset="0"/>
-                <a:cs typeface="ADLaM Display" panose="020F0502020204030204" pitchFamily="2" charset="0"/>
-              </a:rPr>
-              <a:t>yup!</a:t>
-            </a:r>
-          </a:p>
-        </p:txBody>
-      </p:sp>
-    </p:spTree>
-    <p:extLst>
-      <p:ext uri="{BB962C8B-B14F-4D97-AF65-F5344CB8AC3E}">
-        <p14:creationId xmlns:p14="http://schemas.microsoft.com/office/powerpoint/2010/main" val="3765928959"/>
-      </p:ext>
-    </p:extLst>
-  </p:cSld>
-  <p:clrMapOvr>
-    <a:masterClrMapping/>
-  </p:clrMapOvr>
-</p:sld>
-</file>
-
-<file path=ppt/slides/slide3.xml><?xml version="1.0" encoding="utf-8"?>
-<p:sld xmlns:a="http://schemas.openxmlformats.org/drawingml/2006/main" xmlns:r="http://schemas.openxmlformats.org/officeDocument/2006/relationships" xmlns:p="http://schemas.openxmlformats.org/presentationml/2006/main">
-  <p:cSld>
-    <p:spTree>
-      <p:nvGrpSpPr>
-        <p:cNvPr id="1" name=""/>
-        <p:cNvGrpSpPr/>
-        <p:nvPr/>
-      </p:nvGrpSpPr>
-      <p:grpSpPr>
-        <a:xfrm>
-          <a:off x="0" y="0"/>
-          <a:ext cx="0" cy="0"/>
-          <a:chOff x="0" y="0"/>
-          <a:chExt cx="0" cy="0"/>
-        </a:xfrm>
-      </p:grpSpPr>
-      <p:sp>
-        <p:nvSpPr>
-          <p:cNvPr id="5" name="Rectangle 4">
-            <a:extLst>
-              <a:ext uri="{FF2B5EF4-FFF2-40B4-BE49-F238E27FC236}">
-                <a16:creationId xmlns:a16="http://schemas.microsoft.com/office/drawing/2014/main" id="{573E9844-EFD9-E0EA-D06D-A41AB7E4AC81}"/>
-              </a:ext>
-            </a:extLst>
-          </p:cNvPr>
-          <p:cNvSpPr/>
-          <p:nvPr/>
-        </p:nvSpPr>
-        <p:spPr>
-          <a:xfrm>
-            <a:off x="19050" y="19050"/>
-            <a:ext cx="3524250" cy="995363"/>
-          </a:xfrm>
-          <a:prstGeom prst="rect">
-            <a:avLst/>
-          </a:prstGeom>
-          <a:solidFill>
-            <a:schemeClr val="tx1"/>
-          </a:solidFill>
-          <a:ln>
-            <a:solidFill>
-              <a:schemeClr val="tx1"/>
-            </a:solidFill>
-          </a:ln>
-        </p:spPr>
-        <p:style>
-          <a:lnRef idx="2">
-            <a:schemeClr val="accent1">
-              <a:shade val="15000"/>
-            </a:schemeClr>
-          </a:lnRef>
-          <a:fillRef idx="1">
-            <a:schemeClr val="accent1"/>
-          </a:fillRef>
-          <a:effectRef idx="0">
-            <a:schemeClr val="accent1"/>
-          </a:effectRef>
-          <a:fontRef idx="minor">
-            <a:schemeClr val="lt1"/>
-          </a:fontRef>
-        </p:style>
-        <p:txBody>
-          <a:bodyPr rtlCol="0" anchor="ctr"/>
-          <a:lstStyle/>
-          <a:p>
-            <a:pPr algn="ctr"/>
-            <a:endParaRPr lang="de-CH"/>
-          </a:p>
-        </p:txBody>
-      </p:sp>
-      <p:sp>
-        <p:nvSpPr>
-          <p:cNvPr id="14" name="Arc 13">
-            <a:extLst>
-              <a:ext uri="{FF2B5EF4-FFF2-40B4-BE49-F238E27FC236}">
-                <a16:creationId xmlns:a16="http://schemas.microsoft.com/office/drawing/2014/main" id="{52D4A276-E749-462B-9479-C5A1FB3CCA67}"/>
-              </a:ext>
-            </a:extLst>
-          </p:cNvPr>
-          <p:cNvSpPr/>
-          <p:nvPr/>
-        </p:nvSpPr>
-        <p:spPr>
-          <a:xfrm>
-            <a:off x="261277" y="170432"/>
-            <a:ext cx="695683" cy="695683"/>
-          </a:xfrm>
-          <a:prstGeom prst="arc">
-            <a:avLst>
-              <a:gd name="adj1" fmla="val 16200000"/>
-              <a:gd name="adj2" fmla="val 6731470"/>
-            </a:avLst>
-          </a:prstGeom>
-          <a:noFill/>
-          <a:ln w="190500">
-            <a:solidFill>
-              <a:srgbClr val="F2F1E9"/>
-            </a:solidFill>
-          </a:ln>
-        </p:spPr>
-        <p:style>
-          <a:lnRef idx="3">
-            <a:schemeClr val="dk1"/>
-          </a:lnRef>
-          <a:fillRef idx="0">
-            <a:schemeClr val="dk1"/>
-          </a:fillRef>
-          <a:effectRef idx="2">
-            <a:schemeClr val="dk1"/>
-          </a:effectRef>
-          <a:fontRef idx="minor">
-            <a:schemeClr val="tx1"/>
-          </a:fontRef>
-        </p:style>
-        <p:txBody>
-          <a:bodyPr rtlCol="0" anchor="ctr"/>
-          <a:lstStyle/>
-          <a:p>
-            <a:pPr algn="ctr"/>
-            <a:endParaRPr lang="de-CH" sz="2087" spc="-290" dirty="0"/>
-          </a:p>
-        </p:txBody>
-      </p:sp>
-      <p:sp>
-        <p:nvSpPr>
-          <p:cNvPr id="17" name="Arc 16">
-            <a:extLst>
-              <a:ext uri="{FF2B5EF4-FFF2-40B4-BE49-F238E27FC236}">
-                <a16:creationId xmlns:a16="http://schemas.microsoft.com/office/drawing/2014/main" id="{F819B1B4-F824-6F76-9AF6-B68D956EF92C}"/>
-              </a:ext>
-            </a:extLst>
-          </p:cNvPr>
-          <p:cNvSpPr/>
-          <p:nvPr/>
-        </p:nvSpPr>
-        <p:spPr>
-          <a:xfrm>
-            <a:off x="261275" y="170430"/>
-            <a:ext cx="695683" cy="695683"/>
-          </a:xfrm>
-          <a:prstGeom prst="arc">
-            <a:avLst>
-              <a:gd name="adj1" fmla="val 7086778"/>
-              <a:gd name="adj2" fmla="val 9247295"/>
-            </a:avLst>
-          </a:prstGeom>
-          <a:noFill/>
-          <a:ln w="190500">
-            <a:solidFill>
-              <a:srgbClr val="F2F1E9"/>
-            </a:solidFill>
-          </a:ln>
-        </p:spPr>
-        <p:style>
-          <a:lnRef idx="3">
-            <a:schemeClr val="dk1"/>
-          </a:lnRef>
-          <a:fillRef idx="0">
-            <a:schemeClr val="dk1"/>
-          </a:fillRef>
-          <a:effectRef idx="2">
-            <a:schemeClr val="dk1"/>
-          </a:effectRef>
-          <a:fontRef idx="minor">
-            <a:schemeClr val="tx1"/>
-          </a:fontRef>
-        </p:style>
-        <p:txBody>
-          <a:bodyPr rtlCol="0" anchor="ctr"/>
-          <a:lstStyle/>
-          <a:p>
-            <a:pPr algn="ctr"/>
-            <a:endParaRPr lang="de-CH" sz="2087" spc="-290"/>
-          </a:p>
-        </p:txBody>
-      </p:sp>
-      <p:sp>
-        <p:nvSpPr>
-          <p:cNvPr id="20" name="Arc 19">
-            <a:extLst>
-              <a:ext uri="{FF2B5EF4-FFF2-40B4-BE49-F238E27FC236}">
-                <a16:creationId xmlns:a16="http://schemas.microsoft.com/office/drawing/2014/main" id="{EB8AE764-3745-1D92-5771-6E126410CC67}"/>
-              </a:ext>
-            </a:extLst>
-          </p:cNvPr>
-          <p:cNvSpPr/>
-          <p:nvPr/>
-        </p:nvSpPr>
-        <p:spPr>
-          <a:xfrm>
-            <a:off x="261275" y="170430"/>
-            <a:ext cx="695683" cy="695683"/>
-          </a:xfrm>
-          <a:prstGeom prst="arc">
-            <a:avLst>
-              <a:gd name="adj1" fmla="val 12344486"/>
-              <a:gd name="adj2" fmla="val 15848502"/>
-            </a:avLst>
-          </a:prstGeom>
-          <a:noFill/>
-          <a:ln w="190500">
-            <a:solidFill>
-              <a:srgbClr val="F2F1E9"/>
-            </a:solidFill>
-          </a:ln>
-        </p:spPr>
-        <p:style>
-          <a:lnRef idx="3">
-            <a:schemeClr val="dk1"/>
-          </a:lnRef>
-          <a:fillRef idx="0">
-            <a:schemeClr val="dk1"/>
-          </a:fillRef>
-          <a:effectRef idx="2">
-            <a:schemeClr val="dk1"/>
-          </a:effectRef>
-          <a:fontRef idx="minor">
-            <a:schemeClr val="tx1"/>
-          </a:fontRef>
-        </p:style>
-        <p:txBody>
-          <a:bodyPr rtlCol="0" anchor="ctr"/>
-          <a:lstStyle/>
-          <a:p>
-            <a:pPr algn="ctr"/>
-            <a:endParaRPr lang="de-CH" sz="2087" u="sng" spc="-290" dirty="0"/>
-          </a:p>
-        </p:txBody>
-      </p:sp>
-      <p:sp>
-        <p:nvSpPr>
-          <p:cNvPr id="3" name="Arc 2">
-            <a:extLst>
-              <a:ext uri="{FF2B5EF4-FFF2-40B4-BE49-F238E27FC236}">
-                <a16:creationId xmlns:a16="http://schemas.microsoft.com/office/drawing/2014/main" id="{4186B8D4-D174-A8E2-0280-3E73D1665613}"/>
-              </a:ext>
-            </a:extLst>
-          </p:cNvPr>
-          <p:cNvSpPr/>
-          <p:nvPr/>
-        </p:nvSpPr>
-        <p:spPr>
-          <a:xfrm>
-            <a:off x="260507" y="170881"/>
-            <a:ext cx="695683" cy="695683"/>
-          </a:xfrm>
-          <a:prstGeom prst="arc">
-            <a:avLst>
-              <a:gd name="adj1" fmla="val 9609412"/>
-              <a:gd name="adj2" fmla="val 11977920"/>
-            </a:avLst>
-          </a:prstGeom>
-          <a:noFill/>
-          <a:ln w="190500">
-            <a:solidFill>
-              <a:srgbClr val="F2F1E9"/>
-            </a:solidFill>
-          </a:ln>
-        </p:spPr>
-        <p:style>
-          <a:lnRef idx="3">
-            <a:schemeClr val="dk1"/>
-          </a:lnRef>
-          <a:fillRef idx="0">
-            <a:schemeClr val="dk1"/>
-          </a:fillRef>
-          <a:effectRef idx="2">
-            <a:schemeClr val="dk1"/>
-          </a:effectRef>
-          <a:fontRef idx="minor">
-            <a:schemeClr val="tx1"/>
-          </a:fontRef>
-        </p:style>
-        <p:txBody>
-          <a:bodyPr rtlCol="0" anchor="ctr"/>
-          <a:lstStyle/>
-          <a:p>
-            <a:pPr algn="ctr"/>
-            <a:endParaRPr lang="de-CH" sz="2087" spc="-290"/>
-          </a:p>
-        </p:txBody>
-      </p:sp>
-      <p:sp>
-        <p:nvSpPr>
-          <p:cNvPr id="2" name="TextBox 1">
-            <a:extLst>
-              <a:ext uri="{FF2B5EF4-FFF2-40B4-BE49-F238E27FC236}">
-                <a16:creationId xmlns:a16="http://schemas.microsoft.com/office/drawing/2014/main" id="{82E0E680-6A79-0FD0-E5DF-FE5DFB08DE5F}"/>
-              </a:ext>
-            </a:extLst>
-          </p:cNvPr>
-          <p:cNvSpPr txBox="1"/>
-          <p:nvPr/>
-        </p:nvSpPr>
-        <p:spPr>
-          <a:xfrm>
-            <a:off x="1101691" y="-56963"/>
-            <a:ext cx="2531802" cy="646331"/>
-          </a:xfrm>
-          <a:prstGeom prst="rect">
-            <a:avLst/>
-          </a:prstGeom>
-          <a:noFill/>
-        </p:spPr>
-        <p:txBody>
-          <a:bodyPr wrap="square" rtlCol="0">
-            <a:spAutoFit/>
-          </a:bodyPr>
-          <a:lstStyle/>
-          <a:p>
-            <a:r>
-              <a:rPr lang="de-CH" sz="3600" dirty="0">
-                <a:solidFill>
-                  <a:srgbClr val="F2F1E9"/>
-                </a:solidFill>
-                <a:latin typeface="Bahnschrift SemiBold Condensed" panose="020B0502040204020203" pitchFamily="34" charset="0"/>
-                <a:ea typeface="ADLaM Display" panose="020F0502020204030204" pitchFamily="2" charset="0"/>
-                <a:cs typeface="ADLaM Display" panose="020F0502020204030204" pitchFamily="2" charset="0"/>
-              </a:rPr>
-              <a:t>statistics,</a:t>
-            </a:r>
-          </a:p>
-        </p:txBody>
-      </p:sp>
-      <p:sp>
-        <p:nvSpPr>
-          <p:cNvPr id="4" name="TextBox 3">
-            <a:extLst>
-              <a:ext uri="{FF2B5EF4-FFF2-40B4-BE49-F238E27FC236}">
-                <a16:creationId xmlns:a16="http://schemas.microsoft.com/office/drawing/2014/main" id="{755FCC62-73EC-66B9-C8F7-CFD9287E77E2}"/>
-              </a:ext>
-            </a:extLst>
-          </p:cNvPr>
-          <p:cNvSpPr txBox="1"/>
-          <p:nvPr/>
-        </p:nvSpPr>
-        <p:spPr>
-          <a:xfrm>
-            <a:off x="1105373" y="314596"/>
-            <a:ext cx="1459005" cy="646331"/>
-          </a:xfrm>
-          <a:prstGeom prst="rect">
-            <a:avLst/>
-          </a:prstGeom>
-          <a:noFill/>
-        </p:spPr>
-        <p:txBody>
-          <a:bodyPr wrap="square" rtlCol="0">
-            <a:spAutoFit/>
-          </a:bodyPr>
-          <a:lstStyle/>
-          <a:p>
-            <a:r>
-              <a:rPr lang="de-CH" sz="3600" dirty="0">
-                <a:solidFill>
-                  <a:srgbClr val="F2F1E9"/>
-                </a:solidFill>
-                <a:latin typeface="Bahnschrift SemiBold Condensed" panose="020B0502040204020203" pitchFamily="34" charset="0"/>
-                <a:ea typeface="ADLaM Display" panose="020F0502020204030204" pitchFamily="2" charset="0"/>
-                <a:cs typeface="ADLaM Display" panose="020F0502020204030204" pitchFamily="2" charset="0"/>
-              </a:rPr>
-              <a:t>yup!</a:t>
-            </a:r>
-          </a:p>
-        </p:txBody>
-      </p:sp>
-    </p:spTree>
-    <p:extLst>
-      <p:ext uri="{BB962C8B-B14F-4D97-AF65-F5344CB8AC3E}">
-        <p14:creationId xmlns:p14="http://schemas.microsoft.com/office/powerpoint/2010/main" val="269511757"/>
-      </p:ext>
-    </p:extLst>
-  </p:cSld>
-  <p:clrMapOvr>
-    <a:masterClrMapping/>
-  </p:clrMapOvr>
-</p:sld>
-</file>
-
-<file path=ppt/slides/slide4.xml><?xml version="1.0" encoding="utf-8"?>
-<p:sld xmlns:a="http://schemas.openxmlformats.org/drawingml/2006/main" xmlns:r="http://schemas.openxmlformats.org/officeDocument/2006/relationships" xmlns:p="http://schemas.openxmlformats.org/presentationml/2006/main">
-  <p:cSld>
-    <p:spTree>
-      <p:nvGrpSpPr>
-        <p:cNvPr id="1" name=""/>
-        <p:cNvGrpSpPr/>
-        <p:nvPr/>
-      </p:nvGrpSpPr>
-      <p:grpSpPr>
-        <a:xfrm>
-          <a:off x="0" y="0"/>
-          <a:ext cx="0" cy="0"/>
-          <a:chOff x="0" y="0"/>
-          <a:chExt cx="0" cy="0"/>
-        </a:xfrm>
-      </p:grpSpPr>
-      <p:sp>
-        <p:nvSpPr>
-          <p:cNvPr id="14" name="Arc 13">
-            <a:extLst>
-              <a:ext uri="{FF2B5EF4-FFF2-40B4-BE49-F238E27FC236}">
-                <a16:creationId xmlns:a16="http://schemas.microsoft.com/office/drawing/2014/main" id="{52D4A276-E749-462B-9479-C5A1FB3CCA67}"/>
-              </a:ext>
-            </a:extLst>
-          </p:cNvPr>
-          <p:cNvSpPr/>
-          <p:nvPr/>
-        </p:nvSpPr>
-        <p:spPr>
-          <a:xfrm>
-            <a:off x="261277" y="170432"/>
-            <a:ext cx="695683" cy="695683"/>
-          </a:xfrm>
-          <a:prstGeom prst="arc">
-            <a:avLst>
-              <a:gd name="adj1" fmla="val 16200000"/>
-              <a:gd name="adj2" fmla="val 6731470"/>
-            </a:avLst>
-          </a:prstGeom>
-          <a:solidFill>
-            <a:schemeClr val="bg1"/>
-          </a:solidFill>
-          <a:ln w="190500">
-            <a:solidFill>
-              <a:srgbClr val="241C26"/>
-            </a:solidFill>
-          </a:ln>
-        </p:spPr>
-        <p:style>
-          <a:lnRef idx="3">
-            <a:schemeClr val="dk1"/>
-          </a:lnRef>
-          <a:fillRef idx="0">
-            <a:schemeClr val="dk1"/>
-          </a:fillRef>
-          <a:effectRef idx="2">
-            <a:schemeClr val="dk1"/>
-          </a:effectRef>
-          <a:fontRef idx="minor">
-            <a:schemeClr val="tx1"/>
-          </a:fontRef>
-        </p:style>
-        <p:txBody>
-          <a:bodyPr rtlCol="0" anchor="ctr"/>
-          <a:lstStyle/>
-          <a:p>
-            <a:pPr algn="ctr"/>
-            <a:endParaRPr lang="de-CH" sz="2087" spc="-290" dirty="0"/>
-          </a:p>
-        </p:txBody>
-      </p:sp>
-      <p:sp>
-        <p:nvSpPr>
-          <p:cNvPr id="17" name="Arc 16">
-            <a:extLst>
-              <a:ext uri="{FF2B5EF4-FFF2-40B4-BE49-F238E27FC236}">
-                <a16:creationId xmlns:a16="http://schemas.microsoft.com/office/drawing/2014/main" id="{F819B1B4-F824-6F76-9AF6-B68D956EF92C}"/>
-              </a:ext>
-            </a:extLst>
-          </p:cNvPr>
-          <p:cNvSpPr/>
-          <p:nvPr/>
-        </p:nvSpPr>
-        <p:spPr>
-          <a:xfrm>
-            <a:off x="261275" y="170430"/>
-            <a:ext cx="695683" cy="695683"/>
-          </a:xfrm>
-          <a:prstGeom prst="arc">
-            <a:avLst>
-              <a:gd name="adj1" fmla="val 7086778"/>
-              <a:gd name="adj2" fmla="val 9247295"/>
-            </a:avLst>
-          </a:prstGeom>
-          <a:solidFill>
-            <a:schemeClr val="bg1"/>
-          </a:solidFill>
-          <a:ln w="190500">
-            <a:solidFill>
-              <a:srgbClr val="BF505A"/>
-            </a:solidFill>
-          </a:ln>
-        </p:spPr>
-        <p:style>
-          <a:lnRef idx="3">
-            <a:schemeClr val="dk1"/>
-          </a:lnRef>
-          <a:fillRef idx="0">
-            <a:schemeClr val="dk1"/>
-          </a:fillRef>
-          <a:effectRef idx="2">
-            <a:schemeClr val="dk1"/>
-          </a:effectRef>
-          <a:fontRef idx="minor">
-            <a:schemeClr val="tx1"/>
-          </a:fontRef>
-        </p:style>
-        <p:txBody>
-          <a:bodyPr rtlCol="0" anchor="ctr"/>
-          <a:lstStyle/>
-          <a:p>
-            <a:pPr algn="ctr"/>
-            <a:endParaRPr lang="de-CH" sz="2087" spc="-290" dirty="0"/>
-          </a:p>
-        </p:txBody>
-      </p:sp>
-      <p:sp>
-        <p:nvSpPr>
-          <p:cNvPr id="20" name="Arc 19">
-            <a:extLst>
-              <a:ext uri="{FF2B5EF4-FFF2-40B4-BE49-F238E27FC236}">
-                <a16:creationId xmlns:a16="http://schemas.microsoft.com/office/drawing/2014/main" id="{EB8AE764-3745-1D92-5771-6E126410CC67}"/>
-              </a:ext>
-            </a:extLst>
-          </p:cNvPr>
-          <p:cNvSpPr/>
-          <p:nvPr/>
-        </p:nvSpPr>
-        <p:spPr>
-          <a:xfrm>
-            <a:off x="261275" y="170430"/>
-            <a:ext cx="695683" cy="695683"/>
-          </a:xfrm>
-          <a:prstGeom prst="arc">
-            <a:avLst>
-              <a:gd name="adj1" fmla="val 12344486"/>
-              <a:gd name="adj2" fmla="val 15848502"/>
-            </a:avLst>
-          </a:prstGeom>
-          <a:solidFill>
-            <a:schemeClr val="bg1"/>
-          </a:solidFill>
-          <a:ln w="190500">
-            <a:solidFill>
-              <a:srgbClr val="6F87A6"/>
-            </a:solidFill>
-          </a:ln>
-        </p:spPr>
-        <p:style>
-          <a:lnRef idx="3">
-            <a:schemeClr val="dk1"/>
-          </a:lnRef>
-          <a:fillRef idx="0">
-            <a:schemeClr val="dk1"/>
-          </a:fillRef>
-          <a:effectRef idx="2">
-            <a:schemeClr val="dk1"/>
-          </a:effectRef>
-          <a:fontRef idx="minor">
-            <a:schemeClr val="tx1"/>
-          </a:fontRef>
-        </p:style>
-        <p:txBody>
-          <a:bodyPr rtlCol="0" anchor="ctr"/>
-          <a:lstStyle/>
-          <a:p>
-            <a:pPr algn="ctr"/>
-            <a:endParaRPr lang="de-CH" sz="2087" u="sng" spc="-290" dirty="0"/>
-          </a:p>
-        </p:txBody>
-      </p:sp>
-      <p:sp>
-        <p:nvSpPr>
-          <p:cNvPr id="3" name="Arc 2">
-            <a:extLst>
-              <a:ext uri="{FF2B5EF4-FFF2-40B4-BE49-F238E27FC236}">
-                <a16:creationId xmlns:a16="http://schemas.microsoft.com/office/drawing/2014/main" id="{4186B8D4-D174-A8E2-0280-3E73D1665613}"/>
-              </a:ext>
-            </a:extLst>
-          </p:cNvPr>
-          <p:cNvSpPr/>
-          <p:nvPr/>
-        </p:nvSpPr>
-        <p:spPr>
-          <a:xfrm>
-            <a:off x="260507" y="170881"/>
-            <a:ext cx="695683" cy="695683"/>
-          </a:xfrm>
-          <a:prstGeom prst="arc">
-            <a:avLst>
-              <a:gd name="adj1" fmla="val 9609412"/>
-              <a:gd name="adj2" fmla="val 11977920"/>
-            </a:avLst>
-          </a:prstGeom>
-          <a:solidFill>
-            <a:schemeClr val="bg1"/>
-          </a:solidFill>
-          <a:ln w="190500">
-            <a:solidFill>
-              <a:srgbClr val="818C70"/>
-            </a:solidFill>
-          </a:ln>
-        </p:spPr>
-        <p:style>
-          <a:lnRef idx="3">
-            <a:schemeClr val="dk1"/>
-          </a:lnRef>
-          <a:fillRef idx="0">
-            <a:schemeClr val="dk1"/>
-          </a:fillRef>
-          <a:effectRef idx="2">
-            <a:schemeClr val="dk1"/>
-          </a:effectRef>
-          <a:fontRef idx="minor">
-            <a:schemeClr val="tx1"/>
-          </a:fontRef>
-        </p:style>
-        <p:txBody>
-          <a:bodyPr rtlCol="0" anchor="ctr"/>
-          <a:lstStyle/>
-          <a:p>
-            <a:pPr algn="ctr"/>
-            <a:endParaRPr lang="de-CH" sz="2087" spc="-290"/>
-          </a:p>
-        </p:txBody>
-      </p:sp>
-      <p:sp>
-        <p:nvSpPr>
-          <p:cNvPr id="2" name="TextBox 1">
-            <a:extLst>
-              <a:ext uri="{FF2B5EF4-FFF2-40B4-BE49-F238E27FC236}">
-                <a16:creationId xmlns:a16="http://schemas.microsoft.com/office/drawing/2014/main" id="{82E0E680-6A79-0FD0-E5DF-FE5DFB08DE5F}"/>
-              </a:ext>
-            </a:extLst>
-          </p:cNvPr>
-          <p:cNvSpPr txBox="1"/>
-          <p:nvPr/>
-        </p:nvSpPr>
-        <p:spPr>
-          <a:xfrm>
-            <a:off x="1101691" y="-56963"/>
-            <a:ext cx="2531802" cy="646331"/>
-          </a:xfrm>
-          <a:prstGeom prst="rect">
-            <a:avLst/>
-          </a:prstGeom>
-          <a:noFill/>
-        </p:spPr>
-        <p:txBody>
-          <a:bodyPr wrap="square" rtlCol="0">
-            <a:spAutoFit/>
-          </a:bodyPr>
-          <a:lstStyle/>
-          <a:p>
-            <a:r>
-              <a:rPr lang="de-CH" sz="3600" dirty="0">
-                <a:solidFill>
-                  <a:srgbClr val="241C26"/>
-                </a:solidFill>
-                <a:latin typeface="Bahnschrift SemiBold Condensed" panose="020B0502040204020203" pitchFamily="34" charset="0"/>
-                <a:ea typeface="ADLaM Display" panose="020F0502020204030204" pitchFamily="2" charset="0"/>
-                <a:cs typeface="ADLaM Display" panose="020F0502020204030204" pitchFamily="2" charset="0"/>
-              </a:rPr>
-              <a:t>statistics,</a:t>
-            </a:r>
-          </a:p>
-        </p:txBody>
-      </p:sp>
-      <p:sp>
-        <p:nvSpPr>
-          <p:cNvPr id="4" name="TextBox 3">
-            <a:extLst>
-              <a:ext uri="{FF2B5EF4-FFF2-40B4-BE49-F238E27FC236}">
-                <a16:creationId xmlns:a16="http://schemas.microsoft.com/office/drawing/2014/main" id="{755FCC62-73EC-66B9-C8F7-CFD9287E77E2}"/>
-              </a:ext>
-            </a:extLst>
-          </p:cNvPr>
-          <p:cNvSpPr txBox="1"/>
-          <p:nvPr/>
-        </p:nvSpPr>
-        <p:spPr>
-          <a:xfrm>
-            <a:off x="1105373" y="314596"/>
-            <a:ext cx="1459005" cy="646331"/>
-          </a:xfrm>
-          <a:prstGeom prst="rect">
-            <a:avLst/>
-          </a:prstGeom>
-          <a:noFill/>
-        </p:spPr>
-        <p:txBody>
-          <a:bodyPr wrap="square" rtlCol="0">
-            <a:spAutoFit/>
-          </a:bodyPr>
-          <a:lstStyle/>
-          <a:p>
-            <a:r>
-              <a:rPr lang="de-CH" sz="3600" dirty="0">
-                <a:solidFill>
-                  <a:srgbClr val="241C26"/>
-                </a:solidFill>
-                <a:latin typeface="Bahnschrift SemiBold Condensed" panose="020B0502040204020203" pitchFamily="34" charset="0"/>
-                <a:ea typeface="ADLaM Display" panose="020F0502020204030204" pitchFamily="2" charset="0"/>
-                <a:cs typeface="ADLaM Display" panose="020F0502020204030204" pitchFamily="2" charset="0"/>
-              </a:rPr>
-              <a:t>yup!</a:t>
-            </a:r>
-          </a:p>
-        </p:txBody>
-      </p:sp>
-    </p:spTree>
-    <p:extLst>
-      <p:ext uri="{BB962C8B-B14F-4D97-AF65-F5344CB8AC3E}">
-        <p14:creationId xmlns:p14="http://schemas.microsoft.com/office/powerpoint/2010/main" val="521519063"/>
       </p:ext>
     </p:extLst>
   </p:cSld>

--- a/images/logo.pptx
+++ b/images/logo.pptx
@@ -115,12 +115,20 @@
 </p:presentation>
 </file>
 
+<file path=ppt/revisionInfo.xml><?xml version="1.0" encoding="utf-8"?>
+<p1510:revInfo xmlns:a="http://schemas.openxmlformats.org/drawingml/2006/main" xmlns:r="http://schemas.openxmlformats.org/officeDocument/2006/relationships" xmlns:p1510="http://schemas.microsoft.com/office/powerpoint/2015/10/main">
+  <p1510:revLst>
+    <p1510:client id="{F92B5F04-90E4-4457-B1A8-28367E1F9C2D}" v="5" dt="2025-04-12T21:07:54.317"/>
+  </p1510:revLst>
+</p1510:revInfo>
+</file>
+
 <file path=ppt/changesInfos/changesInfo1.xml><?xml version="1.0" encoding="utf-8"?>
 <pc:chgInfo xmlns:a="http://schemas.openxmlformats.org/drawingml/2006/main" xmlns:r="http://schemas.openxmlformats.org/officeDocument/2006/relationships" xmlns:ac="http://schemas.microsoft.com/office/drawing/2013/main/command" xmlns:pc="http://schemas.microsoft.com/office/powerpoint/2013/main/command">
   <pc:docChgLst>
     <pc:chgData name="Simon Schwab" userId="5e8e8be0-26a3-48b1-a8c0-2dbc395844a0" providerId="ADAL" clId="{F92B5F04-90E4-4457-B1A8-28367E1F9C2D}"/>
-    <pc:docChg chg="modSld sldOrd">
-      <pc:chgData name="Simon Schwab" userId="5e8e8be0-26a3-48b1-a8c0-2dbc395844a0" providerId="ADAL" clId="{F92B5F04-90E4-4457-B1A8-28367E1F9C2D}" dt="2025-04-11T12:38:31.721" v="1"/>
+    <pc:docChg chg="undo redo custSel modSld sldOrd">
+      <pc:chgData name="Simon Schwab" userId="5e8e8be0-26a3-48b1-a8c0-2dbc395844a0" providerId="ADAL" clId="{F92B5F04-90E4-4457-B1A8-28367E1F9C2D}" dt="2025-04-12T21:07:31.385" v="57" actId="14100"/>
       <pc:docMkLst>
         <pc:docMk/>
       </pc:docMkLst>
@@ -130,6 +138,53 @@
           <pc:docMk/>
           <pc:sldMk cId="3208357589" sldId="256"/>
         </pc:sldMkLst>
+      </pc:sldChg>
+      <pc:sldChg chg="modSp mod">
+        <pc:chgData name="Simon Schwab" userId="5e8e8be0-26a3-48b1-a8c0-2dbc395844a0" providerId="ADAL" clId="{F92B5F04-90E4-4457-B1A8-28367E1F9C2D}" dt="2025-04-12T21:07:31.385" v="57" actId="14100"/>
+        <pc:sldMkLst>
+          <pc:docMk/>
+          <pc:sldMk cId="3765928959" sldId="258"/>
+        </pc:sldMkLst>
+        <pc:spChg chg="mod">
+          <ac:chgData name="Simon Schwab" userId="5e8e8be0-26a3-48b1-a8c0-2dbc395844a0" providerId="ADAL" clId="{F92B5F04-90E4-4457-B1A8-28367E1F9C2D}" dt="2025-04-12T21:07:30.816" v="54" actId="20577"/>
+          <ac:spMkLst>
+            <pc:docMk/>
+            <pc:sldMk cId="3765928959" sldId="258"/>
+            <ac:spMk id="2" creationId="{82E0E680-6A79-0FD0-E5DF-FE5DFB08DE5F}"/>
+          </ac:spMkLst>
+        </pc:spChg>
+        <pc:spChg chg="mod">
+          <ac:chgData name="Simon Schwab" userId="5e8e8be0-26a3-48b1-a8c0-2dbc395844a0" providerId="ADAL" clId="{F92B5F04-90E4-4457-B1A8-28367E1F9C2D}" dt="2025-04-12T21:07:31.385" v="57" actId="14100"/>
+          <ac:spMkLst>
+            <pc:docMk/>
+            <pc:sldMk cId="3765928959" sldId="258"/>
+            <ac:spMk id="3" creationId="{4186B8D4-D174-A8E2-0280-3E73D1665613}"/>
+          </ac:spMkLst>
+        </pc:spChg>
+        <pc:spChg chg="mod">
+          <ac:chgData name="Simon Schwab" userId="5e8e8be0-26a3-48b1-a8c0-2dbc395844a0" providerId="ADAL" clId="{F92B5F04-90E4-4457-B1A8-28367E1F9C2D}" dt="2025-04-12T21:07:31.385" v="57" actId="14100"/>
+          <ac:spMkLst>
+            <pc:docMk/>
+            <pc:sldMk cId="3765928959" sldId="258"/>
+            <ac:spMk id="14" creationId="{52D4A276-E749-462B-9479-C5A1FB3CCA67}"/>
+          </ac:spMkLst>
+        </pc:spChg>
+        <pc:spChg chg="mod">
+          <ac:chgData name="Simon Schwab" userId="5e8e8be0-26a3-48b1-a8c0-2dbc395844a0" providerId="ADAL" clId="{F92B5F04-90E4-4457-B1A8-28367E1F9C2D}" dt="2025-04-12T21:07:31.385" v="57" actId="14100"/>
+          <ac:spMkLst>
+            <pc:docMk/>
+            <pc:sldMk cId="3765928959" sldId="258"/>
+            <ac:spMk id="17" creationId="{F819B1B4-F824-6F76-9AF6-B68D956EF92C}"/>
+          </ac:spMkLst>
+        </pc:spChg>
+        <pc:spChg chg="mod">
+          <ac:chgData name="Simon Schwab" userId="5e8e8be0-26a3-48b1-a8c0-2dbc395844a0" providerId="ADAL" clId="{F92B5F04-90E4-4457-B1A8-28367E1F9C2D}" dt="2025-04-12T21:07:31.385" v="57" actId="14100"/>
+          <ac:spMkLst>
+            <pc:docMk/>
+            <pc:sldMk cId="3765928959" sldId="258"/>
+            <ac:spMk id="20" creationId="{EB8AE764-3745-1D92-5771-6E126410CC67}"/>
+          </ac:spMkLst>
+        </pc:spChg>
       </pc:sldChg>
     </pc:docChg>
   </pc:docChgLst>
@@ -1475,7 +1530,7 @@
           <a:p>
             <a:fld id="{55AD22FE-7305-40DE-AD74-B7D90DD9F565}" type="datetimeFigureOut">
               <a:rPr lang="de-CH" smtClean="0"/>
-              <a:t>11.04.2025</a:t>
+              <a:t>12.04.2025</a:t>
             </a:fld>
             <a:endParaRPr lang="de-CH"/>
           </a:p>
@@ -1645,7 +1700,7 @@
           <a:p>
             <a:fld id="{55AD22FE-7305-40DE-AD74-B7D90DD9F565}" type="datetimeFigureOut">
               <a:rPr lang="de-CH" smtClean="0"/>
-              <a:t>11.04.2025</a:t>
+              <a:t>12.04.2025</a:t>
             </a:fld>
             <a:endParaRPr lang="de-CH"/>
           </a:p>
@@ -1825,7 +1880,7 @@
           <a:p>
             <a:fld id="{55AD22FE-7305-40DE-AD74-B7D90DD9F565}" type="datetimeFigureOut">
               <a:rPr lang="de-CH" smtClean="0"/>
-              <a:t>11.04.2025</a:t>
+              <a:t>12.04.2025</a:t>
             </a:fld>
             <a:endParaRPr lang="de-CH"/>
           </a:p>
@@ -1995,7 +2050,7 @@
           <a:p>
             <a:fld id="{55AD22FE-7305-40DE-AD74-B7D90DD9F565}" type="datetimeFigureOut">
               <a:rPr lang="de-CH" smtClean="0"/>
-              <a:t>11.04.2025</a:t>
+              <a:t>12.04.2025</a:t>
             </a:fld>
             <a:endParaRPr lang="de-CH"/>
           </a:p>
@@ -2241,7 +2296,7 @@
           <a:p>
             <a:fld id="{55AD22FE-7305-40DE-AD74-B7D90DD9F565}" type="datetimeFigureOut">
               <a:rPr lang="de-CH" smtClean="0"/>
-              <a:t>11.04.2025</a:t>
+              <a:t>12.04.2025</a:t>
             </a:fld>
             <a:endParaRPr lang="de-CH"/>
           </a:p>
@@ -2473,7 +2528,7 @@
           <a:p>
             <a:fld id="{55AD22FE-7305-40DE-AD74-B7D90DD9F565}" type="datetimeFigureOut">
               <a:rPr lang="de-CH" smtClean="0"/>
-              <a:t>11.04.2025</a:t>
+              <a:t>12.04.2025</a:t>
             </a:fld>
             <a:endParaRPr lang="de-CH"/>
           </a:p>
@@ -2840,7 +2895,7 @@
           <a:p>
             <a:fld id="{55AD22FE-7305-40DE-AD74-B7D90DD9F565}" type="datetimeFigureOut">
               <a:rPr lang="de-CH" smtClean="0"/>
-              <a:t>11.04.2025</a:t>
+              <a:t>12.04.2025</a:t>
             </a:fld>
             <a:endParaRPr lang="de-CH"/>
           </a:p>
@@ -2958,7 +3013,7 @@
           <a:p>
             <a:fld id="{55AD22FE-7305-40DE-AD74-B7D90DD9F565}" type="datetimeFigureOut">
               <a:rPr lang="de-CH" smtClean="0"/>
-              <a:t>11.04.2025</a:t>
+              <a:t>12.04.2025</a:t>
             </a:fld>
             <a:endParaRPr lang="de-CH"/>
           </a:p>
@@ -3053,7 +3108,7 @@
           <a:p>
             <a:fld id="{55AD22FE-7305-40DE-AD74-B7D90DD9F565}" type="datetimeFigureOut">
               <a:rPr lang="de-CH" smtClean="0"/>
-              <a:t>11.04.2025</a:t>
+              <a:t>12.04.2025</a:t>
             </a:fld>
             <a:endParaRPr lang="de-CH"/>
           </a:p>
@@ -3330,7 +3385,7 @@
           <a:p>
             <a:fld id="{55AD22FE-7305-40DE-AD74-B7D90DD9F565}" type="datetimeFigureOut">
               <a:rPr lang="de-CH" smtClean="0"/>
-              <a:t>11.04.2025</a:t>
+              <a:t>12.04.2025</a:t>
             </a:fld>
             <a:endParaRPr lang="de-CH"/>
           </a:p>
@@ -3587,7 +3642,7 @@
           <a:p>
             <a:fld id="{55AD22FE-7305-40DE-AD74-B7D90DD9F565}" type="datetimeFigureOut">
               <a:rPr lang="de-CH" smtClean="0"/>
-              <a:t>11.04.2025</a:t>
+              <a:t>12.04.2025</a:t>
             </a:fld>
             <a:endParaRPr lang="de-CH"/>
           </a:p>
@@ -3800,7 +3855,7 @@
           <a:p>
             <a:fld id="{55AD22FE-7305-40DE-AD74-B7D90DD9F565}" type="datetimeFigureOut">
               <a:rPr lang="de-CH" smtClean="0"/>
-              <a:t>11.04.2025</a:t>
+              <a:t>12.04.2025</a:t>
             </a:fld>
             <a:endParaRPr lang="de-CH"/>
           </a:p>
